--- a/cs5870/project/LeNet5 EEG.pptx
+++ b/cs5870/project/LeNet5 EEG.pptx
@@ -2,18 +2,21 @@
 <file path=ppt/presentation.xml><?xml version="1.0" encoding="utf-8"?>
 <p:presentation xmlns:a="http://schemas.openxmlformats.org/drawingml/2006/main" xmlns:r="http://schemas.openxmlformats.org/officeDocument/2006/relationships" xmlns:p="http://schemas.openxmlformats.org/presentationml/2006/main" saveSubsetFonts="1">
   <p:sldMasterIdLst>
-    <p:sldMasterId id="2147483648" r:id="rId1"/>
+    <p:sldMasterId id="2147483987" r:id="rId1"/>
   </p:sldMasterIdLst>
   <p:sldIdLst>
     <p:sldId id="256" r:id="rId2"/>
-    <p:sldId id="264" r:id="rId3"/>
-    <p:sldId id="257" r:id="rId4"/>
-    <p:sldId id="258" r:id="rId5"/>
-    <p:sldId id="259" r:id="rId6"/>
-    <p:sldId id="260" r:id="rId7"/>
-    <p:sldId id="263" r:id="rId8"/>
-    <p:sldId id="262" r:id="rId9"/>
-    <p:sldId id="261" r:id="rId10"/>
+    <p:sldId id="270" r:id="rId3"/>
+    <p:sldId id="265" r:id="rId4"/>
+    <p:sldId id="257" r:id="rId5"/>
+    <p:sldId id="258" r:id="rId6"/>
+    <p:sldId id="259" r:id="rId7"/>
+    <p:sldId id="266" r:id="rId8"/>
+    <p:sldId id="267" r:id="rId9"/>
+    <p:sldId id="260" r:id="rId10"/>
+    <p:sldId id="263" r:id="rId11"/>
+    <p:sldId id="262" r:id="rId12"/>
+    <p:sldId id="269" r:id="rId13"/>
   </p:sldIdLst>
   <p:sldSz cx="9144000" cy="6858000" type="screen4x3"/>
   <p:notesSz cx="6858000" cy="9144000"/>
@@ -112,6 +115,22 @@
       </a:defRPr>
     </a:lvl9pPr>
   </p:defaultTextStyle>
+  <p:extLst>
+    <p:ext uri="{EFAFB233-063F-42B5-8137-9DF3F51BA10A}">
+      <p15:sldGuideLst xmlns:p15="http://schemas.microsoft.com/office/powerpoint/2012/main">
+        <p15:guide id="1" orient="horz" pos="2160">
+          <p15:clr>
+            <a:srgbClr val="A4A3A4"/>
+          </p15:clr>
+        </p15:guide>
+        <p15:guide id="2" pos="2880">
+          <p15:clr>
+            <a:srgbClr val="A4A3A4"/>
+          </p15:clr>
+        </p15:guide>
+      </p15:sldGuideLst>
+    </p:ext>
+  </p:extLst>
 </p:presentation>
 </file>
 
@@ -144,19 +163,23 @@
         </p:nvSpPr>
         <p:spPr>
           <a:xfrm>
-            <a:off x="685800" y="2130425"/>
-            <a:ext cx="7772400" cy="1470025"/>
+            <a:off x="685800" y="1122363"/>
+            <a:ext cx="7772400" cy="2387600"/>
           </a:xfrm>
         </p:spPr>
         <p:txBody>
-          <a:bodyPr/>
-          <a:lstStyle/>
+          <a:bodyPr anchor="b"/>
+          <a:lstStyle>
+            <a:lvl1pPr algn="ctr">
+              <a:defRPr sz="6000"/>
+            </a:lvl1pPr>
+          </a:lstStyle>
           <a:p>
             <a:r>
               <a:rPr lang="en-US" smtClean="0"/>
               <a:t>Click to edit Master title style</a:t>
             </a:r>
-            <a:endParaRPr lang="en-US"/>
+            <a:endParaRPr lang="en-US" dirty="0"/>
           </a:p>
         </p:txBody>
       </p:sp>
@@ -172,8 +195,8 @@
         </p:nvSpPr>
         <p:spPr>
           <a:xfrm>
-            <a:off x="1371600" y="3886200"/>
-            <a:ext cx="6400800" cy="1752600"/>
+            <a:off x="1143000" y="3602038"/>
+            <a:ext cx="6858000" cy="1655762"/>
           </a:xfrm>
         </p:spPr>
         <p:txBody>
@@ -181,93 +204,39 @@
           <a:lstStyle>
             <a:lvl1pPr marL="0" indent="0" algn="ctr">
               <a:buNone/>
-              <a:defRPr>
-                <a:solidFill>
-                  <a:schemeClr val="tx1">
-                    <a:tint val="75000"/>
-                  </a:schemeClr>
-                </a:solidFill>
-              </a:defRPr>
+              <a:defRPr sz="2400"/>
             </a:lvl1pPr>
             <a:lvl2pPr marL="457200" indent="0" algn="ctr">
               <a:buNone/>
-              <a:defRPr>
-                <a:solidFill>
-                  <a:schemeClr val="tx1">
-                    <a:tint val="75000"/>
-                  </a:schemeClr>
-                </a:solidFill>
-              </a:defRPr>
+              <a:defRPr sz="2000"/>
             </a:lvl2pPr>
             <a:lvl3pPr marL="914400" indent="0" algn="ctr">
               <a:buNone/>
-              <a:defRPr>
-                <a:solidFill>
-                  <a:schemeClr val="tx1">
-                    <a:tint val="75000"/>
-                  </a:schemeClr>
-                </a:solidFill>
-              </a:defRPr>
+              <a:defRPr sz="1800"/>
             </a:lvl3pPr>
             <a:lvl4pPr marL="1371600" indent="0" algn="ctr">
               <a:buNone/>
-              <a:defRPr>
-                <a:solidFill>
-                  <a:schemeClr val="tx1">
-                    <a:tint val="75000"/>
-                  </a:schemeClr>
-                </a:solidFill>
-              </a:defRPr>
+              <a:defRPr sz="1600"/>
             </a:lvl4pPr>
             <a:lvl5pPr marL="1828800" indent="0" algn="ctr">
               <a:buNone/>
-              <a:defRPr>
-                <a:solidFill>
-                  <a:schemeClr val="tx1">
-                    <a:tint val="75000"/>
-                  </a:schemeClr>
-                </a:solidFill>
-              </a:defRPr>
+              <a:defRPr sz="1600"/>
             </a:lvl5pPr>
             <a:lvl6pPr marL="2286000" indent="0" algn="ctr">
               <a:buNone/>
-              <a:defRPr>
-                <a:solidFill>
-                  <a:schemeClr val="tx1">
-                    <a:tint val="75000"/>
-                  </a:schemeClr>
-                </a:solidFill>
-              </a:defRPr>
+              <a:defRPr sz="1600"/>
             </a:lvl6pPr>
             <a:lvl7pPr marL="2743200" indent="0" algn="ctr">
               <a:buNone/>
-              <a:defRPr>
-                <a:solidFill>
-                  <a:schemeClr val="tx1">
-                    <a:tint val="75000"/>
-                  </a:schemeClr>
-                </a:solidFill>
-              </a:defRPr>
+              <a:defRPr sz="1600"/>
             </a:lvl7pPr>
             <a:lvl8pPr marL="3200400" indent="0" algn="ctr">
               <a:buNone/>
-              <a:defRPr>
-                <a:solidFill>
-                  <a:schemeClr val="tx1">
-                    <a:tint val="75000"/>
-                  </a:schemeClr>
-                </a:solidFill>
-              </a:defRPr>
+              <a:defRPr sz="1600"/>
             </a:lvl8pPr>
             <a:lvl9pPr marL="3657600" indent="0" algn="ctr">
               <a:buNone/>
-              <a:defRPr>
-                <a:solidFill>
-                  <a:schemeClr val="tx1">
-                    <a:tint val="75000"/>
-                  </a:schemeClr>
-                </a:solidFill>
-              </a:defRPr>
+              <a:defRPr sz="1600"/>
             </a:lvl9pPr>
           </a:lstStyle>
           <a:p>
@@ -275,7 +244,7 @@
               <a:rPr lang="en-US" smtClean="0"/>
               <a:t>Click to edit Master subtitle style</a:t>
             </a:r>
-            <a:endParaRPr lang="en-US"/>
+            <a:endParaRPr lang="en-US" dirty="0"/>
           </a:p>
         </p:txBody>
       </p:sp>
@@ -296,7 +265,7 @@
           <a:p>
             <a:fld id="{4DC53AF3-3EE1-4CFB-BACC-71B29ED4B7ED}" type="datetimeFigureOut">
               <a:rPr lang="en-US" smtClean="0"/>
-              <a:t>10/25/2014</a:t>
+              <a:t>10/26/2014</a:t>
             </a:fld>
             <a:endParaRPr lang="en-US"/>
           </a:p>
@@ -347,7 +316,7 @@
     </p:spTree>
     <p:extLst>
       <p:ext uri="{BB962C8B-B14F-4D97-AF65-F5344CB8AC3E}">
-        <p14:creationId xmlns:p14="http://schemas.microsoft.com/office/powerpoint/2010/main" val="2034110842"/>
+        <p14:creationId xmlns:p14="http://schemas.microsoft.com/office/powerpoint/2010/main" val="839732423"/>
       </p:ext>
     </p:extLst>
   </p:cSld>
@@ -393,7 +362,7 @@
               <a:rPr lang="en-US" smtClean="0"/>
               <a:t>Click to edit Master title style</a:t>
             </a:r>
-            <a:endParaRPr lang="en-US"/>
+            <a:endParaRPr lang="en-US" dirty="0"/>
           </a:p>
         </p:txBody>
       </p:sp>
@@ -445,7 +414,7 @@
               <a:rPr lang="en-US" smtClean="0"/>
               <a:t>Fifth level</a:t>
             </a:r>
-            <a:endParaRPr lang="en-US"/>
+            <a:endParaRPr lang="en-US" dirty="0"/>
           </a:p>
         </p:txBody>
       </p:sp>
@@ -466,7 +435,7 @@
           <a:p>
             <a:fld id="{4DC53AF3-3EE1-4CFB-BACC-71B29ED4B7ED}" type="datetimeFigureOut">
               <a:rPr lang="en-US" smtClean="0"/>
-              <a:t>10/25/2014</a:t>
+              <a:t>10/26/2014</a:t>
             </a:fld>
             <a:endParaRPr lang="en-US"/>
           </a:p>
@@ -517,7 +486,7 @@
     </p:spTree>
     <p:extLst>
       <p:ext uri="{BB962C8B-B14F-4D97-AF65-F5344CB8AC3E}">
-        <p14:creationId xmlns:p14="http://schemas.microsoft.com/office/powerpoint/2010/main" val="2272760576"/>
+        <p14:creationId xmlns:p14="http://schemas.microsoft.com/office/powerpoint/2010/main" val="667780818"/>
       </p:ext>
     </p:extLst>
   </p:cSld>
@@ -556,8 +525,8 @@
         </p:nvSpPr>
         <p:spPr>
           <a:xfrm>
-            <a:off x="6629400" y="274638"/>
-            <a:ext cx="2057400" cy="5851525"/>
+            <a:off x="6543675" y="365125"/>
+            <a:ext cx="1971675" cy="5811838"/>
           </a:xfrm>
         </p:spPr>
         <p:txBody>
@@ -568,7 +537,7 @@
               <a:rPr lang="en-US" smtClean="0"/>
               <a:t>Click to edit Master title style</a:t>
             </a:r>
-            <a:endParaRPr lang="en-US"/>
+            <a:endParaRPr lang="en-US" dirty="0"/>
           </a:p>
         </p:txBody>
       </p:sp>
@@ -584,8 +553,8 @@
         </p:nvSpPr>
         <p:spPr>
           <a:xfrm>
-            <a:off x="457200" y="274638"/>
-            <a:ext cx="6019800" cy="5851525"/>
+            <a:off x="628650" y="365125"/>
+            <a:ext cx="5800725" cy="5811838"/>
           </a:xfrm>
         </p:spPr>
         <p:txBody>
@@ -625,7 +594,7 @@
               <a:rPr lang="en-US" smtClean="0"/>
               <a:t>Fifth level</a:t>
             </a:r>
-            <a:endParaRPr lang="en-US"/>
+            <a:endParaRPr lang="en-US" dirty="0"/>
           </a:p>
         </p:txBody>
       </p:sp>
@@ -646,7 +615,7 @@
           <a:p>
             <a:fld id="{4DC53AF3-3EE1-4CFB-BACC-71B29ED4B7ED}" type="datetimeFigureOut">
               <a:rPr lang="en-US" smtClean="0"/>
-              <a:t>10/25/2014</a:t>
+              <a:t>10/26/2014</a:t>
             </a:fld>
             <a:endParaRPr lang="en-US"/>
           </a:p>
@@ -697,7 +666,7 @@
     </p:spTree>
     <p:extLst>
       <p:ext uri="{BB962C8B-B14F-4D97-AF65-F5344CB8AC3E}">
-        <p14:creationId xmlns:p14="http://schemas.microsoft.com/office/powerpoint/2010/main" val="3711491539"/>
+        <p14:creationId xmlns:p14="http://schemas.microsoft.com/office/powerpoint/2010/main" val="203849463"/>
       </p:ext>
     </p:extLst>
   </p:cSld>
@@ -743,7 +712,7 @@
               <a:rPr lang="en-US" smtClean="0"/>
               <a:t>Click to edit Master title style</a:t>
             </a:r>
-            <a:endParaRPr lang="en-US"/>
+            <a:endParaRPr lang="en-US" dirty="0"/>
           </a:p>
         </p:txBody>
       </p:sp>
@@ -795,7 +764,7 @@
               <a:rPr lang="en-US" smtClean="0"/>
               <a:t>Fifth level</a:t>
             </a:r>
-            <a:endParaRPr lang="en-US"/>
+            <a:endParaRPr lang="en-US" dirty="0"/>
           </a:p>
         </p:txBody>
       </p:sp>
@@ -816,7 +785,7 @@
           <a:p>
             <a:fld id="{4DC53AF3-3EE1-4CFB-BACC-71B29ED4B7ED}" type="datetimeFigureOut">
               <a:rPr lang="en-US" smtClean="0"/>
-              <a:t>10/25/2014</a:t>
+              <a:t>10/26/2014</a:t>
             </a:fld>
             <a:endParaRPr lang="en-US"/>
           </a:p>
@@ -867,7 +836,7 @@
     </p:spTree>
     <p:extLst>
       <p:ext uri="{BB962C8B-B14F-4D97-AF65-F5344CB8AC3E}">
-        <p14:creationId xmlns:p14="http://schemas.microsoft.com/office/powerpoint/2010/main" val="1770664530"/>
+        <p14:creationId xmlns:p14="http://schemas.microsoft.com/office/powerpoint/2010/main" val="2804069118"/>
       </p:ext>
     </p:extLst>
   </p:cSld>
@@ -906,15 +875,15 @@
         </p:nvSpPr>
         <p:spPr>
           <a:xfrm>
-            <a:off x="722313" y="4406900"/>
-            <a:ext cx="7772400" cy="1362075"/>
+            <a:off x="623888" y="1709739"/>
+            <a:ext cx="7886700" cy="2852737"/>
           </a:xfrm>
         </p:spPr>
         <p:txBody>
-          <a:bodyPr anchor="t"/>
+          <a:bodyPr anchor="b"/>
           <a:lstStyle>
-            <a:lvl1pPr algn="l">
-              <a:defRPr sz="4000" b="1" cap="all"/>
+            <a:lvl1pPr>
+              <a:defRPr sz="6000"/>
             </a:lvl1pPr>
           </a:lstStyle>
           <a:p>
@@ -922,7 +891,7 @@
               <a:rPr lang="en-US" smtClean="0"/>
               <a:t>Click to edit Master title style</a:t>
             </a:r>
-            <a:endParaRPr lang="en-US"/>
+            <a:endParaRPr lang="en-US" dirty="0"/>
           </a:p>
         </p:txBody>
       </p:sp>
@@ -938,14 +907,22 @@
         </p:nvSpPr>
         <p:spPr>
           <a:xfrm>
-            <a:off x="722313" y="2906713"/>
-            <a:ext cx="7772400" cy="1500187"/>
+            <a:off x="623888" y="4589464"/>
+            <a:ext cx="7886700" cy="1500187"/>
           </a:xfrm>
         </p:spPr>
         <p:txBody>
-          <a:bodyPr anchor="b"/>
+          <a:bodyPr/>
           <a:lstStyle>
             <a:lvl1pPr marL="0" indent="0">
+              <a:buNone/>
+              <a:defRPr sz="2400">
+                <a:solidFill>
+                  <a:schemeClr val="tx1"/>
+                </a:solidFill>
+              </a:defRPr>
+            </a:lvl1pPr>
+            <a:lvl2pPr marL="457200" indent="0">
               <a:buNone/>
               <a:defRPr sz="2000">
                 <a:solidFill>
@@ -954,8 +931,8 @@
                   </a:schemeClr>
                 </a:solidFill>
               </a:defRPr>
-            </a:lvl1pPr>
-            <a:lvl2pPr marL="457200" indent="0">
+            </a:lvl2pPr>
+            <a:lvl3pPr marL="914400" indent="0">
               <a:buNone/>
               <a:defRPr sz="1800">
                 <a:solidFill>
@@ -964,8 +941,8 @@
                   </a:schemeClr>
                 </a:solidFill>
               </a:defRPr>
-            </a:lvl2pPr>
-            <a:lvl3pPr marL="914400" indent="0">
+            </a:lvl3pPr>
+            <a:lvl4pPr marL="1371600" indent="0">
               <a:buNone/>
               <a:defRPr sz="1600">
                 <a:solidFill>
@@ -974,66 +951,56 @@
                   </a:schemeClr>
                 </a:solidFill>
               </a:defRPr>
-            </a:lvl3pPr>
-            <a:lvl4pPr marL="1371600" indent="0">
-              <a:buNone/>
-              <a:defRPr sz="1400">
+            </a:lvl4pPr>
+            <a:lvl5pPr marL="1828800" indent="0">
+              <a:buNone/>
+              <a:defRPr sz="1600">
                 <a:solidFill>
                   <a:schemeClr val="tx1">
                     <a:tint val="75000"/>
                   </a:schemeClr>
                 </a:solidFill>
               </a:defRPr>
-            </a:lvl4pPr>
-            <a:lvl5pPr marL="1828800" indent="0">
-              <a:buNone/>
-              <a:defRPr sz="1400">
+            </a:lvl5pPr>
+            <a:lvl6pPr marL="2286000" indent="0">
+              <a:buNone/>
+              <a:defRPr sz="1600">
                 <a:solidFill>
                   <a:schemeClr val="tx1">
                     <a:tint val="75000"/>
                   </a:schemeClr>
                 </a:solidFill>
               </a:defRPr>
-            </a:lvl5pPr>
-            <a:lvl6pPr marL="2286000" indent="0">
-              <a:buNone/>
-              <a:defRPr sz="1400">
+            </a:lvl6pPr>
+            <a:lvl7pPr marL="2743200" indent="0">
+              <a:buNone/>
+              <a:defRPr sz="1600">
                 <a:solidFill>
                   <a:schemeClr val="tx1">
                     <a:tint val="75000"/>
                   </a:schemeClr>
                 </a:solidFill>
               </a:defRPr>
-            </a:lvl6pPr>
-            <a:lvl7pPr marL="2743200" indent="0">
-              <a:buNone/>
-              <a:defRPr sz="1400">
+            </a:lvl7pPr>
+            <a:lvl8pPr marL="3200400" indent="0">
+              <a:buNone/>
+              <a:defRPr sz="1600">
                 <a:solidFill>
                   <a:schemeClr val="tx1">
                     <a:tint val="75000"/>
                   </a:schemeClr>
                 </a:solidFill>
               </a:defRPr>
-            </a:lvl7pPr>
-            <a:lvl8pPr marL="3200400" indent="0">
-              <a:buNone/>
-              <a:defRPr sz="1400">
+            </a:lvl8pPr>
+            <a:lvl9pPr marL="3657600" indent="0">
+              <a:buNone/>
+              <a:defRPr sz="1600">
                 <a:solidFill>
                   <a:schemeClr val="tx1">
                     <a:tint val="75000"/>
                   </a:schemeClr>
                 </a:solidFill>
               </a:defRPr>
-            </a:lvl8pPr>
-            <a:lvl9pPr marL="3657600" indent="0">
-              <a:buNone/>
-              <a:defRPr sz="1400">
-                <a:solidFill>
-                  <a:schemeClr val="tx1">
-                    <a:tint val="75000"/>
-                  </a:schemeClr>
-                </a:solidFill>
-              </a:defRPr>
             </a:lvl9pPr>
           </a:lstStyle>
           <a:p>
@@ -1062,7 +1029,7 @@
           <a:p>
             <a:fld id="{4DC53AF3-3EE1-4CFB-BACC-71B29ED4B7ED}" type="datetimeFigureOut">
               <a:rPr lang="en-US" smtClean="0"/>
-              <a:t>10/25/2014</a:t>
+              <a:t>10/26/2014</a:t>
             </a:fld>
             <a:endParaRPr lang="en-US"/>
           </a:p>
@@ -1113,7 +1080,7 @@
     </p:spTree>
     <p:extLst>
       <p:ext uri="{BB962C8B-B14F-4D97-AF65-F5344CB8AC3E}">
-        <p14:creationId xmlns:p14="http://schemas.microsoft.com/office/powerpoint/2010/main" val="2625555382"/>
+        <p14:creationId xmlns:p14="http://schemas.microsoft.com/office/powerpoint/2010/main" val="3918572563"/>
       </p:ext>
     </p:extLst>
   </p:cSld>
@@ -1159,7 +1126,7 @@
               <a:rPr lang="en-US" smtClean="0"/>
               <a:t>Click to edit Master title style</a:t>
             </a:r>
-            <a:endParaRPr lang="en-US"/>
+            <a:endParaRPr lang="en-US" dirty="0"/>
           </a:p>
         </p:txBody>
       </p:sp>
@@ -1175,41 +1142,13 @@
         </p:nvSpPr>
         <p:spPr>
           <a:xfrm>
-            <a:off x="457200" y="1600200"/>
-            <a:ext cx="4038600" cy="4525963"/>
+            <a:off x="628650" y="1825625"/>
+            <a:ext cx="3886200" cy="4351338"/>
           </a:xfrm>
         </p:spPr>
         <p:txBody>
           <a:bodyPr/>
-          <a:lstStyle>
-            <a:lvl1pPr>
-              <a:defRPr sz="2800"/>
-            </a:lvl1pPr>
-            <a:lvl2pPr>
-              <a:defRPr sz="2400"/>
-            </a:lvl2pPr>
-            <a:lvl3pPr>
-              <a:defRPr sz="2000"/>
-            </a:lvl3pPr>
-            <a:lvl4pPr>
-              <a:defRPr sz="1800"/>
-            </a:lvl4pPr>
-            <a:lvl5pPr>
-              <a:defRPr sz="1800"/>
-            </a:lvl5pPr>
-            <a:lvl6pPr>
-              <a:defRPr sz="1800"/>
-            </a:lvl6pPr>
-            <a:lvl7pPr>
-              <a:defRPr sz="1800"/>
-            </a:lvl7pPr>
-            <a:lvl8pPr>
-              <a:defRPr sz="1800"/>
-            </a:lvl8pPr>
-            <a:lvl9pPr>
-              <a:defRPr sz="1800"/>
-            </a:lvl9pPr>
-          </a:lstStyle>
+          <a:lstStyle/>
           <a:p>
             <a:pPr lvl="0"/>
             <a:r>
@@ -1244,7 +1183,7 @@
               <a:rPr lang="en-US" smtClean="0"/>
               <a:t>Fifth level</a:t>
             </a:r>
-            <a:endParaRPr lang="en-US"/>
+            <a:endParaRPr lang="en-US" dirty="0"/>
           </a:p>
         </p:txBody>
       </p:sp>
@@ -1260,41 +1199,13 @@
         </p:nvSpPr>
         <p:spPr>
           <a:xfrm>
-            <a:off x="4648200" y="1600200"/>
-            <a:ext cx="4038600" cy="4525963"/>
+            <a:off x="4629150" y="1825625"/>
+            <a:ext cx="3886200" cy="4351338"/>
           </a:xfrm>
         </p:spPr>
         <p:txBody>
           <a:bodyPr/>
-          <a:lstStyle>
-            <a:lvl1pPr>
-              <a:defRPr sz="2800"/>
-            </a:lvl1pPr>
-            <a:lvl2pPr>
-              <a:defRPr sz="2400"/>
-            </a:lvl2pPr>
-            <a:lvl3pPr>
-              <a:defRPr sz="2000"/>
-            </a:lvl3pPr>
-            <a:lvl4pPr>
-              <a:defRPr sz="1800"/>
-            </a:lvl4pPr>
-            <a:lvl5pPr>
-              <a:defRPr sz="1800"/>
-            </a:lvl5pPr>
-            <a:lvl6pPr>
-              <a:defRPr sz="1800"/>
-            </a:lvl6pPr>
-            <a:lvl7pPr>
-              <a:defRPr sz="1800"/>
-            </a:lvl7pPr>
-            <a:lvl8pPr>
-              <a:defRPr sz="1800"/>
-            </a:lvl8pPr>
-            <a:lvl9pPr>
-              <a:defRPr sz="1800"/>
-            </a:lvl9pPr>
-          </a:lstStyle>
+          <a:lstStyle/>
           <a:p>
             <a:pPr lvl="0"/>
             <a:r>
@@ -1329,7 +1240,7 @@
               <a:rPr lang="en-US" smtClean="0"/>
               <a:t>Fifth level</a:t>
             </a:r>
-            <a:endParaRPr lang="en-US"/>
+            <a:endParaRPr lang="en-US" dirty="0"/>
           </a:p>
         </p:txBody>
       </p:sp>
@@ -1350,7 +1261,7 @@
           <a:p>
             <a:fld id="{4DC53AF3-3EE1-4CFB-BACC-71B29ED4B7ED}" type="datetimeFigureOut">
               <a:rPr lang="en-US" smtClean="0"/>
-              <a:t>10/25/2014</a:t>
+              <a:t>10/26/2014</a:t>
             </a:fld>
             <a:endParaRPr lang="en-US"/>
           </a:p>
@@ -1401,7 +1312,7 @@
     </p:spTree>
     <p:extLst>
       <p:ext uri="{BB962C8B-B14F-4D97-AF65-F5344CB8AC3E}">
-        <p14:creationId xmlns:p14="http://schemas.microsoft.com/office/powerpoint/2010/main" val="3210130253"/>
+        <p14:creationId xmlns:p14="http://schemas.microsoft.com/office/powerpoint/2010/main" val="3349987324"/>
       </p:ext>
     </p:extLst>
   </p:cSld>
@@ -1438,37 +1349,38 @@
             <p:ph type="title"/>
           </p:nvPr>
         </p:nvSpPr>
-        <p:spPr/>
-        <p:txBody>
-          <a:bodyPr/>
-          <a:lstStyle>
-            <a:lvl1pPr>
-              <a:defRPr/>
-            </a:lvl1pPr>
-          </a:lstStyle>
-          <a:p>
-            <a:r>
-              <a:rPr lang="en-US" smtClean="0"/>
-              <a:t>Click to edit Master title style</a:t>
-            </a:r>
-            <a:endParaRPr lang="en-US"/>
-          </a:p>
-        </p:txBody>
-      </p:sp>
-      <p:sp>
-        <p:nvSpPr>
-          <p:cNvPr id="3" name="Text Placeholder 2"/>
-          <p:cNvSpPr>
-            <a:spLocks noGrp="1"/>
-          </p:cNvSpPr>
-          <p:nvPr>
-            <p:ph type="body" idx="1"/>
-          </p:nvPr>
-        </p:nvSpPr>
         <p:spPr>
           <a:xfrm>
-            <a:off x="457200" y="1535113"/>
-            <a:ext cx="4040188" cy="639762"/>
+            <a:off x="629841" y="365126"/>
+            <a:ext cx="7886700" cy="1325563"/>
+          </a:xfrm>
+        </p:spPr>
+        <p:txBody>
+          <a:bodyPr/>
+          <a:lstStyle/>
+          <a:p>
+            <a:r>
+              <a:rPr lang="en-US" smtClean="0"/>
+              <a:t>Click to edit Master title style</a:t>
+            </a:r>
+            <a:endParaRPr lang="en-US" dirty="0"/>
+          </a:p>
+        </p:txBody>
+      </p:sp>
+      <p:sp>
+        <p:nvSpPr>
+          <p:cNvPr id="3" name="Text Placeholder 2"/>
+          <p:cNvSpPr>
+            <a:spLocks noGrp="1"/>
+          </p:cNvSpPr>
+          <p:nvPr>
+            <p:ph type="body" idx="1"/>
+          </p:nvPr>
+        </p:nvSpPr>
+        <p:spPr>
+          <a:xfrm>
+            <a:off x="629842" y="1681163"/>
+            <a:ext cx="3868340" cy="823912"/>
           </a:xfrm>
         </p:spPr>
         <p:txBody>
@@ -1532,41 +1444,13 @@
         </p:nvSpPr>
         <p:spPr>
           <a:xfrm>
-            <a:off x="457200" y="2174875"/>
-            <a:ext cx="4040188" cy="3951288"/>
+            <a:off x="629842" y="2505075"/>
+            <a:ext cx="3868340" cy="3684588"/>
           </a:xfrm>
         </p:spPr>
         <p:txBody>
           <a:bodyPr/>
-          <a:lstStyle>
-            <a:lvl1pPr>
-              <a:defRPr sz="2400"/>
-            </a:lvl1pPr>
-            <a:lvl2pPr>
-              <a:defRPr sz="2000"/>
-            </a:lvl2pPr>
-            <a:lvl3pPr>
-              <a:defRPr sz="1800"/>
-            </a:lvl3pPr>
-            <a:lvl4pPr>
-              <a:defRPr sz="1600"/>
-            </a:lvl4pPr>
-            <a:lvl5pPr>
-              <a:defRPr sz="1600"/>
-            </a:lvl5pPr>
-            <a:lvl6pPr>
-              <a:defRPr sz="1600"/>
-            </a:lvl6pPr>
-            <a:lvl7pPr>
-              <a:defRPr sz="1600"/>
-            </a:lvl7pPr>
-            <a:lvl8pPr>
-              <a:defRPr sz="1600"/>
-            </a:lvl8pPr>
-            <a:lvl9pPr>
-              <a:defRPr sz="1600"/>
-            </a:lvl9pPr>
-          </a:lstStyle>
+          <a:lstStyle/>
           <a:p>
             <a:pPr lvl="0"/>
             <a:r>
@@ -1601,7 +1485,7 @@
               <a:rPr lang="en-US" smtClean="0"/>
               <a:t>Fifth level</a:t>
             </a:r>
-            <a:endParaRPr lang="en-US"/>
+            <a:endParaRPr lang="en-US" dirty="0"/>
           </a:p>
         </p:txBody>
       </p:sp>
@@ -1617,8 +1501,8 @@
         </p:nvSpPr>
         <p:spPr>
           <a:xfrm>
-            <a:off x="4645025" y="1535113"/>
-            <a:ext cx="4041775" cy="639762"/>
+            <a:off x="4629150" y="1681163"/>
+            <a:ext cx="3887391" cy="823912"/>
           </a:xfrm>
         </p:spPr>
         <p:txBody>
@@ -1682,41 +1566,13 @@
         </p:nvSpPr>
         <p:spPr>
           <a:xfrm>
-            <a:off x="4645025" y="2174875"/>
-            <a:ext cx="4041775" cy="3951288"/>
+            <a:off x="4629150" y="2505075"/>
+            <a:ext cx="3887391" cy="3684588"/>
           </a:xfrm>
         </p:spPr>
         <p:txBody>
           <a:bodyPr/>
-          <a:lstStyle>
-            <a:lvl1pPr>
-              <a:defRPr sz="2400"/>
-            </a:lvl1pPr>
-            <a:lvl2pPr>
-              <a:defRPr sz="2000"/>
-            </a:lvl2pPr>
-            <a:lvl3pPr>
-              <a:defRPr sz="1800"/>
-            </a:lvl3pPr>
-            <a:lvl4pPr>
-              <a:defRPr sz="1600"/>
-            </a:lvl4pPr>
-            <a:lvl5pPr>
-              <a:defRPr sz="1600"/>
-            </a:lvl5pPr>
-            <a:lvl6pPr>
-              <a:defRPr sz="1600"/>
-            </a:lvl6pPr>
-            <a:lvl7pPr>
-              <a:defRPr sz="1600"/>
-            </a:lvl7pPr>
-            <a:lvl8pPr>
-              <a:defRPr sz="1600"/>
-            </a:lvl8pPr>
-            <a:lvl9pPr>
-              <a:defRPr sz="1600"/>
-            </a:lvl9pPr>
-          </a:lstStyle>
+          <a:lstStyle/>
           <a:p>
             <a:pPr lvl="0"/>
             <a:r>
@@ -1751,7 +1607,7 @@
               <a:rPr lang="en-US" smtClean="0"/>
               <a:t>Fifth level</a:t>
             </a:r>
-            <a:endParaRPr lang="en-US"/>
+            <a:endParaRPr lang="en-US" dirty="0"/>
           </a:p>
         </p:txBody>
       </p:sp>
@@ -1772,7 +1628,7 @@
           <a:p>
             <a:fld id="{4DC53AF3-3EE1-4CFB-BACC-71B29ED4B7ED}" type="datetimeFigureOut">
               <a:rPr lang="en-US" smtClean="0"/>
-              <a:t>10/25/2014</a:t>
+              <a:t>10/26/2014</a:t>
             </a:fld>
             <a:endParaRPr lang="en-US"/>
           </a:p>
@@ -1823,7 +1679,7 @@
     </p:spTree>
     <p:extLst>
       <p:ext uri="{BB962C8B-B14F-4D97-AF65-F5344CB8AC3E}">
-        <p14:creationId xmlns:p14="http://schemas.microsoft.com/office/powerpoint/2010/main" val="1649318482"/>
+        <p14:creationId xmlns:p14="http://schemas.microsoft.com/office/powerpoint/2010/main" val="580552591"/>
       </p:ext>
     </p:extLst>
   </p:cSld>
@@ -1869,7 +1725,7 @@
               <a:rPr lang="en-US" smtClean="0"/>
               <a:t>Click to edit Master title style</a:t>
             </a:r>
-            <a:endParaRPr lang="en-US"/>
+            <a:endParaRPr lang="en-US" dirty="0"/>
           </a:p>
         </p:txBody>
       </p:sp>
@@ -1890,7 +1746,7 @@
           <a:p>
             <a:fld id="{4DC53AF3-3EE1-4CFB-BACC-71B29ED4B7ED}" type="datetimeFigureOut">
               <a:rPr lang="en-US" smtClean="0"/>
-              <a:t>10/25/2014</a:t>
+              <a:t>10/26/2014</a:t>
             </a:fld>
             <a:endParaRPr lang="en-US"/>
           </a:p>
@@ -1941,7 +1797,7 @@
     </p:spTree>
     <p:extLst>
       <p:ext uri="{BB962C8B-B14F-4D97-AF65-F5344CB8AC3E}">
-        <p14:creationId xmlns:p14="http://schemas.microsoft.com/office/powerpoint/2010/main" val="347902477"/>
+        <p14:creationId xmlns:p14="http://schemas.microsoft.com/office/powerpoint/2010/main" val="3154457322"/>
       </p:ext>
     </p:extLst>
   </p:cSld>
@@ -1985,7 +1841,7 @@
           <a:p>
             <a:fld id="{4DC53AF3-3EE1-4CFB-BACC-71B29ED4B7ED}" type="datetimeFigureOut">
               <a:rPr lang="en-US" smtClean="0"/>
-              <a:t>10/25/2014</a:t>
+              <a:t>10/26/2014</a:t>
             </a:fld>
             <a:endParaRPr lang="en-US"/>
           </a:p>
@@ -2036,7 +1892,7 @@
     </p:spTree>
     <p:extLst>
       <p:ext uri="{BB962C8B-B14F-4D97-AF65-F5344CB8AC3E}">
-        <p14:creationId xmlns:p14="http://schemas.microsoft.com/office/powerpoint/2010/main" val="3287498258"/>
+        <p14:creationId xmlns:p14="http://schemas.microsoft.com/office/powerpoint/2010/main" val="3300827369"/>
       </p:ext>
     </p:extLst>
   </p:cSld>
@@ -2075,15 +1931,15 @@
         </p:nvSpPr>
         <p:spPr>
           <a:xfrm>
-            <a:off x="457200" y="273050"/>
-            <a:ext cx="3008313" cy="1162050"/>
+            <a:off x="629841" y="457200"/>
+            <a:ext cx="2949178" cy="1600200"/>
           </a:xfrm>
         </p:spPr>
         <p:txBody>
           <a:bodyPr anchor="b"/>
           <a:lstStyle>
-            <a:lvl1pPr algn="l">
-              <a:defRPr sz="2000" b="1"/>
+            <a:lvl1pPr>
+              <a:defRPr sz="3200"/>
             </a:lvl1pPr>
           </a:lstStyle>
           <a:p>
@@ -2091,7 +1947,7 @@
               <a:rPr lang="en-US" smtClean="0"/>
               <a:t>Click to edit Master title style</a:t>
             </a:r>
-            <a:endParaRPr lang="en-US"/>
+            <a:endParaRPr lang="en-US" dirty="0"/>
           </a:p>
         </p:txBody>
       </p:sp>
@@ -2107,8 +1963,8 @@
         </p:nvSpPr>
         <p:spPr>
           <a:xfrm>
-            <a:off x="3575050" y="273050"/>
-            <a:ext cx="5111750" cy="5853113"/>
+            <a:off x="3887391" y="987426"/>
+            <a:ext cx="4629150" cy="4873625"/>
           </a:xfrm>
         </p:spPr>
         <p:txBody>
@@ -2176,7 +2032,7 @@
               <a:rPr lang="en-US" smtClean="0"/>
               <a:t>Fifth level</a:t>
             </a:r>
-            <a:endParaRPr lang="en-US"/>
+            <a:endParaRPr lang="en-US" dirty="0"/>
           </a:p>
         </p:txBody>
       </p:sp>
@@ -2192,8 +2048,8 @@
         </p:nvSpPr>
         <p:spPr>
           <a:xfrm>
-            <a:off x="457200" y="1435100"/>
-            <a:ext cx="3008313" cy="4691063"/>
+            <a:off x="629841" y="2057400"/>
+            <a:ext cx="2949178" cy="3811588"/>
           </a:xfrm>
         </p:spPr>
         <p:txBody>
@@ -2201,39 +2057,39 @@
           <a:lstStyle>
             <a:lvl1pPr marL="0" indent="0">
               <a:buNone/>
-              <a:defRPr sz="1400"/>
+              <a:defRPr sz="1600"/>
             </a:lvl1pPr>
             <a:lvl2pPr marL="457200" indent="0">
               <a:buNone/>
-              <a:defRPr sz="1200"/>
+              <a:defRPr sz="1400"/>
             </a:lvl2pPr>
             <a:lvl3pPr marL="914400" indent="0">
               <a:buNone/>
-              <a:defRPr sz="1000"/>
+              <a:defRPr sz="1200"/>
             </a:lvl3pPr>
             <a:lvl4pPr marL="1371600" indent="0">
               <a:buNone/>
-              <a:defRPr sz="900"/>
+              <a:defRPr sz="1000"/>
             </a:lvl4pPr>
             <a:lvl5pPr marL="1828800" indent="0">
               <a:buNone/>
-              <a:defRPr sz="900"/>
+              <a:defRPr sz="1000"/>
             </a:lvl5pPr>
             <a:lvl6pPr marL="2286000" indent="0">
               <a:buNone/>
-              <a:defRPr sz="900"/>
+              <a:defRPr sz="1000"/>
             </a:lvl6pPr>
             <a:lvl7pPr marL="2743200" indent="0">
               <a:buNone/>
-              <a:defRPr sz="900"/>
+              <a:defRPr sz="1000"/>
             </a:lvl7pPr>
             <a:lvl8pPr marL="3200400" indent="0">
               <a:buNone/>
-              <a:defRPr sz="900"/>
+              <a:defRPr sz="1000"/>
             </a:lvl8pPr>
             <a:lvl9pPr marL="3657600" indent="0">
               <a:buNone/>
-              <a:defRPr sz="900"/>
+              <a:defRPr sz="1000"/>
             </a:lvl9pPr>
           </a:lstStyle>
           <a:p>
@@ -2262,7 +2118,7 @@
           <a:p>
             <a:fld id="{4DC53AF3-3EE1-4CFB-BACC-71B29ED4B7ED}" type="datetimeFigureOut">
               <a:rPr lang="en-US" smtClean="0"/>
-              <a:t>10/25/2014</a:t>
+              <a:t>10/26/2014</a:t>
             </a:fld>
             <a:endParaRPr lang="en-US"/>
           </a:p>
@@ -2313,7 +2169,7 @@
     </p:spTree>
     <p:extLst>
       <p:ext uri="{BB962C8B-B14F-4D97-AF65-F5344CB8AC3E}">
-        <p14:creationId xmlns:p14="http://schemas.microsoft.com/office/powerpoint/2010/main" val="53841007"/>
+        <p14:creationId xmlns:p14="http://schemas.microsoft.com/office/powerpoint/2010/main" val="4052388487"/>
       </p:ext>
     </p:extLst>
   </p:cSld>
@@ -2352,15 +2208,15 @@
         </p:nvSpPr>
         <p:spPr>
           <a:xfrm>
-            <a:off x="1792288" y="4800600"/>
-            <a:ext cx="5486400" cy="566738"/>
+            <a:off x="629841" y="457200"/>
+            <a:ext cx="2949178" cy="1600200"/>
           </a:xfrm>
         </p:spPr>
         <p:txBody>
           <a:bodyPr anchor="b"/>
           <a:lstStyle>
-            <a:lvl1pPr algn="l">
-              <a:defRPr sz="2000" b="1"/>
+            <a:lvl1pPr>
+              <a:defRPr sz="3200"/>
             </a:lvl1pPr>
           </a:lstStyle>
           <a:p>
@@ -2368,7 +2224,7 @@
               <a:rPr lang="en-US" smtClean="0"/>
               <a:t>Click to edit Master title style</a:t>
             </a:r>
-            <a:endParaRPr lang="en-US"/>
+            <a:endParaRPr lang="en-US" dirty="0"/>
           </a:p>
         </p:txBody>
       </p:sp>
@@ -2376,7 +2232,7 @@
         <p:nvSpPr>
           <p:cNvPr id="3" name="Picture Placeholder 2"/>
           <p:cNvSpPr>
-            <a:spLocks noGrp="1"/>
+            <a:spLocks noGrp="1" noChangeAspect="1"/>
           </p:cNvSpPr>
           <p:nvPr>
             <p:ph type="pic" idx="1"/>
@@ -2384,8 +2240,73 @@
         </p:nvSpPr>
         <p:spPr>
           <a:xfrm>
-            <a:off x="1792288" y="612775"/>
-            <a:ext cx="5486400" cy="4114800"/>
+            <a:off x="3887391" y="987426"/>
+            <a:ext cx="4629150" cy="4873625"/>
+          </a:xfrm>
+        </p:spPr>
+        <p:txBody>
+          <a:bodyPr anchor="t"/>
+          <a:lstStyle>
+            <a:lvl1pPr marL="0" indent="0">
+              <a:buNone/>
+              <a:defRPr sz="3200"/>
+            </a:lvl1pPr>
+            <a:lvl2pPr marL="457200" indent="0">
+              <a:buNone/>
+              <a:defRPr sz="2800"/>
+            </a:lvl2pPr>
+            <a:lvl3pPr marL="914400" indent="0">
+              <a:buNone/>
+              <a:defRPr sz="2400"/>
+            </a:lvl3pPr>
+            <a:lvl4pPr marL="1371600" indent="0">
+              <a:buNone/>
+              <a:defRPr sz="2000"/>
+            </a:lvl4pPr>
+            <a:lvl5pPr marL="1828800" indent="0">
+              <a:buNone/>
+              <a:defRPr sz="2000"/>
+            </a:lvl5pPr>
+            <a:lvl6pPr marL="2286000" indent="0">
+              <a:buNone/>
+              <a:defRPr sz="2000"/>
+            </a:lvl6pPr>
+            <a:lvl7pPr marL="2743200" indent="0">
+              <a:buNone/>
+              <a:defRPr sz="2000"/>
+            </a:lvl7pPr>
+            <a:lvl8pPr marL="3200400" indent="0">
+              <a:buNone/>
+              <a:defRPr sz="2000"/>
+            </a:lvl8pPr>
+            <a:lvl9pPr marL="3657600" indent="0">
+              <a:buNone/>
+              <a:defRPr sz="2000"/>
+            </a:lvl9pPr>
+          </a:lstStyle>
+          <a:p>
+            <a:r>
+              <a:rPr lang="en-US" smtClean="0"/>
+              <a:t>Click icon to add picture</a:t>
+            </a:r>
+            <a:endParaRPr lang="en-US" dirty="0"/>
+          </a:p>
+        </p:txBody>
+      </p:sp>
+      <p:sp>
+        <p:nvSpPr>
+          <p:cNvPr id="4" name="Text Placeholder 3"/>
+          <p:cNvSpPr>
+            <a:spLocks noGrp="1"/>
+          </p:cNvSpPr>
+          <p:nvPr>
+            <p:ph type="body" sz="half" idx="2"/>
+          </p:nvPr>
+        </p:nvSpPr>
+        <p:spPr>
+          <a:xfrm>
+            <a:off x="629841" y="2057400"/>
+            <a:ext cx="2949178" cy="3811588"/>
           </a:xfrm>
         </p:spPr>
         <p:txBody>
@@ -2393,129 +2314,68 @@
           <a:lstStyle>
             <a:lvl1pPr marL="0" indent="0">
               <a:buNone/>
-              <a:defRPr sz="3200"/>
+              <a:defRPr sz="1600"/>
             </a:lvl1pPr>
             <a:lvl2pPr marL="457200" indent="0">
               <a:buNone/>
-              <a:defRPr sz="2800"/>
+              <a:defRPr sz="1400"/>
             </a:lvl2pPr>
             <a:lvl3pPr marL="914400" indent="0">
               <a:buNone/>
-              <a:defRPr sz="2400"/>
+              <a:defRPr sz="1200"/>
             </a:lvl3pPr>
             <a:lvl4pPr marL="1371600" indent="0">
               <a:buNone/>
-              <a:defRPr sz="2000"/>
+              <a:defRPr sz="1000"/>
             </a:lvl4pPr>
             <a:lvl5pPr marL="1828800" indent="0">
               <a:buNone/>
-              <a:defRPr sz="2000"/>
+              <a:defRPr sz="1000"/>
             </a:lvl5pPr>
             <a:lvl6pPr marL="2286000" indent="0">
               <a:buNone/>
-              <a:defRPr sz="2000"/>
+              <a:defRPr sz="1000"/>
             </a:lvl6pPr>
             <a:lvl7pPr marL="2743200" indent="0">
               <a:buNone/>
-              <a:defRPr sz="2000"/>
+              <a:defRPr sz="1000"/>
             </a:lvl7pPr>
             <a:lvl8pPr marL="3200400" indent="0">
               <a:buNone/>
-              <a:defRPr sz="2000"/>
+              <a:defRPr sz="1000"/>
             </a:lvl8pPr>
             <a:lvl9pPr marL="3657600" indent="0">
               <a:buNone/>
-              <a:defRPr sz="2000"/>
+              <a:defRPr sz="1000"/>
             </a:lvl9pPr>
           </a:lstStyle>
           <a:p>
-            <a:endParaRPr lang="en-US"/>
-          </a:p>
-        </p:txBody>
-      </p:sp>
-      <p:sp>
-        <p:nvSpPr>
-          <p:cNvPr id="4" name="Text Placeholder 3"/>
-          <p:cNvSpPr>
-            <a:spLocks noGrp="1"/>
-          </p:cNvSpPr>
-          <p:nvPr>
-            <p:ph type="body" sz="half" idx="2"/>
-          </p:nvPr>
-        </p:nvSpPr>
-        <p:spPr>
-          <a:xfrm>
-            <a:off x="1792288" y="5367338"/>
-            <a:ext cx="5486400" cy="804862"/>
-          </a:xfrm>
-        </p:spPr>
+            <a:pPr lvl="0"/>
+            <a:r>
+              <a:rPr lang="en-US" smtClean="0"/>
+              <a:t>Click to edit Master text styles</a:t>
+            </a:r>
+          </a:p>
+        </p:txBody>
+      </p:sp>
+      <p:sp>
+        <p:nvSpPr>
+          <p:cNvPr id="5" name="Date Placeholder 4"/>
+          <p:cNvSpPr>
+            <a:spLocks noGrp="1"/>
+          </p:cNvSpPr>
+          <p:nvPr>
+            <p:ph type="dt" sz="half" idx="10"/>
+          </p:nvPr>
+        </p:nvSpPr>
+        <p:spPr/>
         <p:txBody>
           <a:bodyPr/>
-          <a:lstStyle>
-            <a:lvl1pPr marL="0" indent="0">
-              <a:buNone/>
-              <a:defRPr sz="1400"/>
-            </a:lvl1pPr>
-            <a:lvl2pPr marL="457200" indent="0">
-              <a:buNone/>
-              <a:defRPr sz="1200"/>
-            </a:lvl2pPr>
-            <a:lvl3pPr marL="914400" indent="0">
-              <a:buNone/>
-              <a:defRPr sz="1000"/>
-            </a:lvl3pPr>
-            <a:lvl4pPr marL="1371600" indent="0">
-              <a:buNone/>
-              <a:defRPr sz="900"/>
-            </a:lvl4pPr>
-            <a:lvl5pPr marL="1828800" indent="0">
-              <a:buNone/>
-              <a:defRPr sz="900"/>
-            </a:lvl5pPr>
-            <a:lvl6pPr marL="2286000" indent="0">
-              <a:buNone/>
-              <a:defRPr sz="900"/>
-            </a:lvl6pPr>
-            <a:lvl7pPr marL="2743200" indent="0">
-              <a:buNone/>
-              <a:defRPr sz="900"/>
-            </a:lvl7pPr>
-            <a:lvl8pPr marL="3200400" indent="0">
-              <a:buNone/>
-              <a:defRPr sz="900"/>
-            </a:lvl8pPr>
-            <a:lvl9pPr marL="3657600" indent="0">
-              <a:buNone/>
-              <a:defRPr sz="900"/>
-            </a:lvl9pPr>
-          </a:lstStyle>
-          <a:p>
-            <a:pPr lvl="0"/>
-            <a:r>
-              <a:rPr lang="en-US" smtClean="0"/>
-              <a:t>Click to edit Master text styles</a:t>
-            </a:r>
-          </a:p>
-        </p:txBody>
-      </p:sp>
-      <p:sp>
-        <p:nvSpPr>
-          <p:cNvPr id="5" name="Date Placeholder 4"/>
-          <p:cNvSpPr>
-            <a:spLocks noGrp="1"/>
-          </p:cNvSpPr>
-          <p:nvPr>
-            <p:ph type="dt" sz="half" idx="10"/>
-          </p:nvPr>
-        </p:nvSpPr>
-        <p:spPr/>
-        <p:txBody>
-          <a:bodyPr/>
           <a:lstStyle/>
           <a:p>
             <a:fld id="{4DC53AF3-3EE1-4CFB-BACC-71B29ED4B7ED}" type="datetimeFigureOut">
               <a:rPr lang="en-US" smtClean="0"/>
-              <a:t>10/25/2014</a:t>
+              <a:t>10/26/2014</a:t>
             </a:fld>
             <a:endParaRPr lang="en-US"/>
           </a:p>
@@ -2566,7 +2426,7 @@
     </p:spTree>
     <p:extLst>
       <p:ext uri="{BB962C8B-B14F-4D97-AF65-F5344CB8AC3E}">
-        <p14:creationId xmlns:p14="http://schemas.microsoft.com/office/powerpoint/2010/main" val="2651177747"/>
+        <p14:creationId xmlns:p14="http://schemas.microsoft.com/office/powerpoint/2010/main" val="3110381997"/>
       </p:ext>
     </p:extLst>
   </p:cSld>
@@ -2610,8 +2470,8 @@
         </p:nvSpPr>
         <p:spPr>
           <a:xfrm>
-            <a:off x="457200" y="274638"/>
-            <a:ext cx="8229600" cy="1143000"/>
+            <a:off x="628650" y="365126"/>
+            <a:ext cx="7886700" cy="1325563"/>
           </a:xfrm>
           <a:prstGeom prst="rect">
             <a:avLst/>
@@ -2627,7 +2487,7 @@
               <a:rPr lang="en-US" smtClean="0"/>
               <a:t>Click to edit Master title style</a:t>
             </a:r>
-            <a:endParaRPr lang="en-US"/>
+            <a:endParaRPr lang="en-US" dirty="0"/>
           </a:p>
         </p:txBody>
       </p:sp>
@@ -2643,8 +2503,8 @@
         </p:nvSpPr>
         <p:spPr>
           <a:xfrm>
-            <a:off x="457200" y="1600200"/>
-            <a:ext cx="8229600" cy="4525963"/>
+            <a:off x="628650" y="1825625"/>
+            <a:ext cx="7886700" cy="4351338"/>
           </a:xfrm>
           <a:prstGeom prst="rect">
             <a:avLst/>
@@ -2689,7 +2549,7 @@
               <a:rPr lang="en-US" smtClean="0"/>
               <a:t>Fifth level</a:t>
             </a:r>
-            <a:endParaRPr lang="en-US"/>
+            <a:endParaRPr lang="en-US" dirty="0"/>
           </a:p>
         </p:txBody>
       </p:sp>
@@ -2705,8 +2565,8 @@
         </p:nvSpPr>
         <p:spPr>
           <a:xfrm>
-            <a:off x="457200" y="6356350"/>
-            <a:ext cx="2133600" cy="365125"/>
+            <a:off x="628650" y="6356351"/>
+            <a:ext cx="2057400" cy="365125"/>
           </a:xfrm>
           <a:prstGeom prst="rect">
             <a:avLst/>
@@ -2728,7 +2588,7 @@
           <a:p>
             <a:fld id="{4DC53AF3-3EE1-4CFB-BACC-71B29ED4B7ED}" type="datetimeFigureOut">
               <a:rPr lang="en-US" smtClean="0"/>
-              <a:t>10/25/2014</a:t>
+              <a:t>10/26/2014</a:t>
             </a:fld>
             <a:endParaRPr lang="en-US"/>
           </a:p>
@@ -2746,8 +2606,8 @@
         </p:nvSpPr>
         <p:spPr>
           <a:xfrm>
-            <a:off x="3124200" y="6356350"/>
-            <a:ext cx="2895600" cy="365125"/>
+            <a:off x="3028950" y="6356351"/>
+            <a:ext cx="3086100" cy="365125"/>
           </a:xfrm>
           <a:prstGeom prst="rect">
             <a:avLst/>
@@ -2783,8 +2643,8 @@
         </p:nvSpPr>
         <p:spPr>
           <a:xfrm>
-            <a:off x="6553200" y="6356350"/>
-            <a:ext cx="2133600" cy="365125"/>
+            <a:off x="6457950" y="6356351"/>
+            <a:ext cx="2057400" cy="365125"/>
           </a:xfrm>
           <a:prstGeom prst="rect">
             <a:avLst/>
@@ -2815,27 +2675,30 @@
     </p:spTree>
     <p:extLst>
       <p:ext uri="{BB962C8B-B14F-4D97-AF65-F5344CB8AC3E}">
-        <p14:creationId xmlns:p14="http://schemas.microsoft.com/office/powerpoint/2010/main" val="953261420"/>
+        <p14:creationId xmlns:p14="http://schemas.microsoft.com/office/powerpoint/2010/main" val="2413716515"/>
       </p:ext>
     </p:extLst>
   </p:cSld>
   <p:clrMap bg1="lt1" tx1="dk1" bg2="lt2" tx2="dk2" accent1="accent1" accent2="accent2" accent3="accent3" accent4="accent4" accent5="accent5" accent6="accent6" hlink="hlink" folHlink="folHlink"/>
   <p:sldLayoutIdLst>
-    <p:sldLayoutId id="2147483649" r:id="rId1"/>
-    <p:sldLayoutId id="2147483650" r:id="rId2"/>
-    <p:sldLayoutId id="2147483651" r:id="rId3"/>
-    <p:sldLayoutId id="2147483652" r:id="rId4"/>
-    <p:sldLayoutId id="2147483653" r:id="rId5"/>
-    <p:sldLayoutId id="2147483654" r:id="rId6"/>
-    <p:sldLayoutId id="2147483655" r:id="rId7"/>
-    <p:sldLayoutId id="2147483656" r:id="rId8"/>
-    <p:sldLayoutId id="2147483657" r:id="rId9"/>
-    <p:sldLayoutId id="2147483658" r:id="rId10"/>
-    <p:sldLayoutId id="2147483659" r:id="rId11"/>
+    <p:sldLayoutId id="2147483988" r:id="rId1"/>
+    <p:sldLayoutId id="2147483989" r:id="rId2"/>
+    <p:sldLayoutId id="2147483990" r:id="rId3"/>
+    <p:sldLayoutId id="2147483991" r:id="rId4"/>
+    <p:sldLayoutId id="2147483992" r:id="rId5"/>
+    <p:sldLayoutId id="2147483993" r:id="rId6"/>
+    <p:sldLayoutId id="2147483994" r:id="rId7"/>
+    <p:sldLayoutId id="2147483995" r:id="rId8"/>
+    <p:sldLayoutId id="2147483996" r:id="rId9"/>
+    <p:sldLayoutId id="2147483997" r:id="rId10"/>
+    <p:sldLayoutId id="2147483998" r:id="rId11"/>
   </p:sldLayoutIdLst>
   <p:txStyles>
     <p:titleStyle>
-      <a:lvl1pPr algn="ctr" defTabSz="914400" rtl="0" eaLnBrk="1" latinLnBrk="0" hangingPunct="1">
+      <a:lvl1pPr algn="l" defTabSz="914400" rtl="0" eaLnBrk="1" latinLnBrk="0" hangingPunct="1">
+        <a:lnSpc>
+          <a:spcPct val="90000"/>
+        </a:lnSpc>
         <a:spcBef>
           <a:spcPct val="0"/>
         </a:spcBef>
@@ -2851,13 +2714,16 @@
       </a:lvl1pPr>
     </p:titleStyle>
     <p:bodyStyle>
-      <a:lvl1pPr marL="342900" indent="-342900" algn="l" defTabSz="914400" rtl="0" eaLnBrk="1" latinLnBrk="0" hangingPunct="1">
+      <a:lvl1pPr marL="228600" indent="-228600" algn="l" defTabSz="914400" rtl="0" eaLnBrk="1" latinLnBrk="0" hangingPunct="1">
+        <a:lnSpc>
+          <a:spcPct val="90000"/>
+        </a:lnSpc>
         <a:spcBef>
-          <a:spcPct val="20000"/>
+          <a:spcPts val="1000"/>
         </a:spcBef>
         <a:buFont typeface="Arial" panose="020B0604020202020204" pitchFamily="34" charset="0"/>
         <a:buChar char="•"/>
-        <a:defRPr sz="3200" kern="1200">
+        <a:defRPr sz="2800" kern="1200">
           <a:solidFill>
             <a:schemeClr val="tx1"/>
           </a:solidFill>
@@ -2866,24 +2732,12 @@
           <a:cs typeface="+mn-cs"/>
         </a:defRPr>
       </a:lvl1pPr>
-      <a:lvl2pPr marL="742950" indent="-285750" algn="l" defTabSz="914400" rtl="0" eaLnBrk="1" latinLnBrk="0" hangingPunct="1">
+      <a:lvl2pPr marL="685800" indent="-228600" algn="l" defTabSz="914400" rtl="0" eaLnBrk="1" latinLnBrk="0" hangingPunct="1">
+        <a:lnSpc>
+          <a:spcPct val="90000"/>
+        </a:lnSpc>
         <a:spcBef>
-          <a:spcPct val="20000"/>
-        </a:spcBef>
-        <a:buFont typeface="Arial" panose="020B0604020202020204" pitchFamily="34" charset="0"/>
-        <a:buChar char="–"/>
-        <a:defRPr sz="2800" kern="1200">
-          <a:solidFill>
-            <a:schemeClr val="tx1"/>
-          </a:solidFill>
-          <a:latin typeface="+mn-lt"/>
-          <a:ea typeface="+mn-ea"/>
-          <a:cs typeface="+mn-cs"/>
-        </a:defRPr>
-      </a:lvl2pPr>
-      <a:lvl3pPr marL="1143000" indent="-228600" algn="l" defTabSz="914400" rtl="0" eaLnBrk="1" latinLnBrk="0" hangingPunct="1">
-        <a:spcBef>
-          <a:spcPct val="20000"/>
+          <a:spcPts val="500"/>
         </a:spcBef>
         <a:buFont typeface="Arial" panose="020B0604020202020204" pitchFamily="34" charset="0"/>
         <a:buChar char="•"/>
@@ -2895,40 +2749,13 @@
           <a:ea typeface="+mn-ea"/>
           <a:cs typeface="+mn-cs"/>
         </a:defRPr>
-      </a:lvl3pPr>
-      <a:lvl4pPr marL="1600200" indent="-228600" algn="l" defTabSz="914400" rtl="0" eaLnBrk="1" latinLnBrk="0" hangingPunct="1">
+      </a:lvl2pPr>
+      <a:lvl3pPr marL="1143000" indent="-228600" algn="l" defTabSz="914400" rtl="0" eaLnBrk="1" latinLnBrk="0" hangingPunct="1">
+        <a:lnSpc>
+          <a:spcPct val="90000"/>
+        </a:lnSpc>
         <a:spcBef>
-          <a:spcPct val="20000"/>
-        </a:spcBef>
-        <a:buFont typeface="Arial" panose="020B0604020202020204" pitchFamily="34" charset="0"/>
-        <a:buChar char="–"/>
-        <a:defRPr sz="2000" kern="1200">
-          <a:solidFill>
-            <a:schemeClr val="tx1"/>
-          </a:solidFill>
-          <a:latin typeface="+mn-lt"/>
-          <a:ea typeface="+mn-ea"/>
-          <a:cs typeface="+mn-cs"/>
-        </a:defRPr>
-      </a:lvl4pPr>
-      <a:lvl5pPr marL="2057400" indent="-228600" algn="l" defTabSz="914400" rtl="0" eaLnBrk="1" latinLnBrk="0" hangingPunct="1">
-        <a:spcBef>
-          <a:spcPct val="20000"/>
-        </a:spcBef>
-        <a:buFont typeface="Arial" panose="020B0604020202020204" pitchFamily="34" charset="0"/>
-        <a:buChar char="»"/>
-        <a:defRPr sz="2000" kern="1200">
-          <a:solidFill>
-            <a:schemeClr val="tx1"/>
-          </a:solidFill>
-          <a:latin typeface="+mn-lt"/>
-          <a:ea typeface="+mn-ea"/>
-          <a:cs typeface="+mn-cs"/>
-        </a:defRPr>
-      </a:lvl5pPr>
-      <a:lvl6pPr marL="2514600" indent="-228600" algn="l" defTabSz="914400" rtl="0" eaLnBrk="1" latinLnBrk="0" hangingPunct="1">
-        <a:spcBef>
-          <a:spcPct val="20000"/>
+          <a:spcPts val="500"/>
         </a:spcBef>
         <a:buFont typeface="Arial" panose="020B0604020202020204" pitchFamily="34" charset="0"/>
         <a:buChar char="•"/>
@@ -2940,14 +2767,71 @@
           <a:ea typeface="+mn-ea"/>
           <a:cs typeface="+mn-cs"/>
         </a:defRPr>
-      </a:lvl6pPr>
-      <a:lvl7pPr marL="2971800" indent="-228600" algn="l" defTabSz="914400" rtl="0" eaLnBrk="1" latinLnBrk="0" hangingPunct="1">
+      </a:lvl3pPr>
+      <a:lvl4pPr marL="1600200" indent="-228600" algn="l" defTabSz="914400" rtl="0" eaLnBrk="1" latinLnBrk="0" hangingPunct="1">
+        <a:lnSpc>
+          <a:spcPct val="90000"/>
+        </a:lnSpc>
         <a:spcBef>
-          <a:spcPct val="20000"/>
+          <a:spcPts val="500"/>
         </a:spcBef>
         <a:buFont typeface="Arial" panose="020B0604020202020204" pitchFamily="34" charset="0"/>
         <a:buChar char="•"/>
-        <a:defRPr sz="2000" kern="1200">
+        <a:defRPr sz="1800" kern="1200">
+          <a:solidFill>
+            <a:schemeClr val="tx1"/>
+          </a:solidFill>
+          <a:latin typeface="+mn-lt"/>
+          <a:ea typeface="+mn-ea"/>
+          <a:cs typeface="+mn-cs"/>
+        </a:defRPr>
+      </a:lvl4pPr>
+      <a:lvl5pPr marL="2057400" indent="-228600" algn="l" defTabSz="914400" rtl="0" eaLnBrk="1" latinLnBrk="0" hangingPunct="1">
+        <a:lnSpc>
+          <a:spcPct val="90000"/>
+        </a:lnSpc>
+        <a:spcBef>
+          <a:spcPts val="500"/>
+        </a:spcBef>
+        <a:buFont typeface="Arial" panose="020B0604020202020204" pitchFamily="34" charset="0"/>
+        <a:buChar char="•"/>
+        <a:defRPr sz="1800" kern="1200">
+          <a:solidFill>
+            <a:schemeClr val="tx1"/>
+          </a:solidFill>
+          <a:latin typeface="+mn-lt"/>
+          <a:ea typeface="+mn-ea"/>
+          <a:cs typeface="+mn-cs"/>
+        </a:defRPr>
+      </a:lvl5pPr>
+      <a:lvl6pPr marL="2514600" indent="-228600" algn="l" defTabSz="914400" rtl="0" eaLnBrk="1" latinLnBrk="0" hangingPunct="1">
+        <a:lnSpc>
+          <a:spcPct val="90000"/>
+        </a:lnSpc>
+        <a:spcBef>
+          <a:spcPts val="500"/>
+        </a:spcBef>
+        <a:buFont typeface="Arial" panose="020B0604020202020204" pitchFamily="34" charset="0"/>
+        <a:buChar char="•"/>
+        <a:defRPr sz="1800" kern="1200">
+          <a:solidFill>
+            <a:schemeClr val="tx1"/>
+          </a:solidFill>
+          <a:latin typeface="+mn-lt"/>
+          <a:ea typeface="+mn-ea"/>
+          <a:cs typeface="+mn-cs"/>
+        </a:defRPr>
+      </a:lvl6pPr>
+      <a:lvl7pPr marL="2971800" indent="-228600" algn="l" defTabSz="914400" rtl="0" eaLnBrk="1" latinLnBrk="0" hangingPunct="1">
+        <a:lnSpc>
+          <a:spcPct val="90000"/>
+        </a:lnSpc>
+        <a:spcBef>
+          <a:spcPts val="500"/>
+        </a:spcBef>
+        <a:buFont typeface="Arial" panose="020B0604020202020204" pitchFamily="34" charset="0"/>
+        <a:buChar char="•"/>
+        <a:defRPr sz="1800" kern="1200">
           <a:solidFill>
             <a:schemeClr val="tx1"/>
           </a:solidFill>
@@ -2957,12 +2841,15 @@
         </a:defRPr>
       </a:lvl7pPr>
       <a:lvl8pPr marL="3429000" indent="-228600" algn="l" defTabSz="914400" rtl="0" eaLnBrk="1" latinLnBrk="0" hangingPunct="1">
+        <a:lnSpc>
+          <a:spcPct val="90000"/>
+        </a:lnSpc>
         <a:spcBef>
-          <a:spcPct val="20000"/>
+          <a:spcPts val="500"/>
         </a:spcBef>
         <a:buFont typeface="Arial" panose="020B0604020202020204" pitchFamily="34" charset="0"/>
         <a:buChar char="•"/>
-        <a:defRPr sz="2000" kern="1200">
+        <a:defRPr sz="1800" kern="1200">
           <a:solidFill>
             <a:schemeClr val="tx1"/>
           </a:solidFill>
@@ -2972,12 +2859,15 @@
         </a:defRPr>
       </a:lvl8pPr>
       <a:lvl9pPr marL="3886200" indent="-228600" algn="l" defTabSz="914400" rtl="0" eaLnBrk="1" latinLnBrk="0" hangingPunct="1">
+        <a:lnSpc>
+          <a:spcPct val="90000"/>
+        </a:lnSpc>
         <a:spcBef>
-          <a:spcPct val="20000"/>
+          <a:spcPts val="500"/>
         </a:spcBef>
         <a:buFont typeface="Arial" panose="020B0604020202020204" pitchFamily="34" charset="0"/>
         <a:buChar char="•"/>
-        <a:defRPr sz="2000" kern="1200">
+        <a:defRPr sz="1800" kern="1200">
           <a:solidFill>
             <a:schemeClr val="tx1"/>
           </a:solidFill>
@@ -3138,7 +3028,9 @@
         </p:nvSpPr>
         <p:spPr/>
         <p:txBody>
-          <a:bodyPr/>
+          <a:bodyPr>
+            <a:normAutofit/>
+          </a:bodyPr>
           <a:lstStyle/>
           <a:p>
             <a:r>
@@ -3186,7 +3078,7 @@
 </p:sld>
 </file>
 
-<file path=ppt/slides/slide2.xml><?xml version="1.0" encoding="utf-8"?>
+<file path=ppt/slides/slide10.xml><?xml version="1.0" encoding="utf-8"?>
 <p:sld xmlns:a="http://schemas.openxmlformats.org/drawingml/2006/main" xmlns:r="http://schemas.openxmlformats.org/officeDocument/2006/relationships" xmlns:p="http://schemas.openxmlformats.org/presentationml/2006/main">
   <p:cSld>
     <p:spTree>
@@ -3220,7 +3112,424 @@
           <a:p>
             <a:r>
               <a:rPr lang="en-US" dirty="0" smtClean="0"/>
-              <a:t>Problem</a:t>
+              <a:t>Performance</a:t>
+            </a:r>
+            <a:endParaRPr lang="en-US" dirty="0"/>
+          </a:p>
+        </p:txBody>
+      </p:sp>
+      <p:sp>
+        <p:nvSpPr>
+          <p:cNvPr id="3" name="Content Placeholder 2"/>
+          <p:cNvSpPr>
+            <a:spLocks noGrp="1"/>
+          </p:cNvSpPr>
+          <p:nvPr>
+            <p:ph idx="1"/>
+          </p:nvPr>
+        </p:nvSpPr>
+        <p:spPr>
+          <a:xfrm>
+            <a:off x="457200" y="1600200"/>
+            <a:ext cx="3962400" cy="4525963"/>
+          </a:xfrm>
+        </p:spPr>
+        <p:txBody>
+          <a:bodyPr>
+            <a:normAutofit fontScale="85000" lnSpcReduction="20000"/>
+          </a:bodyPr>
+          <a:lstStyle/>
+          <a:p>
+            <a:pPr marL="0" indent="0">
+              <a:buNone/>
+            </a:pPr>
+            <a:r>
+              <a:rPr lang="en-US" u="sng" dirty="0" smtClean="0"/>
+              <a:t>Amazon EC2 AWS g2.2xlarge </a:t>
+            </a:r>
+          </a:p>
+          <a:p>
+            <a:r>
+              <a:rPr lang="en-US" sz="3100" dirty="0" smtClean="0"/>
+              <a:t>Ubuntu 12.04.4 LTS x86_64</a:t>
+            </a:r>
+          </a:p>
+          <a:p>
+            <a:r>
+              <a:rPr lang="en-US" sz="3100" dirty="0" smtClean="0"/>
+              <a:t>NVIDIA Kepler GK 104 GPU</a:t>
+            </a:r>
+            <a:endParaRPr lang="en-US" sz="3100" dirty="0"/>
+          </a:p>
+          <a:p>
+            <a:r>
+              <a:rPr lang="en-US" sz="3100" dirty="0" smtClean="0"/>
+              <a:t>26 ECUs</a:t>
+            </a:r>
+          </a:p>
+          <a:p>
+            <a:r>
+              <a:rPr lang="en-US" sz="3100" dirty="0" smtClean="0"/>
+              <a:t>8 </a:t>
+            </a:r>
+            <a:r>
+              <a:rPr lang="en-US" sz="3100" dirty="0" err="1" smtClean="0"/>
+              <a:t>vCPUs</a:t>
+            </a:r>
+            <a:endParaRPr lang="en-US" sz="3100" dirty="0" smtClean="0"/>
+          </a:p>
+          <a:p>
+            <a:r>
+              <a:rPr lang="en-US" sz="3100" dirty="0" smtClean="0"/>
+              <a:t>2.6 GHz</a:t>
+            </a:r>
+          </a:p>
+          <a:p>
+            <a:r>
+              <a:rPr lang="en-US" sz="3100" dirty="0" smtClean="0"/>
+              <a:t>Intel Xeon E5-2670</a:t>
+            </a:r>
+          </a:p>
+          <a:p>
+            <a:r>
+              <a:rPr lang="en-US" sz="3100" dirty="0" smtClean="0"/>
+              <a:t>15 </a:t>
+            </a:r>
+            <a:r>
+              <a:rPr lang="en-US" sz="3100" dirty="0" err="1" smtClean="0"/>
+              <a:t>GiB</a:t>
+            </a:r>
+            <a:r>
+              <a:rPr lang="en-US" sz="3100" dirty="0" smtClean="0"/>
+              <a:t> memory</a:t>
+            </a:r>
+          </a:p>
+          <a:p>
+            <a:r>
+              <a:rPr lang="en-US" sz="3100" dirty="0" smtClean="0"/>
+              <a:t>1 x 60 </a:t>
+            </a:r>
+            <a:r>
+              <a:rPr lang="en-US" sz="3100" dirty="0" err="1" smtClean="0"/>
+              <a:t>GiB</a:t>
+            </a:r>
+            <a:r>
+              <a:rPr lang="en-US" sz="3100" dirty="0" smtClean="0"/>
+              <a:t> Storage Capacity</a:t>
+            </a:r>
+          </a:p>
+          <a:p>
+            <a:pPr lvl="2"/>
+            <a:endParaRPr lang="en-US" dirty="0" smtClean="0"/>
+          </a:p>
+          <a:p>
+            <a:endParaRPr lang="en-US" dirty="0"/>
+          </a:p>
+        </p:txBody>
+      </p:sp>
+      <p:sp>
+        <p:nvSpPr>
+          <p:cNvPr id="4" name="Content Placeholder 2"/>
+          <p:cNvSpPr txBox="1">
+            <a:spLocks/>
+          </p:cNvSpPr>
+          <p:nvPr/>
+        </p:nvSpPr>
+        <p:spPr>
+          <a:xfrm>
+            <a:off x="4648200" y="1524000"/>
+            <a:ext cx="3733800" cy="4525963"/>
+          </a:xfrm>
+          <a:prstGeom prst="rect">
+            <a:avLst/>
+          </a:prstGeom>
+        </p:spPr>
+        <p:txBody>
+          <a:bodyPr vert="horz" lIns="91440" tIns="45720" rIns="91440" bIns="45720" rtlCol="0">
+            <a:normAutofit/>
+          </a:bodyPr>
+          <a:lstStyle>
+            <a:lvl1pPr marL="342900" indent="-342900" algn="l" defTabSz="914400" rtl="0" eaLnBrk="1" latinLnBrk="0" hangingPunct="1">
+              <a:spcBef>
+                <a:spcPct val="20000"/>
+              </a:spcBef>
+              <a:buFont typeface="Arial" panose="020B0604020202020204" pitchFamily="34" charset="0"/>
+              <a:buChar char="•"/>
+              <a:defRPr sz="3200" kern="1200">
+                <a:solidFill>
+                  <a:schemeClr val="tx1"/>
+                </a:solidFill>
+                <a:latin typeface="+mn-lt"/>
+                <a:ea typeface="+mn-ea"/>
+                <a:cs typeface="+mn-cs"/>
+              </a:defRPr>
+            </a:lvl1pPr>
+            <a:lvl2pPr marL="742950" indent="-285750" algn="l" defTabSz="914400" rtl="0" eaLnBrk="1" latinLnBrk="0" hangingPunct="1">
+              <a:spcBef>
+                <a:spcPct val="20000"/>
+              </a:spcBef>
+              <a:buFont typeface="Arial" panose="020B0604020202020204" pitchFamily="34" charset="0"/>
+              <a:buChar char="–"/>
+              <a:defRPr sz="2800" kern="1200">
+                <a:solidFill>
+                  <a:schemeClr val="tx1"/>
+                </a:solidFill>
+                <a:latin typeface="+mn-lt"/>
+                <a:ea typeface="+mn-ea"/>
+                <a:cs typeface="+mn-cs"/>
+              </a:defRPr>
+            </a:lvl2pPr>
+            <a:lvl3pPr marL="1143000" indent="-228600" algn="l" defTabSz="914400" rtl="0" eaLnBrk="1" latinLnBrk="0" hangingPunct="1">
+              <a:spcBef>
+                <a:spcPct val="20000"/>
+              </a:spcBef>
+              <a:buFont typeface="Arial" panose="020B0604020202020204" pitchFamily="34" charset="0"/>
+              <a:buChar char="•"/>
+              <a:defRPr sz="2400" kern="1200">
+                <a:solidFill>
+                  <a:schemeClr val="tx1"/>
+                </a:solidFill>
+                <a:latin typeface="+mn-lt"/>
+                <a:ea typeface="+mn-ea"/>
+                <a:cs typeface="+mn-cs"/>
+              </a:defRPr>
+            </a:lvl3pPr>
+            <a:lvl4pPr marL="1600200" indent="-228600" algn="l" defTabSz="914400" rtl="0" eaLnBrk="1" latinLnBrk="0" hangingPunct="1">
+              <a:spcBef>
+                <a:spcPct val="20000"/>
+              </a:spcBef>
+              <a:buFont typeface="Arial" panose="020B0604020202020204" pitchFamily="34" charset="0"/>
+              <a:buChar char="–"/>
+              <a:defRPr sz="2000" kern="1200">
+                <a:solidFill>
+                  <a:schemeClr val="tx1"/>
+                </a:solidFill>
+                <a:latin typeface="+mn-lt"/>
+                <a:ea typeface="+mn-ea"/>
+                <a:cs typeface="+mn-cs"/>
+              </a:defRPr>
+            </a:lvl4pPr>
+            <a:lvl5pPr marL="2057400" indent="-228600" algn="l" defTabSz="914400" rtl="0" eaLnBrk="1" latinLnBrk="0" hangingPunct="1">
+              <a:spcBef>
+                <a:spcPct val="20000"/>
+              </a:spcBef>
+              <a:buFont typeface="Arial" panose="020B0604020202020204" pitchFamily="34" charset="0"/>
+              <a:buChar char="»"/>
+              <a:defRPr sz="2000" kern="1200">
+                <a:solidFill>
+                  <a:schemeClr val="tx1"/>
+                </a:solidFill>
+                <a:latin typeface="+mn-lt"/>
+                <a:ea typeface="+mn-ea"/>
+                <a:cs typeface="+mn-cs"/>
+              </a:defRPr>
+            </a:lvl5pPr>
+            <a:lvl6pPr marL="2514600" indent="-228600" algn="l" defTabSz="914400" rtl="0" eaLnBrk="1" latinLnBrk="0" hangingPunct="1">
+              <a:spcBef>
+                <a:spcPct val="20000"/>
+              </a:spcBef>
+              <a:buFont typeface="Arial" panose="020B0604020202020204" pitchFamily="34" charset="0"/>
+              <a:buChar char="•"/>
+              <a:defRPr sz="2000" kern="1200">
+                <a:solidFill>
+                  <a:schemeClr val="tx1"/>
+                </a:solidFill>
+                <a:latin typeface="+mn-lt"/>
+                <a:ea typeface="+mn-ea"/>
+                <a:cs typeface="+mn-cs"/>
+              </a:defRPr>
+            </a:lvl6pPr>
+            <a:lvl7pPr marL="2971800" indent="-228600" algn="l" defTabSz="914400" rtl="0" eaLnBrk="1" latinLnBrk="0" hangingPunct="1">
+              <a:spcBef>
+                <a:spcPct val="20000"/>
+              </a:spcBef>
+              <a:buFont typeface="Arial" panose="020B0604020202020204" pitchFamily="34" charset="0"/>
+              <a:buChar char="•"/>
+              <a:defRPr sz="2000" kern="1200">
+                <a:solidFill>
+                  <a:schemeClr val="tx1"/>
+                </a:solidFill>
+                <a:latin typeface="+mn-lt"/>
+                <a:ea typeface="+mn-ea"/>
+                <a:cs typeface="+mn-cs"/>
+              </a:defRPr>
+            </a:lvl7pPr>
+            <a:lvl8pPr marL="3429000" indent="-228600" algn="l" defTabSz="914400" rtl="0" eaLnBrk="1" latinLnBrk="0" hangingPunct="1">
+              <a:spcBef>
+                <a:spcPct val="20000"/>
+              </a:spcBef>
+              <a:buFont typeface="Arial" panose="020B0604020202020204" pitchFamily="34" charset="0"/>
+              <a:buChar char="•"/>
+              <a:defRPr sz="2000" kern="1200">
+                <a:solidFill>
+                  <a:schemeClr val="tx1"/>
+                </a:solidFill>
+                <a:latin typeface="+mn-lt"/>
+                <a:ea typeface="+mn-ea"/>
+                <a:cs typeface="+mn-cs"/>
+              </a:defRPr>
+            </a:lvl8pPr>
+            <a:lvl9pPr marL="3886200" indent="-228600" algn="l" defTabSz="914400" rtl="0" eaLnBrk="1" latinLnBrk="0" hangingPunct="1">
+              <a:spcBef>
+                <a:spcPct val="20000"/>
+              </a:spcBef>
+              <a:buFont typeface="Arial" panose="020B0604020202020204" pitchFamily="34" charset="0"/>
+              <a:buChar char="•"/>
+              <a:defRPr sz="2000" kern="1200">
+                <a:solidFill>
+                  <a:schemeClr val="tx1"/>
+                </a:solidFill>
+                <a:latin typeface="+mn-lt"/>
+                <a:ea typeface="+mn-ea"/>
+                <a:cs typeface="+mn-cs"/>
+              </a:defRPr>
+            </a:lvl9pPr>
+          </a:lstStyle>
+          <a:p>
+            <a:pPr marL="0" indent="0">
+              <a:buFont typeface="Arial" panose="020B0604020202020204" pitchFamily="34" charset="0"/>
+              <a:buNone/>
+            </a:pPr>
+            <a:r>
+              <a:rPr lang="en-US" sz="2400" u="sng" dirty="0" err="1" smtClean="0"/>
+              <a:t>Theano</a:t>
+            </a:r>
+            <a:r>
+              <a:rPr lang="en-US" sz="2400" u="sng" dirty="0" smtClean="0"/>
+              <a:t> </a:t>
+            </a:r>
+            <a:r>
+              <a:rPr lang="en-US" sz="2400" u="sng" dirty="0" err="1" smtClean="0"/>
+              <a:t>LeNet</a:t>
+            </a:r>
+            <a:endParaRPr lang="en-US" sz="2400" u="sng" dirty="0"/>
+          </a:p>
+          <a:p>
+            <a:r>
+              <a:rPr lang="en-US" sz="2400" dirty="0" smtClean="0"/>
+              <a:t>MNIST data set</a:t>
+            </a:r>
+          </a:p>
+          <a:p>
+            <a:r>
+              <a:rPr lang="en-US" sz="2400" dirty="0" smtClean="0"/>
+              <a:t>Accuracy</a:t>
+            </a:r>
+          </a:p>
+          <a:p>
+            <a:pPr lvl="1"/>
+            <a:r>
+              <a:rPr lang="en-US" sz="2000" dirty="0" smtClean="0"/>
+              <a:t>0.92% on tutorial</a:t>
+            </a:r>
+          </a:p>
+          <a:p>
+            <a:pPr lvl="1"/>
+            <a:r>
+              <a:rPr lang="en-US" sz="2000" dirty="0" smtClean="0"/>
+              <a:t>0.92% </a:t>
+            </a:r>
+            <a:r>
+              <a:rPr lang="en-US" sz="2000" dirty="0"/>
+              <a:t>on </a:t>
+            </a:r>
+            <a:r>
+              <a:rPr lang="en-US" sz="2000" dirty="0" smtClean="0"/>
+              <a:t>my setup</a:t>
+            </a:r>
+          </a:p>
+          <a:p>
+            <a:r>
+              <a:rPr lang="en-US" sz="2400" dirty="0"/>
+              <a:t>S</a:t>
+            </a:r>
+            <a:r>
+              <a:rPr lang="en-US" sz="2400" dirty="0" smtClean="0"/>
+              <a:t>peed</a:t>
+            </a:r>
+          </a:p>
+          <a:p>
+            <a:pPr lvl="1"/>
+            <a:r>
+              <a:rPr lang="en-US" sz="2000" dirty="0" smtClean="0"/>
+              <a:t>380.28m tutorial</a:t>
+            </a:r>
+            <a:endParaRPr lang="en-US" sz="2000" dirty="0"/>
+          </a:p>
+          <a:p>
+            <a:pPr lvl="1"/>
+            <a:r>
+              <a:rPr lang="en-US" sz="2000" dirty="0" smtClean="0"/>
+              <a:t>552m on my setup</a:t>
+            </a:r>
+          </a:p>
+          <a:p>
+            <a:pPr marL="0" indent="0">
+              <a:buFont typeface="Arial" panose="020B0604020202020204" pitchFamily="34" charset="0"/>
+              <a:buNone/>
+            </a:pPr>
+            <a:endParaRPr lang="en-US" sz="2400" dirty="0" smtClean="0"/>
+          </a:p>
+          <a:p>
+            <a:endParaRPr lang="en-US" sz="2400" dirty="0"/>
+          </a:p>
+        </p:txBody>
+      </p:sp>
+    </p:spTree>
+    <p:extLst>
+      <p:ext uri="{BB962C8B-B14F-4D97-AF65-F5344CB8AC3E}">
+        <p14:creationId xmlns:p14="http://schemas.microsoft.com/office/powerpoint/2010/main" val="1526007887"/>
+      </p:ext>
+    </p:extLst>
+  </p:cSld>
+  <p:clrMapOvr>
+    <a:masterClrMapping/>
+  </p:clrMapOvr>
+  <p:timing>
+    <p:tnLst>
+      <p:par>
+        <p:cTn id="1" dur="indefinite" restart="never" nodeType="tmRoot"/>
+      </p:par>
+    </p:tnLst>
+  </p:timing>
+</p:sld>
+</file>
+
+<file path=ppt/slides/slide11.xml><?xml version="1.0" encoding="utf-8"?>
+<p:sld xmlns:a="http://schemas.openxmlformats.org/drawingml/2006/main" xmlns:r="http://schemas.openxmlformats.org/officeDocument/2006/relationships" xmlns:p="http://schemas.openxmlformats.org/presentationml/2006/main">
+  <p:cSld>
+    <p:spTree>
+      <p:nvGrpSpPr>
+        <p:cNvPr id="1" name=""/>
+        <p:cNvGrpSpPr/>
+        <p:nvPr/>
+      </p:nvGrpSpPr>
+      <p:grpSpPr>
+        <a:xfrm>
+          <a:off x="0" y="0"/>
+          <a:ext cx="0" cy="0"/>
+          <a:chOff x="0" y="0"/>
+          <a:chExt cx="0" cy="0"/>
+        </a:xfrm>
+      </p:grpSpPr>
+      <p:sp>
+        <p:nvSpPr>
+          <p:cNvPr id="2" name="Title 1"/>
+          <p:cNvSpPr>
+            <a:spLocks noGrp="1"/>
+          </p:cNvSpPr>
+          <p:nvPr>
+            <p:ph type="title"/>
+          </p:nvPr>
+        </p:nvSpPr>
+        <p:spPr/>
+        <p:txBody>
+          <a:bodyPr/>
+          <a:lstStyle/>
+          <a:p>
+            <a:r>
+              <a:rPr lang="en-US" dirty="0" smtClean="0"/>
+              <a:t>Results AUC</a:t>
             </a:r>
             <a:endParaRPr lang="en-US" dirty="0"/>
           </a:p>
@@ -3228,7 +3537,7 @@
       </p:sp>
       <p:pic>
         <p:nvPicPr>
-          <p:cNvPr id="1026" name="Picture 2" descr="Ambulatory EEG recording system"/>
+          <p:cNvPr id="1028" name="Picture 4" descr="http://www.imtech.res.in/raghava/mhcbench/roc.gif"/>
           <p:cNvPicPr>
             <a:picLocks noChangeAspect="1" noChangeArrowheads="1"/>
           </p:cNvPicPr>
@@ -3249,8 +3558,8 @@
         </p:blipFill>
         <p:spPr bwMode="auto">
           <a:xfrm>
-            <a:off x="533400" y="1447800"/>
-            <a:ext cx="7239000" cy="4647566"/>
+            <a:off x="609600" y="2667000"/>
+            <a:ext cx="3743325" cy="2838450"/>
           </a:xfrm>
           <a:prstGeom prst="rect">
             <a:avLst/>
@@ -3269,14 +3578,14 @@
       </p:pic>
       <p:sp>
         <p:nvSpPr>
-          <p:cNvPr id="4" name="TextBox 3"/>
+          <p:cNvPr id="3" name="TextBox 2"/>
           <p:cNvSpPr txBox="1"/>
           <p:nvPr/>
         </p:nvSpPr>
         <p:spPr>
           <a:xfrm>
-            <a:off x="762000" y="6400800"/>
-            <a:ext cx="4380302" cy="369332"/>
+            <a:off x="4282056" y="2297668"/>
+            <a:ext cx="3772123" cy="923330"/>
           </a:xfrm>
           <a:prstGeom prst="rect">
             <a:avLst/>
@@ -3290,16 +3599,29 @@
           <a:lstStyle/>
           <a:p>
             <a:r>
-              <a:rPr lang="en-US" dirty="0"/>
-              <a:t>http://www.kaggle.com/c/seizure-prediction</a:t>
-            </a:r>
+              <a:rPr lang="en-US" dirty="0" smtClean="0"/>
+              <a:t>Actual Test Data is held at Kaggle.com</a:t>
+            </a:r>
+          </a:p>
+          <a:p>
+            <a:r>
+              <a:rPr lang="en-US" dirty="0" smtClean="0"/>
+              <a:t>Results are blind</a:t>
+            </a:r>
+          </a:p>
+          <a:p>
+            <a:r>
+              <a:rPr lang="en-US" dirty="0" smtClean="0"/>
+              <a:t>Results are aggregated across all cases</a:t>
+            </a:r>
+            <a:endParaRPr lang="en-US" dirty="0"/>
           </a:p>
         </p:txBody>
       </p:sp>
     </p:spTree>
     <p:extLst>
       <p:ext uri="{BB962C8B-B14F-4D97-AF65-F5344CB8AC3E}">
-        <p14:creationId xmlns:p14="http://schemas.microsoft.com/office/powerpoint/2010/main" val="91830318"/>
+        <p14:creationId xmlns:p14="http://schemas.microsoft.com/office/powerpoint/2010/main" val="1584073386"/>
       </p:ext>
     </p:extLst>
   </p:cSld>
@@ -3313,6 +3635,370 @@
       </p:par>
     </p:tnLst>
   </p:timing>
+</p:sld>
+</file>
+
+<file path=ppt/slides/slide12.xml><?xml version="1.0" encoding="utf-8"?>
+<p:sld xmlns:a="http://schemas.openxmlformats.org/drawingml/2006/main" xmlns:r="http://schemas.openxmlformats.org/officeDocument/2006/relationships" xmlns:p="http://schemas.openxmlformats.org/presentationml/2006/main">
+  <p:cSld>
+    <p:spTree>
+      <p:nvGrpSpPr>
+        <p:cNvPr id="1" name=""/>
+        <p:cNvGrpSpPr/>
+        <p:nvPr/>
+      </p:nvGrpSpPr>
+      <p:grpSpPr>
+        <a:xfrm>
+          <a:off x="0" y="0"/>
+          <a:ext cx="0" cy="0"/>
+          <a:chOff x="0" y="0"/>
+          <a:chExt cx="0" cy="0"/>
+        </a:xfrm>
+      </p:grpSpPr>
+      <p:sp>
+        <p:nvSpPr>
+          <p:cNvPr id="2" name="Title 1"/>
+          <p:cNvSpPr>
+            <a:spLocks noGrp="1"/>
+          </p:cNvSpPr>
+          <p:nvPr>
+            <p:ph type="title"/>
+          </p:nvPr>
+        </p:nvSpPr>
+        <p:spPr/>
+        <p:txBody>
+          <a:bodyPr/>
+          <a:lstStyle/>
+          <a:p>
+            <a:r>
+              <a:rPr lang="en-US" dirty="0" smtClean="0"/>
+              <a:t>Issues | Opportunities</a:t>
+            </a:r>
+            <a:endParaRPr lang="en-US" dirty="0"/>
+          </a:p>
+        </p:txBody>
+      </p:sp>
+      <p:sp>
+        <p:nvSpPr>
+          <p:cNvPr id="3" name="Content Placeholder 2"/>
+          <p:cNvSpPr>
+            <a:spLocks noGrp="1"/>
+          </p:cNvSpPr>
+          <p:nvPr>
+            <p:ph idx="1"/>
+          </p:nvPr>
+        </p:nvSpPr>
+        <p:spPr/>
+        <p:txBody>
+          <a:bodyPr>
+            <a:normAutofit fontScale="92500" lnSpcReduction="10000"/>
+          </a:bodyPr>
+          <a:lstStyle/>
+          <a:p>
+            <a:r>
+              <a:rPr lang="en-US" dirty="0" smtClean="0"/>
+              <a:t>Build multiple models for each case</a:t>
+            </a:r>
+          </a:p>
+          <a:p>
+            <a:pPr lvl="1"/>
+            <a:r>
+              <a:rPr lang="en-US" dirty="0" smtClean="0"/>
+              <a:t>Trains against full array of available seizures</a:t>
+            </a:r>
+          </a:p>
+          <a:p>
+            <a:pPr lvl="1"/>
+            <a:r>
+              <a:rPr lang="en-US" dirty="0" smtClean="0"/>
+              <a:t>Average results against bag of models</a:t>
+            </a:r>
+          </a:p>
+          <a:p>
+            <a:pPr lvl="1"/>
+            <a:endParaRPr lang="en-US" dirty="0" smtClean="0"/>
+          </a:p>
+          <a:p>
+            <a:r>
+              <a:rPr lang="en-US" dirty="0" err="1" smtClean="0"/>
+              <a:t>LeNet</a:t>
+            </a:r>
+            <a:r>
+              <a:rPr lang="en-US" dirty="0" smtClean="0"/>
+              <a:t> Convolution Model and Parameters</a:t>
+            </a:r>
+          </a:p>
+          <a:p>
+            <a:pPr lvl="1"/>
+            <a:r>
+              <a:rPr lang="en-US" dirty="0" smtClean="0"/>
+              <a:t>Step from 120x120 to 120x48 is steep</a:t>
+            </a:r>
+          </a:p>
+          <a:p>
+            <a:pPr lvl="1"/>
+            <a:r>
+              <a:rPr lang="en-US" dirty="0" smtClean="0"/>
+              <a:t>Maybe better arrangement of convolution/pooling</a:t>
+            </a:r>
+          </a:p>
+          <a:p>
+            <a:pPr lvl="1"/>
+            <a:r>
+              <a:rPr lang="en-US" dirty="0" smtClean="0"/>
+              <a:t>Maybe an additional Convolution and Pooling layer</a:t>
+            </a:r>
+          </a:p>
+          <a:p>
+            <a:pPr lvl="1"/>
+            <a:endParaRPr lang="en-US" dirty="0"/>
+          </a:p>
+          <a:p>
+            <a:r>
+              <a:rPr lang="en-US" dirty="0" smtClean="0"/>
+              <a:t>Additional / Different Features</a:t>
+            </a:r>
+          </a:p>
+          <a:p>
+            <a:pPr lvl="1"/>
+            <a:r>
+              <a:rPr lang="en-US" dirty="0" smtClean="0"/>
+              <a:t>Additional bivariate features</a:t>
+            </a:r>
+          </a:p>
+          <a:p>
+            <a:pPr lvl="1"/>
+            <a:r>
+              <a:rPr lang="en-US" dirty="0" smtClean="0"/>
+              <a:t>“Tag on” </a:t>
+            </a:r>
+            <a:r>
+              <a:rPr lang="en-US" dirty="0" err="1" smtClean="0"/>
+              <a:t>univariate</a:t>
+            </a:r>
+            <a:r>
+              <a:rPr lang="en-US" dirty="0" smtClean="0"/>
+              <a:t> features</a:t>
+            </a:r>
+          </a:p>
+          <a:p>
+            <a:pPr marL="457200" lvl="1" indent="0">
+              <a:buNone/>
+            </a:pPr>
+            <a:endParaRPr lang="en-US" dirty="0" smtClean="0"/>
+          </a:p>
+        </p:txBody>
+      </p:sp>
+    </p:spTree>
+    <p:extLst>
+      <p:ext uri="{BB962C8B-B14F-4D97-AF65-F5344CB8AC3E}">
+        <p14:creationId xmlns:p14="http://schemas.microsoft.com/office/powerpoint/2010/main" val="128917383"/>
+      </p:ext>
+    </p:extLst>
+  </p:cSld>
+  <p:clrMapOvr>
+    <a:masterClrMapping/>
+  </p:clrMapOvr>
+</p:sld>
+</file>
+
+<file path=ppt/slides/slide2.xml><?xml version="1.0" encoding="utf-8"?>
+<p:sld xmlns:a="http://schemas.openxmlformats.org/drawingml/2006/main" xmlns:r="http://schemas.openxmlformats.org/officeDocument/2006/relationships" xmlns:p="http://schemas.openxmlformats.org/presentationml/2006/main">
+  <p:cSld>
+    <p:spTree>
+      <p:nvGrpSpPr>
+        <p:cNvPr id="1" name=""/>
+        <p:cNvGrpSpPr/>
+        <p:nvPr/>
+      </p:nvGrpSpPr>
+      <p:grpSpPr>
+        <a:xfrm>
+          <a:off x="0" y="0"/>
+          <a:ext cx="0" cy="0"/>
+          <a:chOff x="0" y="0"/>
+          <a:chExt cx="0" cy="0"/>
+        </a:xfrm>
+      </p:grpSpPr>
+      <p:pic>
+        <p:nvPicPr>
+          <p:cNvPr id="1026" name="Picture 2" descr="Ambulatory EEG recording system"/>
+          <p:cNvPicPr>
+            <a:picLocks noChangeAspect="1" noChangeArrowheads="1"/>
+          </p:cNvPicPr>
+          <p:nvPr/>
+        </p:nvPicPr>
+        <p:blipFill>
+          <a:blip r:embed="rId2" cstate="print">
+            <a:extLst>
+              <a:ext uri="{28A0092B-C50C-407E-A947-70E740481C1C}">
+                <a14:useLocalDpi xmlns:a14="http://schemas.microsoft.com/office/drawing/2010/main" val="0"/>
+              </a:ext>
+            </a:extLst>
+          </a:blip>
+          <a:srcRect/>
+          <a:stretch>
+            <a:fillRect/>
+          </a:stretch>
+        </p:blipFill>
+        <p:spPr bwMode="auto">
+          <a:xfrm>
+            <a:off x="1828800" y="1719264"/>
+            <a:ext cx="5029199" cy="3864102"/>
+          </a:xfrm>
+          <a:prstGeom prst="rect">
+            <a:avLst/>
+          </a:prstGeom>
+          <a:noFill/>
+          <a:extLst>
+            <a:ext uri="{909E8E84-426E-40DD-AFC4-6F175D3DCCD1}">
+              <a14:hiddenFill xmlns:a14="http://schemas.microsoft.com/office/drawing/2010/main">
+                <a:solidFill>
+                  <a:srgbClr val="FFFFFF"/>
+                </a:solidFill>
+              </a14:hiddenFill>
+            </a:ext>
+          </a:extLst>
+        </p:spPr>
+      </p:pic>
+      <p:sp>
+        <p:nvSpPr>
+          <p:cNvPr id="2" name="Title 1"/>
+          <p:cNvSpPr>
+            <a:spLocks noGrp="1"/>
+          </p:cNvSpPr>
+          <p:nvPr>
+            <p:ph type="title"/>
+          </p:nvPr>
+        </p:nvSpPr>
+        <p:spPr/>
+        <p:txBody>
+          <a:bodyPr/>
+          <a:lstStyle/>
+          <a:p>
+            <a:r>
+              <a:rPr lang="en-US" dirty="0" smtClean="0"/>
+              <a:t>Epileptic Seizure Prediction</a:t>
+            </a:r>
+            <a:endParaRPr lang="en-US" dirty="0"/>
+          </a:p>
+        </p:txBody>
+      </p:sp>
+      <p:sp>
+        <p:nvSpPr>
+          <p:cNvPr id="3" name="Content Placeholder 2"/>
+          <p:cNvSpPr>
+            <a:spLocks noGrp="1"/>
+          </p:cNvSpPr>
+          <p:nvPr>
+            <p:ph idx="1"/>
+          </p:nvPr>
+        </p:nvSpPr>
+        <p:spPr>
+          <a:xfrm>
+            <a:off x="628650" y="5481637"/>
+            <a:ext cx="7886700" cy="842963"/>
+          </a:xfrm>
+        </p:spPr>
+        <p:txBody>
+          <a:bodyPr>
+            <a:normAutofit fontScale="92500" lnSpcReduction="20000"/>
+          </a:bodyPr>
+          <a:lstStyle/>
+          <a:p>
+            <a:pPr marL="0" indent="0" algn="ctr">
+              <a:buNone/>
+            </a:pPr>
+            <a:r>
+              <a:rPr lang="en-US" dirty="0" smtClean="0"/>
+              <a:t>Classify 10 minute segments of EEG Data</a:t>
+            </a:r>
+          </a:p>
+          <a:p>
+            <a:pPr marL="0" indent="0" algn="ctr">
+              <a:buNone/>
+            </a:pPr>
+            <a:r>
+              <a:rPr lang="en-US" dirty="0" smtClean="0"/>
+              <a:t>As </a:t>
+            </a:r>
+            <a:r>
+              <a:rPr lang="en-US" dirty="0" err="1" smtClean="0"/>
+              <a:t>Preictal</a:t>
+            </a:r>
+            <a:r>
+              <a:rPr lang="en-US" dirty="0" smtClean="0"/>
+              <a:t> or </a:t>
+            </a:r>
+            <a:r>
+              <a:rPr lang="en-US" dirty="0" err="1" smtClean="0"/>
+              <a:t>Interictal</a:t>
+            </a:r>
+            <a:endParaRPr lang="en-US" dirty="0"/>
+          </a:p>
+        </p:txBody>
+      </p:sp>
+      <p:sp>
+        <p:nvSpPr>
+          <p:cNvPr id="4" name="TextBox 3"/>
+          <p:cNvSpPr txBox="1"/>
+          <p:nvPr/>
+        </p:nvSpPr>
+        <p:spPr>
+          <a:xfrm>
+            <a:off x="628650" y="6442502"/>
+            <a:ext cx="5660524" cy="415498"/>
+          </a:xfrm>
+          <a:prstGeom prst="rect">
+            <a:avLst/>
+          </a:prstGeom>
+          <a:noFill/>
+        </p:spPr>
+        <p:txBody>
+          <a:bodyPr wrap="none" rtlCol="0">
+            <a:spAutoFit/>
+          </a:bodyPr>
+          <a:lstStyle/>
+          <a:p>
+            <a:r>
+              <a:rPr lang="en-US" sz="1050" dirty="0">
+                <a:hlinkClick r:id="rId3"/>
+              </a:rPr>
+              <a:t>http://www.kaggle.com/c/seizure-prediction</a:t>
+            </a:r>
+          </a:p>
+          <a:p>
+            <a:r>
+              <a:rPr lang="en-US" sz="1050" dirty="0" smtClean="0">
+                <a:hlinkClick r:id="rId3"/>
+              </a:rPr>
+              <a:t>https</a:t>
+            </a:r>
+            <a:r>
+              <a:rPr lang="en-US" sz="1050" dirty="0">
+                <a:hlinkClick r:id="rId3"/>
+              </a:rPr>
+              <a:t>://</a:t>
+            </a:r>
+            <a:r>
+              <a:rPr lang="en-US" sz="1050" dirty="0" smtClean="0">
+                <a:hlinkClick r:id="rId3"/>
+              </a:rPr>
+              <a:t>kaggle2.blob.core.windows.net/competitions/kaggle/3800/media/DogRecordingSystem.png</a:t>
+            </a:r>
+            <a:endParaRPr lang="en-US" sz="1050" dirty="0"/>
+          </a:p>
+        </p:txBody>
+      </p:sp>
+    </p:spTree>
+    <p:extLst>
+      <p:ext uri="{BB962C8B-B14F-4D97-AF65-F5344CB8AC3E}">
+        <p14:creationId xmlns:p14="http://schemas.microsoft.com/office/powerpoint/2010/main" val="619047331"/>
+      </p:ext>
+    </p:extLst>
+  </p:cSld>
+  <p:clrMapOvr>
+    <a:masterClrMapping/>
+  </p:clrMapOvr>
 </p:sld>
 </file>
 
@@ -3349,72 +4035,237 @@
           <a:lstStyle/>
           <a:p>
             <a:r>
+              <a:rPr lang="en-US" dirty="0" err="1" smtClean="0"/>
+              <a:t>Preictal</a:t>
+            </a:r>
+            <a:r>
               <a:rPr lang="en-US" dirty="0" smtClean="0"/>
-              <a:t>Data Source</a:t>
+              <a:t> Data Selection</a:t>
             </a:r>
             <a:endParaRPr lang="en-US" dirty="0"/>
           </a:p>
         </p:txBody>
       </p:sp>
-      <p:sp>
-        <p:nvSpPr>
-          <p:cNvPr id="3" name="Content Placeholder 2"/>
-          <p:cNvSpPr>
-            <a:spLocks noGrp="1"/>
-          </p:cNvSpPr>
-          <p:nvPr>
-            <p:ph idx="1"/>
-          </p:nvPr>
-        </p:nvSpPr>
-        <p:spPr/>
-        <p:txBody>
-          <a:bodyPr/>
-          <a:lstStyle/>
-          <a:p>
-            <a:r>
-              <a:rPr lang="en-US" dirty="0" smtClean="0"/>
-              <a:t>University of Pennsylvania</a:t>
-            </a:r>
-          </a:p>
-          <a:p>
-            <a:pPr lvl="1"/>
-            <a:r>
-              <a:rPr lang="en-US" dirty="0" smtClean="0"/>
-              <a:t>4 Dog</a:t>
-            </a:r>
-          </a:p>
-          <a:p>
-            <a:pPr lvl="1"/>
-            <a:r>
-              <a:rPr lang="en-US" dirty="0" smtClean="0"/>
-              <a:t>8 Human</a:t>
-            </a:r>
-          </a:p>
-          <a:p>
-            <a:pPr marL="0" indent="0">
-              <a:buNone/>
-            </a:pPr>
-            <a:endParaRPr lang="en-US" dirty="0" smtClean="0"/>
+      <p:grpSp>
+        <p:nvGrpSpPr>
+          <p:cNvPr id="7" name="Group 6"/>
+          <p:cNvGrpSpPr/>
+          <p:nvPr/>
+        </p:nvGrpSpPr>
+        <p:grpSpPr>
+          <a:xfrm>
+            <a:off x="381000" y="1861978"/>
+            <a:ext cx="8715730" cy="3950877"/>
+            <a:chOff x="-45312" y="1404778"/>
+            <a:chExt cx="8715730" cy="3950877"/>
+          </a:xfrm>
+        </p:grpSpPr>
+        <p:pic>
+          <p:nvPicPr>
+            <p:cNvPr id="4" name="Picture 3"/>
+            <p:cNvPicPr>
+              <a:picLocks noChangeAspect="1"/>
+            </p:cNvPicPr>
+            <p:nvPr/>
+          </p:nvPicPr>
+          <p:blipFill>
+            <a:blip r:embed="rId2"/>
+            <a:stretch>
+              <a:fillRect/>
+            </a:stretch>
+          </p:blipFill>
+          <p:spPr>
+            <a:xfrm>
+              <a:off x="-45312" y="1404778"/>
+              <a:ext cx="5334000" cy="3950877"/>
+            </a:xfrm>
+            <a:prstGeom prst="rect">
+              <a:avLst/>
+            </a:prstGeom>
+          </p:spPr>
+        </p:pic>
+        <p:sp>
+          <p:nvSpPr>
+            <p:cNvPr id="5" name="Rectangle 4"/>
+            <p:cNvSpPr/>
+            <p:nvPr/>
+          </p:nvSpPr>
+          <p:spPr>
+            <a:xfrm>
+              <a:off x="4749131" y="1433353"/>
+              <a:ext cx="533400" cy="3505200"/>
+            </a:xfrm>
+            <a:prstGeom prst="rect">
+              <a:avLst/>
+            </a:prstGeom>
+            <a:solidFill>
+              <a:schemeClr val="bg1">
+                <a:lumMod val="85000"/>
+                <a:alpha val="55000"/>
+              </a:schemeClr>
+            </a:solidFill>
+            <a:ln>
+              <a:noFill/>
+            </a:ln>
+          </p:spPr>
+          <p:style>
+            <a:lnRef idx="2">
+              <a:schemeClr val="accent1">
+                <a:shade val="50000"/>
+              </a:schemeClr>
+            </a:lnRef>
+            <a:fillRef idx="1">
+              <a:schemeClr val="accent1"/>
+            </a:fillRef>
+            <a:effectRef idx="0">
+              <a:schemeClr val="accent1"/>
+            </a:effectRef>
+            <a:fontRef idx="minor">
+              <a:schemeClr val="lt1"/>
+            </a:fontRef>
+          </p:style>
+          <p:txBody>
+            <a:bodyPr rtlCol="0" anchor="ctr"/>
+            <a:lstStyle/>
+            <a:p>
+              <a:pPr algn="ctr"/>
+              <a:endParaRPr lang="en-US"/>
+            </a:p>
+          </p:txBody>
+        </p:sp>
+        <p:sp>
+          <p:nvSpPr>
+            <p:cNvPr id="6" name="TextBox 5"/>
+            <p:cNvSpPr txBox="1"/>
+            <p:nvPr/>
+          </p:nvSpPr>
+          <p:spPr>
+            <a:xfrm>
+              <a:off x="5275899" y="2145565"/>
+              <a:ext cx="3394519" cy="1169551"/>
+            </a:xfrm>
+            <a:prstGeom prst="rect">
+              <a:avLst/>
+            </a:prstGeom>
+            <a:noFill/>
+          </p:spPr>
+          <p:txBody>
+            <a:bodyPr wrap="none" rtlCol="0">
+              <a:spAutoFit/>
+            </a:bodyPr>
+            <a:lstStyle/>
+            <a:p>
+              <a:r>
+                <a:rPr lang="en-US" sz="1400" dirty="0" smtClean="0"/>
+                <a:t>For each patient</a:t>
+              </a:r>
+            </a:p>
+            <a:p>
+              <a:r>
+                <a:rPr lang="en-US" sz="1400" dirty="0" smtClean="0"/>
+                <a:t>  For each seizure</a:t>
+              </a:r>
+            </a:p>
+            <a:p>
+              <a:r>
+                <a:rPr lang="en-US" sz="1400" dirty="0"/>
+                <a:t> </a:t>
+              </a:r>
+              <a:r>
+                <a:rPr lang="en-US" sz="1400" dirty="0" smtClean="0"/>
+                <a:t>    Select 1 hour of data</a:t>
+              </a:r>
+            </a:p>
+            <a:p>
+              <a:r>
+                <a:rPr lang="en-US" sz="1400" dirty="0" smtClean="0"/>
+                <a:t>        Terminating ~315 seconds </a:t>
+              </a:r>
+              <a:r>
+                <a:rPr lang="en-US" sz="1200" dirty="0" smtClean="0"/>
+                <a:t>prior to seizure</a:t>
+              </a:r>
+              <a:endParaRPr lang="en-US" sz="1400" dirty="0" smtClean="0"/>
+            </a:p>
+            <a:p>
+              <a:r>
+                <a:rPr lang="en-US" sz="1400" dirty="0"/>
+                <a:t> </a:t>
+              </a:r>
+              <a:r>
+                <a:rPr lang="en-US" sz="1400" dirty="0" smtClean="0"/>
+                <a:t>          Split into 6 10 minute segments</a:t>
+              </a:r>
+              <a:endParaRPr lang="en-US" sz="1400" dirty="0"/>
+            </a:p>
+          </p:txBody>
+        </p:sp>
+      </p:grpSp>
+      <p:sp>
+        <p:nvSpPr>
+          <p:cNvPr id="8" name="TextBox 7"/>
+          <p:cNvSpPr txBox="1"/>
+          <p:nvPr/>
+        </p:nvSpPr>
+        <p:spPr>
+          <a:xfrm>
+            <a:off x="304800" y="6456402"/>
+            <a:ext cx="5404043" cy="400110"/>
+          </a:xfrm>
+          <a:prstGeom prst="rect">
+            <a:avLst/>
+          </a:prstGeom>
+          <a:noFill/>
+        </p:spPr>
+        <p:txBody>
+          <a:bodyPr wrap="none" rtlCol="0">
+            <a:spAutoFit/>
+          </a:bodyPr>
+          <a:lstStyle/>
+          <a:p>
+            <a:r>
+              <a:rPr lang="en-US" sz="1000" dirty="0">
+                <a:hlinkClick r:id="rId3"/>
+              </a:rPr>
+              <a:t>http://www.kaggle.com/c/seizure-prediction/data</a:t>
+            </a:r>
+            <a:endParaRPr lang="en-US" sz="1000" dirty="0" smtClean="0">
+              <a:hlinkClick r:id="rId3"/>
+            </a:endParaRPr>
+          </a:p>
+          <a:p>
+            <a:r>
+              <a:rPr lang="en-US" sz="1000" dirty="0" smtClean="0">
+                <a:hlinkClick r:id="rId3"/>
+              </a:rPr>
+              <a:t>https</a:t>
+            </a:r>
+            <a:r>
+              <a:rPr lang="en-US" sz="1000" dirty="0">
+                <a:hlinkClick r:id="rId3"/>
+              </a:rPr>
+              <a:t>://</a:t>
+            </a:r>
+            <a:r>
+              <a:rPr lang="en-US" sz="1000" dirty="0" smtClean="0">
+                <a:hlinkClick r:id="rId3"/>
+              </a:rPr>
+              <a:t>kaggle2.blob.core.windows.net/competitions/kaggle/3960/media/Preictal1hr1m_annot.png</a:t>
+            </a:r>
+            <a:endParaRPr lang="en-US" sz="1000" dirty="0"/>
           </a:p>
         </p:txBody>
       </p:sp>
     </p:spTree>
     <p:extLst>
       <p:ext uri="{BB962C8B-B14F-4D97-AF65-F5344CB8AC3E}">
-        <p14:creationId xmlns:p14="http://schemas.microsoft.com/office/powerpoint/2010/main" val="3085020481"/>
+        <p14:creationId xmlns:p14="http://schemas.microsoft.com/office/powerpoint/2010/main" val="3882095531"/>
       </p:ext>
     </p:extLst>
   </p:cSld>
   <p:clrMapOvr>
     <a:masterClrMapping/>
   </p:clrMapOvr>
-  <p:timing>
-    <p:tnLst>
-      <p:par>
-        <p:cTn id="1" dur="indefinite" restart="never" nodeType="tmRoot"/>
-      </p:par>
-    </p:tnLst>
-  </p:timing>
 </p:sld>
 </file>
 
@@ -3452,62 +4303,1036 @@
           <a:p>
             <a:r>
               <a:rPr lang="en-US" dirty="0" smtClean="0"/>
-              <a:t>ETL</a:t>
+              <a:t>Data Characterization</a:t>
             </a:r>
             <a:endParaRPr lang="en-US" dirty="0"/>
           </a:p>
         </p:txBody>
       </p:sp>
-      <p:sp>
-        <p:nvSpPr>
-          <p:cNvPr id="3" name="Content Placeholder 2"/>
-          <p:cNvSpPr>
-            <a:spLocks noGrp="1"/>
-          </p:cNvSpPr>
-          <p:nvPr>
-            <p:ph idx="1"/>
-          </p:nvPr>
-        </p:nvSpPr>
-        <p:spPr/>
-        <p:txBody>
-          <a:bodyPr/>
-          <a:lstStyle/>
-          <a:p>
-            <a:r>
-              <a:rPr lang="en-US" dirty="0" smtClean="0"/>
-              <a:t>Converted from MATLAB binary data storage to HDF5 format</a:t>
-            </a:r>
-          </a:p>
-          <a:p>
-            <a:r>
-              <a:rPr lang="en-US" dirty="0" err="1" smtClean="0"/>
-              <a:t>Downsampled</a:t>
-            </a:r>
-            <a:r>
-              <a:rPr lang="en-US" dirty="0" smtClean="0"/>
-              <a:t> to 200 Hz</a:t>
-            </a:r>
-          </a:p>
-          <a:p>
-            <a:r>
-              <a:rPr lang="en-US" dirty="0" smtClean="0"/>
-              <a:t>Features extracted with Julia ? Python</a:t>
-            </a:r>
-            <a:endParaRPr lang="en-US" dirty="0"/>
-          </a:p>
-          <a:p>
-            <a:pPr lvl="1"/>
-            <a:r>
-              <a:rPr lang="en-US" dirty="0" smtClean="0"/>
-              <a:t>Stored as csv</a:t>
-            </a:r>
-          </a:p>
-        </p:txBody>
-      </p:sp>
+      <p:graphicFrame>
+        <p:nvGraphicFramePr>
+          <p:cNvPr id="4" name="Table 3"/>
+          <p:cNvGraphicFramePr>
+            <a:graphicFrameLocks noGrp="1"/>
+          </p:cNvGraphicFramePr>
+          <p:nvPr>
+            <p:extLst>
+              <p:ext uri="{D42A27DB-BD31-4B8C-83A1-F6EECF244321}">
+                <p14:modId xmlns:p14="http://schemas.microsoft.com/office/powerpoint/2010/main" val="3667622504"/>
+              </p:ext>
+            </p:extLst>
+          </p:nvPr>
+        </p:nvGraphicFramePr>
+        <p:xfrm>
+          <a:off x="762000" y="2286000"/>
+          <a:ext cx="7391400" cy="3114040"/>
+        </p:xfrm>
+        <a:graphic>
+          <a:graphicData uri="http://schemas.openxmlformats.org/drawingml/2006/table">
+            <a:tbl>
+              <a:tblPr firstRow="1" bandRow="1">
+                <a:tableStyleId>{5C22544A-7EE6-4342-B048-85BDC9FD1C3A}</a:tableStyleId>
+              </a:tblPr>
+              <a:tblGrid>
+                <a:gridCol w="1219200"/>
+                <a:gridCol w="762000"/>
+                <a:gridCol w="790575"/>
+                <a:gridCol w="923925"/>
+                <a:gridCol w="923925"/>
+                <a:gridCol w="923925"/>
+                <a:gridCol w="923925"/>
+                <a:gridCol w="923925"/>
+              </a:tblGrid>
+              <a:tr h="370840">
+                <a:tc>
+                  <a:txBody>
+                    <a:bodyPr/>
+                    <a:lstStyle/>
+                    <a:p>
+                      <a:pPr algn="r"/>
+                      <a:r>
+                        <a:rPr lang="en-US" sz="1600" dirty="0" smtClean="0"/>
+                        <a:t>Case</a:t>
+                      </a:r>
+                      <a:endParaRPr lang="en-US" sz="1600" dirty="0"/>
+                    </a:p>
+                  </a:txBody>
+                  <a:tcPr/>
+                </a:tc>
+                <a:tc>
+                  <a:txBody>
+                    <a:bodyPr/>
+                    <a:lstStyle/>
+                    <a:p>
+                      <a:pPr algn="ctr"/>
+                      <a:r>
+                        <a:rPr lang="en-US" sz="1600" dirty="0" err="1" smtClean="0"/>
+                        <a:t>Freq</a:t>
+                      </a:r>
+                      <a:endParaRPr lang="en-US" sz="1600" dirty="0"/>
+                    </a:p>
+                  </a:txBody>
+                  <a:tcPr/>
+                </a:tc>
+                <a:tc>
+                  <a:txBody>
+                    <a:bodyPr/>
+                    <a:lstStyle/>
+                    <a:p>
+                      <a:pPr algn="ctr"/>
+                      <a:r>
+                        <a:rPr lang="en-US" sz="1600" dirty="0" err="1" smtClean="0"/>
+                        <a:t>Chans</a:t>
+                      </a:r>
+                      <a:endParaRPr lang="en-US" sz="1600" dirty="0"/>
+                    </a:p>
+                  </a:txBody>
+                  <a:tcPr/>
+                </a:tc>
+                <a:tc>
+                  <a:txBody>
+                    <a:bodyPr/>
+                    <a:lstStyle/>
+                    <a:p>
+                      <a:pPr algn="ctr"/>
+                      <a:r>
+                        <a:rPr lang="en-US" sz="1600" dirty="0" err="1" smtClean="0"/>
+                        <a:t>Preictal</a:t>
+                      </a:r>
+                      <a:endParaRPr lang="en-US" sz="1600" dirty="0"/>
+                    </a:p>
+                  </a:txBody>
+                  <a:tcPr/>
+                </a:tc>
+                <a:tc>
+                  <a:txBody>
+                    <a:bodyPr/>
+                    <a:lstStyle/>
+                    <a:p>
+                      <a:pPr algn="ctr"/>
+                      <a:r>
+                        <a:rPr lang="en-US" sz="1400" dirty="0" err="1" smtClean="0"/>
+                        <a:t>Interictal</a:t>
+                      </a:r>
+                      <a:endParaRPr lang="en-US" sz="1400" dirty="0"/>
+                    </a:p>
+                  </a:txBody>
+                  <a:tcPr/>
+                </a:tc>
+                <a:tc>
+                  <a:txBody>
+                    <a:bodyPr/>
+                    <a:lstStyle/>
+                    <a:p>
+                      <a:pPr algn="ctr"/>
+                      <a:r>
+                        <a:rPr lang="en-US" sz="1600" dirty="0" smtClean="0"/>
+                        <a:t>Test</a:t>
+                      </a:r>
+                      <a:endParaRPr lang="en-US" sz="1600" dirty="0"/>
+                    </a:p>
+                  </a:txBody>
+                  <a:tcPr/>
+                </a:tc>
+                <a:tc>
+                  <a:txBody>
+                    <a:bodyPr/>
+                    <a:lstStyle/>
+                    <a:p>
+                      <a:pPr algn="ctr"/>
+                      <a:r>
+                        <a:rPr lang="en-US" sz="1600" dirty="0" smtClean="0"/>
+                        <a:t>Seizures</a:t>
+                      </a:r>
+                      <a:endParaRPr lang="en-US" sz="1600" dirty="0"/>
+                    </a:p>
+                  </a:txBody>
+                  <a:tcPr/>
+                </a:tc>
+                <a:tc>
+                  <a:txBody>
+                    <a:bodyPr/>
+                    <a:lstStyle/>
+                    <a:p>
+                      <a:pPr algn="ctr"/>
+                      <a:r>
+                        <a:rPr lang="en-US" sz="1400" dirty="0" err="1" smtClean="0"/>
+                        <a:t>Sz</a:t>
+                      </a:r>
+                      <a:r>
+                        <a:rPr lang="en-US" sz="1400" baseline="0" dirty="0" smtClean="0"/>
+                        <a:t> Trained</a:t>
+                      </a:r>
+                      <a:endParaRPr lang="en-US" sz="1400" dirty="0"/>
+                    </a:p>
+                  </a:txBody>
+                  <a:tcPr/>
+                </a:tc>
+              </a:tr>
+              <a:tr h="370840">
+                <a:tc>
+                  <a:txBody>
+                    <a:bodyPr/>
+                    <a:lstStyle/>
+                    <a:p>
+                      <a:pPr algn="r"/>
+                      <a:r>
+                        <a:rPr lang="en-US" dirty="0" smtClean="0"/>
+                        <a:t>Dog_1</a:t>
+                      </a:r>
+                    </a:p>
+                  </a:txBody>
+                  <a:tcPr/>
+                </a:tc>
+                <a:tc>
+                  <a:txBody>
+                    <a:bodyPr/>
+                    <a:lstStyle/>
+                    <a:p>
+                      <a:pPr algn="ctr"/>
+                      <a:r>
+                        <a:rPr lang="en-US" dirty="0" smtClean="0"/>
+                        <a:t>240</a:t>
+                      </a:r>
+                    </a:p>
+                  </a:txBody>
+                  <a:tcPr/>
+                </a:tc>
+                <a:tc>
+                  <a:txBody>
+                    <a:bodyPr/>
+                    <a:lstStyle/>
+                    <a:p>
+                      <a:pPr algn="ctr"/>
+                      <a:r>
+                        <a:rPr lang="en-US" dirty="0" smtClean="0"/>
+                        <a:t>16</a:t>
+                      </a:r>
+                      <a:endParaRPr lang="en-US" dirty="0"/>
+                    </a:p>
+                  </a:txBody>
+                  <a:tcPr/>
+                </a:tc>
+                <a:tc>
+                  <a:txBody>
+                    <a:bodyPr/>
+                    <a:lstStyle/>
+                    <a:p>
+                      <a:pPr algn="ctr"/>
+                      <a:r>
+                        <a:rPr lang="en-US" dirty="0" smtClean="0"/>
+                        <a:t>24</a:t>
+                      </a:r>
+                      <a:endParaRPr lang="en-US" dirty="0"/>
+                    </a:p>
+                  </a:txBody>
+                  <a:tcPr/>
+                </a:tc>
+                <a:tc>
+                  <a:txBody>
+                    <a:bodyPr/>
+                    <a:lstStyle/>
+                    <a:p>
+                      <a:pPr algn="ctr"/>
+                      <a:r>
+                        <a:rPr lang="en-US" dirty="0" smtClean="0"/>
+                        <a:t>480</a:t>
+                      </a:r>
+                      <a:endParaRPr lang="en-US" dirty="0"/>
+                    </a:p>
+                  </a:txBody>
+                  <a:tcPr/>
+                </a:tc>
+                <a:tc>
+                  <a:txBody>
+                    <a:bodyPr/>
+                    <a:lstStyle/>
+                    <a:p>
+                      <a:pPr algn="ctr"/>
+                      <a:r>
+                        <a:rPr lang="en-US" dirty="0" smtClean="0"/>
+                        <a:t>502</a:t>
+                      </a:r>
+                      <a:endParaRPr lang="en-US" dirty="0"/>
+                    </a:p>
+                  </a:txBody>
+                  <a:tcPr/>
+                </a:tc>
+                <a:tc>
+                  <a:txBody>
+                    <a:bodyPr/>
+                    <a:lstStyle/>
+                    <a:p>
+                      <a:pPr algn="ctr"/>
+                      <a:r>
+                        <a:rPr lang="en-US" dirty="0" smtClean="0"/>
+                        <a:t>4</a:t>
+                      </a:r>
+                      <a:endParaRPr lang="en-US" dirty="0"/>
+                    </a:p>
+                  </a:txBody>
+                  <a:tcPr/>
+                </a:tc>
+                <a:tc>
+                  <a:txBody>
+                    <a:bodyPr/>
+                    <a:lstStyle/>
+                    <a:p>
+                      <a:pPr algn="ctr"/>
+                      <a:r>
+                        <a:rPr lang="en-US" dirty="0" smtClean="0"/>
+                        <a:t>3</a:t>
+                      </a:r>
+                      <a:endParaRPr lang="en-US" dirty="0"/>
+                    </a:p>
+                  </a:txBody>
+                  <a:tcPr/>
+                </a:tc>
+              </a:tr>
+              <a:tr h="370840">
+                <a:tc>
+                  <a:txBody>
+                    <a:bodyPr/>
+                    <a:lstStyle/>
+                    <a:p>
+                      <a:pPr algn="r"/>
+                      <a:r>
+                        <a:rPr lang="en-US" dirty="0" smtClean="0"/>
+                        <a:t>Dog_2</a:t>
+                      </a:r>
+                      <a:endParaRPr lang="en-US" dirty="0"/>
+                    </a:p>
+                  </a:txBody>
+                  <a:tcPr/>
+                </a:tc>
+                <a:tc>
+                  <a:txBody>
+                    <a:bodyPr/>
+                    <a:lstStyle/>
+                    <a:p>
+                      <a:pPr algn="ctr"/>
+                      <a:r>
+                        <a:rPr lang="en-US" dirty="0" smtClean="0"/>
+                        <a:t>240</a:t>
+                      </a:r>
+                      <a:endParaRPr lang="en-US" dirty="0"/>
+                    </a:p>
+                  </a:txBody>
+                  <a:tcPr/>
+                </a:tc>
+                <a:tc>
+                  <a:txBody>
+                    <a:bodyPr/>
+                    <a:lstStyle/>
+                    <a:p>
+                      <a:pPr algn="ctr"/>
+                      <a:r>
+                        <a:rPr lang="en-US" dirty="0" smtClean="0"/>
+                        <a:t>16</a:t>
+                      </a:r>
+                      <a:endParaRPr lang="en-US" dirty="0"/>
+                    </a:p>
+                  </a:txBody>
+                  <a:tcPr/>
+                </a:tc>
+                <a:tc>
+                  <a:txBody>
+                    <a:bodyPr/>
+                    <a:lstStyle/>
+                    <a:p>
+                      <a:pPr algn="ctr"/>
+                      <a:r>
+                        <a:rPr lang="en-US" dirty="0" smtClean="0"/>
+                        <a:t>42</a:t>
+                      </a:r>
+                      <a:endParaRPr lang="en-US" dirty="0"/>
+                    </a:p>
+                  </a:txBody>
+                  <a:tcPr/>
+                </a:tc>
+                <a:tc>
+                  <a:txBody>
+                    <a:bodyPr/>
+                    <a:lstStyle/>
+                    <a:p>
+                      <a:pPr algn="ctr"/>
+                      <a:r>
+                        <a:rPr lang="en-US" dirty="0" smtClean="0"/>
+                        <a:t>500</a:t>
+                      </a:r>
+                      <a:endParaRPr lang="en-US" dirty="0"/>
+                    </a:p>
+                  </a:txBody>
+                  <a:tcPr/>
+                </a:tc>
+                <a:tc>
+                  <a:txBody>
+                    <a:bodyPr/>
+                    <a:lstStyle/>
+                    <a:p>
+                      <a:pPr algn="ctr"/>
+                      <a:r>
+                        <a:rPr lang="en-US" dirty="0" smtClean="0"/>
+                        <a:t>1000</a:t>
+                      </a:r>
+                      <a:endParaRPr lang="en-US" dirty="0"/>
+                    </a:p>
+                  </a:txBody>
+                  <a:tcPr/>
+                </a:tc>
+                <a:tc>
+                  <a:txBody>
+                    <a:bodyPr/>
+                    <a:lstStyle/>
+                    <a:p>
+                      <a:pPr algn="ctr"/>
+                      <a:r>
+                        <a:rPr lang="en-US" dirty="0" smtClean="0"/>
+                        <a:t>8</a:t>
+                      </a:r>
+                      <a:endParaRPr lang="en-US" dirty="0"/>
+                    </a:p>
+                  </a:txBody>
+                  <a:tcPr/>
+                </a:tc>
+                <a:tc>
+                  <a:txBody>
+                    <a:bodyPr/>
+                    <a:lstStyle/>
+                    <a:p>
+                      <a:pPr algn="ctr"/>
+                      <a:r>
+                        <a:rPr lang="en-US" dirty="0" smtClean="0"/>
+                        <a:t>5</a:t>
+                      </a:r>
+                      <a:endParaRPr lang="en-US" dirty="0"/>
+                    </a:p>
+                  </a:txBody>
+                  <a:tcPr/>
+                </a:tc>
+              </a:tr>
+              <a:tr h="370840">
+                <a:tc>
+                  <a:txBody>
+                    <a:bodyPr/>
+                    <a:lstStyle/>
+                    <a:p>
+                      <a:pPr algn="r"/>
+                      <a:r>
+                        <a:rPr lang="en-US" dirty="0" smtClean="0"/>
+                        <a:t>Dog_3</a:t>
+                      </a:r>
+                      <a:endParaRPr lang="en-US" dirty="0"/>
+                    </a:p>
+                  </a:txBody>
+                  <a:tcPr/>
+                </a:tc>
+                <a:tc>
+                  <a:txBody>
+                    <a:bodyPr/>
+                    <a:lstStyle/>
+                    <a:p>
+                      <a:pPr algn="ctr"/>
+                      <a:r>
+                        <a:rPr lang="en-US" dirty="0" smtClean="0"/>
+                        <a:t>240</a:t>
+                      </a:r>
+                      <a:endParaRPr lang="en-US" dirty="0"/>
+                    </a:p>
+                  </a:txBody>
+                  <a:tcPr/>
+                </a:tc>
+                <a:tc>
+                  <a:txBody>
+                    <a:bodyPr/>
+                    <a:lstStyle/>
+                    <a:p>
+                      <a:pPr algn="ctr"/>
+                      <a:r>
+                        <a:rPr lang="en-US" dirty="0" smtClean="0"/>
+                        <a:t>16</a:t>
+                      </a:r>
+                      <a:endParaRPr lang="en-US" dirty="0"/>
+                    </a:p>
+                  </a:txBody>
+                  <a:tcPr/>
+                </a:tc>
+                <a:tc>
+                  <a:txBody>
+                    <a:bodyPr/>
+                    <a:lstStyle/>
+                    <a:p>
+                      <a:pPr algn="ctr"/>
+                      <a:r>
+                        <a:rPr lang="en-US" dirty="0" smtClean="0"/>
+                        <a:t>72</a:t>
+                      </a:r>
+                      <a:endParaRPr lang="en-US" dirty="0"/>
+                    </a:p>
+                  </a:txBody>
+                  <a:tcPr/>
+                </a:tc>
+                <a:tc>
+                  <a:txBody>
+                    <a:bodyPr/>
+                    <a:lstStyle/>
+                    <a:p>
+                      <a:pPr algn="ctr"/>
+                      <a:r>
+                        <a:rPr lang="en-US" dirty="0" smtClean="0"/>
+                        <a:t>1440</a:t>
+                      </a:r>
+                      <a:endParaRPr lang="en-US" dirty="0"/>
+                    </a:p>
+                  </a:txBody>
+                  <a:tcPr/>
+                </a:tc>
+                <a:tc>
+                  <a:txBody>
+                    <a:bodyPr/>
+                    <a:lstStyle/>
+                    <a:p>
+                      <a:pPr algn="ctr"/>
+                      <a:r>
+                        <a:rPr lang="en-US" dirty="0" smtClean="0"/>
+                        <a:t>907</a:t>
+                      </a:r>
+                      <a:endParaRPr lang="en-US" dirty="0"/>
+                    </a:p>
+                  </a:txBody>
+                  <a:tcPr/>
+                </a:tc>
+                <a:tc>
+                  <a:txBody>
+                    <a:bodyPr/>
+                    <a:lstStyle/>
+                    <a:p>
+                      <a:pPr algn="ctr"/>
+                      <a:r>
+                        <a:rPr lang="en-US" dirty="0" smtClean="0"/>
+                        <a:t>12</a:t>
+                      </a:r>
+                      <a:endParaRPr lang="en-US" dirty="0"/>
+                    </a:p>
+                  </a:txBody>
+                  <a:tcPr/>
+                </a:tc>
+                <a:tc>
+                  <a:txBody>
+                    <a:bodyPr/>
+                    <a:lstStyle/>
+                    <a:p>
+                      <a:pPr algn="ctr"/>
+                      <a:r>
+                        <a:rPr lang="en-US" dirty="0" smtClean="0"/>
+                        <a:t>8</a:t>
+                      </a:r>
+                      <a:endParaRPr lang="en-US" dirty="0"/>
+                    </a:p>
+                  </a:txBody>
+                  <a:tcPr/>
+                </a:tc>
+              </a:tr>
+              <a:tr h="370840">
+                <a:tc>
+                  <a:txBody>
+                    <a:bodyPr/>
+                    <a:lstStyle/>
+                    <a:p>
+                      <a:pPr algn="r"/>
+                      <a:r>
+                        <a:rPr lang="en-US" dirty="0" smtClean="0"/>
+                        <a:t>Dog_4</a:t>
+                      </a:r>
+                      <a:endParaRPr lang="en-US" dirty="0"/>
+                    </a:p>
+                  </a:txBody>
+                  <a:tcPr/>
+                </a:tc>
+                <a:tc>
+                  <a:txBody>
+                    <a:bodyPr/>
+                    <a:lstStyle/>
+                    <a:p>
+                      <a:pPr algn="ctr"/>
+                      <a:r>
+                        <a:rPr lang="en-US" dirty="0" smtClean="0"/>
+                        <a:t>240</a:t>
+                      </a:r>
+                      <a:endParaRPr lang="en-US" dirty="0"/>
+                    </a:p>
+                  </a:txBody>
+                  <a:tcPr/>
+                </a:tc>
+                <a:tc>
+                  <a:txBody>
+                    <a:bodyPr/>
+                    <a:lstStyle/>
+                    <a:p>
+                      <a:pPr algn="ctr"/>
+                      <a:r>
+                        <a:rPr lang="en-US" dirty="0" smtClean="0"/>
+                        <a:t>16</a:t>
+                      </a:r>
+                      <a:endParaRPr lang="en-US" dirty="0"/>
+                    </a:p>
+                  </a:txBody>
+                  <a:tcPr/>
+                </a:tc>
+                <a:tc>
+                  <a:txBody>
+                    <a:bodyPr/>
+                    <a:lstStyle/>
+                    <a:p>
+                      <a:pPr algn="ctr"/>
+                      <a:r>
+                        <a:rPr lang="en-US" dirty="0" smtClean="0"/>
+                        <a:t>97</a:t>
+                      </a:r>
+                      <a:endParaRPr lang="en-US" dirty="0"/>
+                    </a:p>
+                  </a:txBody>
+                  <a:tcPr/>
+                </a:tc>
+                <a:tc>
+                  <a:txBody>
+                    <a:bodyPr/>
+                    <a:lstStyle/>
+                    <a:p>
+                      <a:pPr algn="ctr"/>
+                      <a:r>
+                        <a:rPr lang="en-US" dirty="0" smtClean="0"/>
+                        <a:t>804</a:t>
+                      </a:r>
+                      <a:endParaRPr lang="en-US" dirty="0"/>
+                    </a:p>
+                  </a:txBody>
+                  <a:tcPr/>
+                </a:tc>
+                <a:tc>
+                  <a:txBody>
+                    <a:bodyPr/>
+                    <a:lstStyle/>
+                    <a:p>
+                      <a:pPr algn="ctr"/>
+                      <a:r>
+                        <a:rPr lang="en-US" dirty="0" smtClean="0"/>
+                        <a:t>990</a:t>
+                      </a:r>
+                      <a:endParaRPr lang="en-US" dirty="0"/>
+                    </a:p>
+                  </a:txBody>
+                  <a:tcPr/>
+                </a:tc>
+                <a:tc>
+                  <a:txBody>
+                    <a:bodyPr/>
+                    <a:lstStyle/>
+                    <a:p>
+                      <a:pPr algn="ctr"/>
+                      <a:r>
+                        <a:rPr lang="en-US" dirty="0" smtClean="0"/>
+                        <a:t>16</a:t>
+                      </a:r>
+                      <a:endParaRPr lang="en-US" dirty="0"/>
+                    </a:p>
+                  </a:txBody>
+                  <a:tcPr/>
+                </a:tc>
+                <a:tc>
+                  <a:txBody>
+                    <a:bodyPr/>
+                    <a:lstStyle/>
+                    <a:p>
+                      <a:pPr algn="ctr"/>
+                      <a:r>
+                        <a:rPr lang="en-US" dirty="0" smtClean="0"/>
+                        <a:t>11</a:t>
+                      </a:r>
+                      <a:endParaRPr lang="en-US" dirty="0"/>
+                    </a:p>
+                  </a:txBody>
+                  <a:tcPr/>
+                </a:tc>
+              </a:tr>
+              <a:tr h="370840">
+                <a:tc>
+                  <a:txBody>
+                    <a:bodyPr/>
+                    <a:lstStyle/>
+                    <a:p>
+                      <a:pPr algn="r"/>
+                      <a:r>
+                        <a:rPr lang="en-US" dirty="0" smtClean="0"/>
+                        <a:t>Dog_5</a:t>
+                      </a:r>
+                      <a:endParaRPr lang="en-US" dirty="0"/>
+                    </a:p>
+                  </a:txBody>
+                  <a:tcPr/>
+                </a:tc>
+                <a:tc>
+                  <a:txBody>
+                    <a:bodyPr/>
+                    <a:lstStyle/>
+                    <a:p>
+                      <a:pPr algn="ctr"/>
+                      <a:r>
+                        <a:rPr lang="en-US" dirty="0" smtClean="0"/>
+                        <a:t>240</a:t>
+                      </a:r>
+                      <a:endParaRPr lang="en-US" dirty="0"/>
+                    </a:p>
+                  </a:txBody>
+                  <a:tcPr/>
+                </a:tc>
+                <a:tc>
+                  <a:txBody>
+                    <a:bodyPr/>
+                    <a:lstStyle/>
+                    <a:p>
+                      <a:pPr algn="ctr"/>
+                      <a:r>
+                        <a:rPr lang="en-US" dirty="0" smtClean="0"/>
+                        <a:t>15</a:t>
+                      </a:r>
+                      <a:endParaRPr lang="en-US" dirty="0"/>
+                    </a:p>
+                  </a:txBody>
+                  <a:tcPr/>
+                </a:tc>
+                <a:tc>
+                  <a:txBody>
+                    <a:bodyPr/>
+                    <a:lstStyle/>
+                    <a:p>
+                      <a:pPr algn="ctr"/>
+                      <a:r>
+                        <a:rPr lang="en-US" dirty="0" smtClean="0"/>
+                        <a:t>30</a:t>
+                      </a:r>
+                      <a:endParaRPr lang="en-US" dirty="0"/>
+                    </a:p>
+                  </a:txBody>
+                  <a:tcPr/>
+                </a:tc>
+                <a:tc>
+                  <a:txBody>
+                    <a:bodyPr/>
+                    <a:lstStyle/>
+                    <a:p>
+                      <a:pPr algn="ctr"/>
+                      <a:r>
+                        <a:rPr lang="en-US" dirty="0" smtClean="0"/>
+                        <a:t>450</a:t>
+                      </a:r>
+                      <a:endParaRPr lang="en-US" dirty="0"/>
+                    </a:p>
+                  </a:txBody>
+                  <a:tcPr/>
+                </a:tc>
+                <a:tc>
+                  <a:txBody>
+                    <a:bodyPr/>
+                    <a:lstStyle/>
+                    <a:p>
+                      <a:pPr algn="ctr"/>
+                      <a:r>
+                        <a:rPr lang="en-US" dirty="0" smtClean="0"/>
+                        <a:t>191</a:t>
+                      </a:r>
+                      <a:endParaRPr lang="en-US" dirty="0"/>
+                    </a:p>
+                  </a:txBody>
+                  <a:tcPr/>
+                </a:tc>
+                <a:tc>
+                  <a:txBody>
+                    <a:bodyPr/>
+                    <a:lstStyle/>
+                    <a:p>
+                      <a:pPr algn="ctr"/>
+                      <a:r>
+                        <a:rPr lang="en-US" dirty="0" smtClean="0"/>
+                        <a:t>5</a:t>
+                      </a:r>
+                      <a:endParaRPr lang="en-US" dirty="0"/>
+                    </a:p>
+                  </a:txBody>
+                  <a:tcPr/>
+                </a:tc>
+                <a:tc>
+                  <a:txBody>
+                    <a:bodyPr/>
+                    <a:lstStyle/>
+                    <a:p>
+                      <a:pPr algn="ctr"/>
+                      <a:r>
+                        <a:rPr lang="en-US" dirty="0" smtClean="0"/>
+                        <a:t>3</a:t>
+                      </a:r>
+                      <a:endParaRPr lang="en-US" dirty="0"/>
+                    </a:p>
+                  </a:txBody>
+                  <a:tcPr/>
+                </a:tc>
+              </a:tr>
+              <a:tr h="370840">
+                <a:tc>
+                  <a:txBody>
+                    <a:bodyPr/>
+                    <a:lstStyle/>
+                    <a:p>
+                      <a:pPr algn="r"/>
+                      <a:r>
+                        <a:rPr lang="en-US" dirty="0" smtClean="0"/>
+                        <a:t>Patient</a:t>
+                      </a:r>
+                      <a:r>
+                        <a:rPr lang="en-US" baseline="0" dirty="0" smtClean="0"/>
+                        <a:t>_1</a:t>
+                      </a:r>
+                      <a:endParaRPr lang="en-US" dirty="0"/>
+                    </a:p>
+                  </a:txBody>
+                  <a:tcPr/>
+                </a:tc>
+                <a:tc>
+                  <a:txBody>
+                    <a:bodyPr/>
+                    <a:lstStyle/>
+                    <a:p>
+                      <a:pPr algn="ctr"/>
+                      <a:r>
+                        <a:rPr lang="en-US" dirty="0" smtClean="0"/>
+                        <a:t>4500</a:t>
+                      </a:r>
+                      <a:endParaRPr lang="en-US" dirty="0"/>
+                    </a:p>
+                  </a:txBody>
+                  <a:tcPr/>
+                </a:tc>
+                <a:tc>
+                  <a:txBody>
+                    <a:bodyPr/>
+                    <a:lstStyle/>
+                    <a:p>
+                      <a:pPr algn="ctr"/>
+                      <a:r>
+                        <a:rPr lang="en-US" dirty="0" smtClean="0"/>
+                        <a:t>15</a:t>
+                      </a:r>
+                      <a:endParaRPr lang="en-US" dirty="0"/>
+                    </a:p>
+                  </a:txBody>
+                  <a:tcPr/>
+                </a:tc>
+                <a:tc>
+                  <a:txBody>
+                    <a:bodyPr/>
+                    <a:lstStyle/>
+                    <a:p>
+                      <a:pPr algn="ctr"/>
+                      <a:r>
+                        <a:rPr lang="en-US" dirty="0" smtClean="0"/>
+                        <a:t>18</a:t>
+                      </a:r>
+                      <a:endParaRPr lang="en-US" dirty="0"/>
+                    </a:p>
+                  </a:txBody>
+                  <a:tcPr/>
+                </a:tc>
+                <a:tc>
+                  <a:txBody>
+                    <a:bodyPr/>
+                    <a:lstStyle/>
+                    <a:p>
+                      <a:pPr algn="ctr"/>
+                      <a:r>
+                        <a:rPr lang="en-US" dirty="0" smtClean="0"/>
+                        <a:t>50</a:t>
+                      </a:r>
+                      <a:endParaRPr lang="en-US" dirty="0"/>
+                    </a:p>
+                  </a:txBody>
+                  <a:tcPr/>
+                </a:tc>
+                <a:tc>
+                  <a:txBody>
+                    <a:bodyPr/>
+                    <a:lstStyle/>
+                    <a:p>
+                      <a:pPr algn="ctr"/>
+                      <a:r>
+                        <a:rPr lang="en-US" dirty="0" smtClean="0"/>
+                        <a:t>195</a:t>
+                      </a:r>
+                      <a:endParaRPr lang="en-US" dirty="0"/>
+                    </a:p>
+                  </a:txBody>
+                  <a:tcPr/>
+                </a:tc>
+                <a:tc>
+                  <a:txBody>
+                    <a:bodyPr/>
+                    <a:lstStyle/>
+                    <a:p>
+                      <a:pPr algn="ctr"/>
+                      <a:r>
+                        <a:rPr lang="en-US" dirty="0" smtClean="0"/>
+                        <a:t>3</a:t>
+                      </a:r>
+                      <a:endParaRPr lang="en-US" dirty="0"/>
+                    </a:p>
+                  </a:txBody>
+                  <a:tcPr/>
+                </a:tc>
+                <a:tc>
+                  <a:txBody>
+                    <a:bodyPr/>
+                    <a:lstStyle/>
+                    <a:p>
+                      <a:pPr algn="ctr"/>
+                      <a:r>
+                        <a:rPr lang="en-US" dirty="0" smtClean="0"/>
+                        <a:t>2</a:t>
+                      </a:r>
+                      <a:endParaRPr lang="en-US" dirty="0"/>
+                    </a:p>
+                  </a:txBody>
+                  <a:tcPr/>
+                </a:tc>
+              </a:tr>
+              <a:tr h="370840">
+                <a:tc>
+                  <a:txBody>
+                    <a:bodyPr/>
+                    <a:lstStyle/>
+                    <a:p>
+                      <a:pPr algn="r"/>
+                      <a:r>
+                        <a:rPr lang="en-US" dirty="0" smtClean="0"/>
+                        <a:t>Patient_2</a:t>
+                      </a:r>
+                      <a:endParaRPr lang="en-US" dirty="0"/>
+                    </a:p>
+                  </a:txBody>
+                  <a:tcPr/>
+                </a:tc>
+                <a:tc>
+                  <a:txBody>
+                    <a:bodyPr/>
+                    <a:lstStyle/>
+                    <a:p>
+                      <a:pPr algn="ctr"/>
+                      <a:r>
+                        <a:rPr lang="en-US" dirty="0" smtClean="0"/>
+                        <a:t>4500</a:t>
+                      </a:r>
+                      <a:endParaRPr lang="en-US" dirty="0"/>
+                    </a:p>
+                  </a:txBody>
+                  <a:tcPr/>
+                </a:tc>
+                <a:tc>
+                  <a:txBody>
+                    <a:bodyPr/>
+                    <a:lstStyle/>
+                    <a:p>
+                      <a:pPr algn="ctr"/>
+                      <a:r>
+                        <a:rPr lang="en-US" dirty="0" smtClean="0"/>
+                        <a:t>24</a:t>
+                      </a:r>
+                      <a:endParaRPr lang="en-US" dirty="0"/>
+                    </a:p>
+                  </a:txBody>
+                  <a:tcPr/>
+                </a:tc>
+                <a:tc>
+                  <a:txBody>
+                    <a:bodyPr/>
+                    <a:lstStyle/>
+                    <a:p>
+                      <a:pPr algn="ctr"/>
+                      <a:r>
+                        <a:rPr lang="en-US" dirty="0" smtClean="0"/>
+                        <a:t>18</a:t>
+                      </a:r>
+                      <a:endParaRPr lang="en-US" dirty="0"/>
+                    </a:p>
+                  </a:txBody>
+                  <a:tcPr/>
+                </a:tc>
+                <a:tc>
+                  <a:txBody>
+                    <a:bodyPr/>
+                    <a:lstStyle/>
+                    <a:p>
+                      <a:pPr algn="ctr"/>
+                      <a:r>
+                        <a:rPr lang="en-US" dirty="0" smtClean="0"/>
+                        <a:t>42</a:t>
+                      </a:r>
+                      <a:endParaRPr lang="en-US" dirty="0"/>
+                    </a:p>
+                  </a:txBody>
+                  <a:tcPr/>
+                </a:tc>
+                <a:tc>
+                  <a:txBody>
+                    <a:bodyPr/>
+                    <a:lstStyle/>
+                    <a:p>
+                      <a:pPr algn="ctr"/>
+                      <a:r>
+                        <a:rPr lang="en-US" dirty="0" smtClean="0"/>
+                        <a:t>150</a:t>
+                      </a:r>
+                      <a:endParaRPr lang="en-US" dirty="0"/>
+                    </a:p>
+                  </a:txBody>
+                  <a:tcPr/>
+                </a:tc>
+                <a:tc>
+                  <a:txBody>
+                    <a:bodyPr/>
+                    <a:lstStyle/>
+                    <a:p>
+                      <a:pPr algn="ctr"/>
+                      <a:r>
+                        <a:rPr lang="en-US" dirty="0" smtClean="0"/>
+                        <a:t>3</a:t>
+                      </a:r>
+                      <a:endParaRPr lang="en-US" dirty="0"/>
+                    </a:p>
+                  </a:txBody>
+                  <a:tcPr/>
+                </a:tc>
+                <a:tc>
+                  <a:txBody>
+                    <a:bodyPr/>
+                    <a:lstStyle/>
+                    <a:p>
+                      <a:pPr algn="ctr"/>
+                      <a:r>
+                        <a:rPr lang="en-US" dirty="0" smtClean="0"/>
+                        <a:t>2</a:t>
+                      </a:r>
+                      <a:endParaRPr lang="en-US" dirty="0"/>
+                    </a:p>
+                  </a:txBody>
+                  <a:tcPr/>
+                </a:tc>
+              </a:tr>
+            </a:tbl>
+          </a:graphicData>
+        </a:graphic>
+      </p:graphicFrame>
     </p:spTree>
     <p:extLst>
       <p:ext uri="{BB962C8B-B14F-4D97-AF65-F5344CB8AC3E}">
-        <p14:creationId xmlns:p14="http://schemas.microsoft.com/office/powerpoint/2010/main" val="3848493376"/>
+        <p14:creationId xmlns:p14="http://schemas.microsoft.com/office/powerpoint/2010/main" val="3085020481"/>
       </p:ext>
     </p:extLst>
   </p:cSld>
@@ -3558,7 +5383,7 @@
           <a:p>
             <a:r>
               <a:rPr lang="en-US" dirty="0" smtClean="0"/>
-              <a:t>Feature Selection</a:t>
+              <a:t>ETL</a:t>
             </a:r>
             <a:endParaRPr lang="en-US" dirty="0"/>
           </a:p>
@@ -3581,49 +5406,88 @@
           <a:p>
             <a:r>
               <a:rPr lang="en-US" dirty="0" smtClean="0"/>
-              <a:t>Variance</a:t>
-            </a:r>
-          </a:p>
-          <a:p>
+              <a:t>Converted from </a:t>
+            </a:r>
+            <a:r>
+              <a:rPr lang="en-US" dirty="0" smtClean="0">
+                <a:solidFill>
+                  <a:srgbClr val="00B0F0"/>
+                </a:solidFill>
+              </a:rPr>
+              <a:t>MATLAB</a:t>
+            </a:r>
             <a:r>
               <a:rPr lang="en-US" dirty="0" smtClean="0"/>
-              <a:t>Autocorrelation</a:t>
-            </a:r>
-          </a:p>
-          <a:p>
+              <a:t> binary data storage to </a:t>
+            </a:r>
+            <a:r>
+              <a:rPr lang="en-US" dirty="0" smtClean="0">
+                <a:solidFill>
+                  <a:srgbClr val="00B0F0"/>
+                </a:solidFill>
+              </a:rPr>
+              <a:t>HDF5</a:t>
+            </a:r>
             <a:r>
               <a:rPr lang="en-US" dirty="0" smtClean="0"/>
-              <a:t>Cross-correlation</a:t>
+              <a:t> format</a:t>
             </a:r>
           </a:p>
           <a:p>
             <a:r>
               <a:rPr lang="en-US" dirty="0" smtClean="0"/>
-              <a:t>Amplitude Entropy</a:t>
-            </a:r>
-          </a:p>
-          <a:p>
+              <a:t>Down sampled </a:t>
+            </a:r>
             <a:r>
               <a:rPr lang="en-US" dirty="0" smtClean="0"/>
-              <a:t>Skew</a:t>
-            </a:r>
-          </a:p>
-          <a:p>
-            <a:r>
-              <a:rPr lang="en-US" dirty="0" err="1" smtClean="0"/>
-              <a:t>Heteroskedasticity</a:t>
+              <a:t>to </a:t>
+            </a:r>
+            <a:r>
+              <a:rPr lang="en-US" dirty="0" smtClean="0">
+                <a:solidFill>
+                  <a:srgbClr val="00B0F0"/>
+                </a:solidFill>
+              </a:rPr>
+              <a:t>200 Hz</a:t>
+            </a:r>
+          </a:p>
+          <a:p>
+            <a:r>
+              <a:rPr lang="en-US" dirty="0" smtClean="0"/>
+              <a:t>Features extracted with </a:t>
+            </a:r>
+            <a:r>
+              <a:rPr lang="en-US" dirty="0" smtClean="0"/>
+              <a:t>Julia</a:t>
             </a:r>
             <a:endParaRPr lang="en-US" dirty="0"/>
           </a:p>
           <a:p>
-            <a:endParaRPr lang="en-US" dirty="0"/>
+            <a:pPr lvl="1"/>
+            <a:r>
+              <a:rPr lang="en-US" dirty="0" smtClean="0"/>
+              <a:t>Stored as </a:t>
+            </a:r>
+            <a:r>
+              <a:rPr lang="en-US" dirty="0" smtClean="0">
+                <a:solidFill>
+                  <a:srgbClr val="00B0F0"/>
+                </a:solidFill>
+              </a:rPr>
+              <a:t>csv</a:t>
+            </a:r>
+            <a:endParaRPr lang="en-US" dirty="0" smtClean="0">
+              <a:solidFill>
+                <a:srgbClr val="00B0F0"/>
+              </a:solidFill>
+            </a:endParaRPr>
           </a:p>
         </p:txBody>
       </p:sp>
     </p:spTree>
     <p:extLst>
       <p:ext uri="{BB962C8B-B14F-4D97-AF65-F5344CB8AC3E}">
-        <p14:creationId xmlns:p14="http://schemas.microsoft.com/office/powerpoint/2010/main" val="3863609436"/>
+        <p14:creationId xmlns:p14="http://schemas.microsoft.com/office/powerpoint/2010/main" val="3848493376"/>
       </p:ext>
     </p:extLst>
   </p:cSld>
@@ -3674,7 +5538,7 @@
           <a:p>
             <a:r>
               <a:rPr lang="en-US" dirty="0" smtClean="0"/>
-              <a:t>Model</a:t>
+              <a:t>Feature Selection</a:t>
             </a:r>
             <a:endParaRPr lang="en-US" dirty="0"/>
           </a:p>
@@ -3690,69 +5554,330 @@
             <p:ph idx="1"/>
           </p:nvPr>
         </p:nvSpPr>
-        <p:spPr/>
+        <p:spPr>
+          <a:xfrm>
+            <a:off x="628650" y="1825625"/>
+            <a:ext cx="3257550" cy="4351338"/>
+          </a:xfrm>
+        </p:spPr>
         <p:txBody>
           <a:bodyPr/>
           <a:lstStyle/>
           <a:p>
-            <a:r>
-              <a:rPr lang="en-US" dirty="0" smtClean="0"/>
-              <a:t>LeNet5</a:t>
-            </a:r>
+            <a:pPr marL="0" indent="0">
+              <a:buNone/>
+            </a:pPr>
+            <a:r>
+              <a:rPr lang="en-US" u="sng" dirty="0" err="1" smtClean="0"/>
+              <a:t>Univariate</a:t>
+            </a:r>
+            <a:endParaRPr lang="en-US" u="sng" dirty="0" smtClean="0"/>
           </a:p>
           <a:p>
             <a:pPr lvl="1"/>
-            <a:endParaRPr lang="en-US" dirty="0" smtClean="0"/>
+            <a:r>
+              <a:rPr lang="en-US" dirty="0" smtClean="0">
+                <a:solidFill>
+                  <a:schemeClr val="tx1">
+                    <a:lumMod val="50000"/>
+                    <a:lumOff val="50000"/>
+                  </a:schemeClr>
+                </a:solidFill>
+              </a:rPr>
+              <a:t>Variance</a:t>
+            </a:r>
+            <a:endParaRPr lang="en-US" dirty="0" smtClean="0">
+              <a:solidFill>
+                <a:schemeClr val="tx1">
+                  <a:lumMod val="50000"/>
+                  <a:lumOff val="50000"/>
+                </a:schemeClr>
+              </a:solidFill>
+            </a:endParaRPr>
           </a:p>
           <a:p>
             <a:pPr lvl="1"/>
-            <a:endParaRPr lang="en-US" dirty="0"/>
-          </a:p>
-          <a:p>
-            <a:r>
-              <a:rPr lang="en-US" dirty="0" err="1" smtClean="0"/>
-              <a:t>Theano</a:t>
-            </a:r>
-            <a:r>
-              <a:rPr lang="en-US" dirty="0" smtClean="0"/>
-              <a:t> 0.6.0</a:t>
+            <a:r>
+              <a:rPr lang="en-US" dirty="0" smtClean="0">
+                <a:solidFill>
+                  <a:schemeClr val="tx1">
+                    <a:lumMod val="50000"/>
+                    <a:lumOff val="50000"/>
+                  </a:schemeClr>
+                </a:solidFill>
+              </a:rPr>
+              <a:t>Autocorrelation</a:t>
             </a:r>
           </a:p>
           <a:p>
             <a:pPr lvl="1"/>
             <a:r>
-              <a:rPr lang="en-US" dirty="0" smtClean="0"/>
-              <a:t>Python 2.7.3 / </a:t>
-            </a:r>
-            <a:r>
-              <a:rPr lang="en-US" dirty="0" err="1" smtClean="0"/>
-              <a:t>gcc</a:t>
-            </a:r>
-            <a:r>
-              <a:rPr lang="en-US" dirty="0" smtClean="0"/>
-              <a:t> 4.6.3</a:t>
+              <a:rPr lang="en-US" dirty="0" smtClean="0">
+                <a:solidFill>
+                  <a:schemeClr val="tx1">
+                    <a:lumMod val="50000"/>
+                    <a:lumOff val="50000"/>
+                  </a:schemeClr>
+                </a:solidFill>
+              </a:rPr>
+              <a:t>Amplitude Entropy</a:t>
             </a:r>
           </a:p>
           <a:p>
             <a:pPr lvl="1"/>
             <a:r>
-              <a:rPr lang="en-US" dirty="0" err="1" smtClean="0"/>
-              <a:t>Numpy</a:t>
-            </a:r>
-            <a:r>
-              <a:rPr lang="en-US" dirty="0" smtClean="0"/>
-              <a:t> 1.9.0 / </a:t>
-            </a:r>
-            <a:r>
-              <a:rPr lang="en-US" dirty="0" err="1" smtClean="0"/>
-              <a:t>scipy</a:t>
-            </a:r>
-            <a:r>
-              <a:rPr lang="en-US" dirty="0" smtClean="0"/>
-              <a:t> 0.14.0</a:t>
-            </a:r>
-          </a:p>
-          <a:p>
+              <a:rPr lang="en-US" dirty="0" smtClean="0">
+                <a:solidFill>
+                  <a:schemeClr val="tx1">
+                    <a:lumMod val="50000"/>
+                    <a:lumOff val="50000"/>
+                  </a:schemeClr>
+                </a:solidFill>
+              </a:rPr>
+              <a:t>Kurtosis</a:t>
+            </a:r>
+            <a:endParaRPr lang="en-US" dirty="0" smtClean="0">
+              <a:solidFill>
+                <a:schemeClr val="tx1">
+                  <a:lumMod val="50000"/>
+                  <a:lumOff val="50000"/>
+                </a:schemeClr>
+              </a:solidFill>
+            </a:endParaRPr>
+          </a:p>
+          <a:p>
+            <a:pPr lvl="1"/>
+            <a:r>
+              <a:rPr lang="en-US" dirty="0" smtClean="0">
+                <a:solidFill>
+                  <a:schemeClr val="tx1">
+                    <a:lumMod val="50000"/>
+                    <a:lumOff val="50000"/>
+                  </a:schemeClr>
+                </a:solidFill>
+              </a:rPr>
+              <a:t>Skew</a:t>
+            </a:r>
+            <a:endParaRPr lang="en-US" dirty="0" smtClean="0">
+              <a:solidFill>
+                <a:schemeClr val="tx1">
+                  <a:lumMod val="50000"/>
+                  <a:lumOff val="50000"/>
+                </a:schemeClr>
+              </a:solidFill>
+            </a:endParaRPr>
+          </a:p>
+        </p:txBody>
+      </p:sp>
+      <p:sp>
+        <p:nvSpPr>
+          <p:cNvPr id="4" name="Content Placeholder 2"/>
+          <p:cNvSpPr txBox="1">
+            <a:spLocks/>
+          </p:cNvSpPr>
+          <p:nvPr/>
+        </p:nvSpPr>
+        <p:spPr>
+          <a:xfrm>
+            <a:off x="4362450" y="1820862"/>
+            <a:ext cx="3257550" cy="4351338"/>
+          </a:xfrm>
+          <a:prstGeom prst="rect">
+            <a:avLst/>
+          </a:prstGeom>
+        </p:spPr>
+        <p:txBody>
+          <a:bodyPr vert="horz" lIns="91440" tIns="45720" rIns="91440" bIns="45720" rtlCol="0">
+            <a:normAutofit/>
+          </a:bodyPr>
+          <a:lstStyle>
+            <a:lvl1pPr marL="228600" indent="-228600" algn="l" defTabSz="914400" rtl="0" eaLnBrk="1" latinLnBrk="0" hangingPunct="1">
+              <a:lnSpc>
+                <a:spcPct val="90000"/>
+              </a:lnSpc>
+              <a:spcBef>
+                <a:spcPts val="1000"/>
+              </a:spcBef>
+              <a:buFont typeface="Arial" panose="020B0604020202020204" pitchFamily="34" charset="0"/>
+              <a:buChar char="•"/>
+              <a:defRPr sz="2800" kern="1200">
+                <a:solidFill>
+                  <a:schemeClr val="tx1"/>
+                </a:solidFill>
+                <a:latin typeface="+mn-lt"/>
+                <a:ea typeface="+mn-ea"/>
+                <a:cs typeface="+mn-cs"/>
+              </a:defRPr>
+            </a:lvl1pPr>
+            <a:lvl2pPr marL="685800" indent="-228600" algn="l" defTabSz="914400" rtl="0" eaLnBrk="1" latinLnBrk="0" hangingPunct="1">
+              <a:lnSpc>
+                <a:spcPct val="90000"/>
+              </a:lnSpc>
+              <a:spcBef>
+                <a:spcPts val="500"/>
+              </a:spcBef>
+              <a:buFont typeface="Arial" panose="020B0604020202020204" pitchFamily="34" charset="0"/>
+              <a:buChar char="•"/>
+              <a:defRPr sz="2400" kern="1200">
+                <a:solidFill>
+                  <a:schemeClr val="tx1"/>
+                </a:solidFill>
+                <a:latin typeface="+mn-lt"/>
+                <a:ea typeface="+mn-ea"/>
+                <a:cs typeface="+mn-cs"/>
+              </a:defRPr>
+            </a:lvl2pPr>
+            <a:lvl3pPr marL="1143000" indent="-228600" algn="l" defTabSz="914400" rtl="0" eaLnBrk="1" latinLnBrk="0" hangingPunct="1">
+              <a:lnSpc>
+                <a:spcPct val="90000"/>
+              </a:lnSpc>
+              <a:spcBef>
+                <a:spcPts val="500"/>
+              </a:spcBef>
+              <a:buFont typeface="Arial" panose="020B0604020202020204" pitchFamily="34" charset="0"/>
+              <a:buChar char="•"/>
+              <a:defRPr sz="2000" kern="1200">
+                <a:solidFill>
+                  <a:schemeClr val="tx1"/>
+                </a:solidFill>
+                <a:latin typeface="+mn-lt"/>
+                <a:ea typeface="+mn-ea"/>
+                <a:cs typeface="+mn-cs"/>
+              </a:defRPr>
+            </a:lvl3pPr>
+            <a:lvl4pPr marL="1600200" indent="-228600" algn="l" defTabSz="914400" rtl="0" eaLnBrk="1" latinLnBrk="0" hangingPunct="1">
+              <a:lnSpc>
+                <a:spcPct val="90000"/>
+              </a:lnSpc>
+              <a:spcBef>
+                <a:spcPts val="500"/>
+              </a:spcBef>
+              <a:buFont typeface="Arial" panose="020B0604020202020204" pitchFamily="34" charset="0"/>
+              <a:buChar char="•"/>
+              <a:defRPr sz="1800" kern="1200">
+                <a:solidFill>
+                  <a:schemeClr val="tx1"/>
+                </a:solidFill>
+                <a:latin typeface="+mn-lt"/>
+                <a:ea typeface="+mn-ea"/>
+                <a:cs typeface="+mn-cs"/>
+              </a:defRPr>
+            </a:lvl4pPr>
+            <a:lvl5pPr marL="2057400" indent="-228600" algn="l" defTabSz="914400" rtl="0" eaLnBrk="1" latinLnBrk="0" hangingPunct="1">
+              <a:lnSpc>
+                <a:spcPct val="90000"/>
+              </a:lnSpc>
+              <a:spcBef>
+                <a:spcPts val="500"/>
+              </a:spcBef>
+              <a:buFont typeface="Arial" panose="020B0604020202020204" pitchFamily="34" charset="0"/>
+              <a:buChar char="•"/>
+              <a:defRPr sz="1800" kern="1200">
+                <a:solidFill>
+                  <a:schemeClr val="tx1"/>
+                </a:solidFill>
+                <a:latin typeface="+mn-lt"/>
+                <a:ea typeface="+mn-ea"/>
+                <a:cs typeface="+mn-cs"/>
+              </a:defRPr>
+            </a:lvl5pPr>
+            <a:lvl6pPr marL="2514600" indent="-228600" algn="l" defTabSz="914400" rtl="0" eaLnBrk="1" latinLnBrk="0" hangingPunct="1">
+              <a:lnSpc>
+                <a:spcPct val="90000"/>
+              </a:lnSpc>
+              <a:spcBef>
+                <a:spcPts val="500"/>
+              </a:spcBef>
+              <a:buFont typeface="Arial" panose="020B0604020202020204" pitchFamily="34" charset="0"/>
+              <a:buChar char="•"/>
+              <a:defRPr sz="1800" kern="1200">
+                <a:solidFill>
+                  <a:schemeClr val="tx1"/>
+                </a:solidFill>
+                <a:latin typeface="+mn-lt"/>
+                <a:ea typeface="+mn-ea"/>
+                <a:cs typeface="+mn-cs"/>
+              </a:defRPr>
+            </a:lvl6pPr>
+            <a:lvl7pPr marL="2971800" indent="-228600" algn="l" defTabSz="914400" rtl="0" eaLnBrk="1" latinLnBrk="0" hangingPunct="1">
+              <a:lnSpc>
+                <a:spcPct val="90000"/>
+              </a:lnSpc>
+              <a:spcBef>
+                <a:spcPts val="500"/>
+              </a:spcBef>
+              <a:buFont typeface="Arial" panose="020B0604020202020204" pitchFamily="34" charset="0"/>
+              <a:buChar char="•"/>
+              <a:defRPr sz="1800" kern="1200">
+                <a:solidFill>
+                  <a:schemeClr val="tx1"/>
+                </a:solidFill>
+                <a:latin typeface="+mn-lt"/>
+                <a:ea typeface="+mn-ea"/>
+                <a:cs typeface="+mn-cs"/>
+              </a:defRPr>
+            </a:lvl7pPr>
+            <a:lvl8pPr marL="3429000" indent="-228600" algn="l" defTabSz="914400" rtl="0" eaLnBrk="1" latinLnBrk="0" hangingPunct="1">
+              <a:lnSpc>
+                <a:spcPct val="90000"/>
+              </a:lnSpc>
+              <a:spcBef>
+                <a:spcPts val="500"/>
+              </a:spcBef>
+              <a:buFont typeface="Arial" panose="020B0604020202020204" pitchFamily="34" charset="0"/>
+              <a:buChar char="•"/>
+              <a:defRPr sz="1800" kern="1200">
+                <a:solidFill>
+                  <a:schemeClr val="tx1"/>
+                </a:solidFill>
+                <a:latin typeface="+mn-lt"/>
+                <a:ea typeface="+mn-ea"/>
+                <a:cs typeface="+mn-cs"/>
+              </a:defRPr>
+            </a:lvl8pPr>
+            <a:lvl9pPr marL="3886200" indent="-228600" algn="l" defTabSz="914400" rtl="0" eaLnBrk="1" latinLnBrk="0" hangingPunct="1">
+              <a:lnSpc>
+                <a:spcPct val="90000"/>
+              </a:lnSpc>
+              <a:spcBef>
+                <a:spcPts val="500"/>
+              </a:spcBef>
+              <a:buFont typeface="Arial" panose="020B0604020202020204" pitchFamily="34" charset="0"/>
+              <a:buChar char="•"/>
+              <a:defRPr sz="1800" kern="1200">
+                <a:solidFill>
+                  <a:schemeClr val="tx1"/>
+                </a:solidFill>
+                <a:latin typeface="+mn-lt"/>
+                <a:ea typeface="+mn-ea"/>
+                <a:cs typeface="+mn-cs"/>
+              </a:defRPr>
+            </a:lvl9pPr>
+          </a:lstStyle>
+          <a:p>
+            <a:pPr marL="0" indent="0">
+              <a:buNone/>
+            </a:pPr>
+            <a:r>
+              <a:rPr lang="en-US" u="sng" dirty="0" smtClean="0"/>
+              <a:t>Bivariate</a:t>
+            </a:r>
+          </a:p>
+          <a:p>
+            <a:pPr lvl="1"/>
+            <a:r>
+              <a:rPr lang="en-US" dirty="0" smtClean="0">
+                <a:solidFill>
+                  <a:srgbClr val="00B0F0"/>
+                </a:solidFill>
+              </a:rPr>
+              <a:t>Cross-correlation</a:t>
+            </a:r>
+          </a:p>
+          <a:p>
+            <a:pPr marL="0" indent="0">
+              <a:buNone/>
+            </a:pPr>
             <a:endParaRPr lang="en-US" dirty="0"/>
           </a:p>
         </p:txBody>
@@ -3760,7 +5885,7 @@
     </p:spTree>
     <p:extLst>
       <p:ext uri="{BB962C8B-B14F-4D97-AF65-F5344CB8AC3E}">
-        <p14:creationId xmlns:p14="http://schemas.microsoft.com/office/powerpoint/2010/main" val="2260421532"/>
+        <p14:creationId xmlns:p14="http://schemas.microsoft.com/office/powerpoint/2010/main" val="3863609436"/>
       </p:ext>
     </p:extLst>
   </p:cSld>
@@ -3811,7 +5936,7 @@
           <a:p>
             <a:r>
               <a:rPr lang="en-US" dirty="0" smtClean="0"/>
-              <a:t>Performance</a:t>
+              <a:t>Feature Preparation</a:t>
             </a:r>
             <a:endParaRPr lang="en-US" dirty="0"/>
           </a:p>
@@ -3827,371 +5952,94 @@
             <p:ph idx="1"/>
           </p:nvPr>
         </p:nvSpPr>
-        <p:spPr>
-          <a:xfrm>
-            <a:off x="457200" y="1600200"/>
-            <a:ext cx="3962400" cy="4525963"/>
-          </a:xfrm>
-        </p:spPr>
-        <p:txBody>
-          <a:bodyPr>
-            <a:normAutofit fontScale="77500" lnSpcReduction="20000"/>
-          </a:bodyPr>
+        <p:spPr/>
+        <p:txBody>
+          <a:bodyPr/>
           <a:lstStyle/>
           <a:p>
             <a:pPr marL="0" indent="0">
               <a:buNone/>
             </a:pPr>
             <a:r>
-              <a:rPr lang="en-US" u="sng" dirty="0" smtClean="0"/>
-              <a:t>Amazon EC2 AWS g2.2xlarge </a:t>
-            </a:r>
-          </a:p>
-          <a:p>
-            <a:r>
-              <a:rPr lang="en-US" sz="3100" dirty="0" smtClean="0"/>
-              <a:t>Ubuntu 12.04.4 LTS x86_64</a:t>
-            </a:r>
-          </a:p>
-          <a:p>
-            <a:r>
-              <a:rPr lang="en-US" sz="3100" dirty="0" smtClean="0"/>
-              <a:t>NVIDIA Kepler GK 104 GPU</a:t>
-            </a:r>
-            <a:endParaRPr lang="en-US" sz="3100" dirty="0"/>
-          </a:p>
-          <a:p>
-            <a:r>
-              <a:rPr lang="en-US" sz="3100" dirty="0" smtClean="0"/>
-              <a:t>26 ECUs</a:t>
-            </a:r>
-          </a:p>
-          <a:p>
-            <a:r>
-              <a:rPr lang="en-US" sz="3100" dirty="0" smtClean="0"/>
-              <a:t>8 </a:t>
-            </a:r>
-            <a:r>
-              <a:rPr lang="en-US" sz="3100" dirty="0" err="1" smtClean="0"/>
-              <a:t>vCPUs</a:t>
-            </a:r>
-            <a:endParaRPr lang="en-US" sz="3100" dirty="0" smtClean="0"/>
-          </a:p>
-          <a:p>
-            <a:r>
-              <a:rPr lang="en-US" sz="3100" dirty="0" smtClean="0"/>
-              <a:t>2.6 GHz</a:t>
-            </a:r>
-          </a:p>
-          <a:p>
-            <a:r>
-              <a:rPr lang="en-US" sz="3100" dirty="0" smtClean="0"/>
-              <a:t>Intel Xeon E5-2670</a:t>
-            </a:r>
-          </a:p>
-          <a:p>
-            <a:r>
-              <a:rPr lang="en-US" sz="3100" dirty="0" smtClean="0"/>
-              <a:t>15 </a:t>
-            </a:r>
-            <a:r>
-              <a:rPr lang="en-US" sz="3100" dirty="0" err="1" smtClean="0"/>
-              <a:t>GiB</a:t>
-            </a:r>
-            <a:r>
-              <a:rPr lang="en-US" sz="3100" dirty="0" smtClean="0"/>
-              <a:t> memory</a:t>
-            </a:r>
-          </a:p>
-          <a:p>
-            <a:r>
-              <a:rPr lang="en-US" sz="3100" dirty="0" smtClean="0"/>
-              <a:t>1 x 60 </a:t>
-            </a:r>
-            <a:r>
-              <a:rPr lang="en-US" sz="3100" dirty="0" err="1" smtClean="0"/>
-              <a:t>GiB</a:t>
-            </a:r>
-            <a:r>
-              <a:rPr lang="en-US" sz="3100" dirty="0" smtClean="0"/>
-              <a:t> Storage Capacity</a:t>
-            </a:r>
-          </a:p>
-          <a:p>
-            <a:pPr lvl="2"/>
-            <a:endParaRPr lang="en-US" dirty="0" smtClean="0"/>
-          </a:p>
-          <a:p>
+              <a:rPr lang="en-US" dirty="0" smtClean="0"/>
+              <a:t>For each case</a:t>
+            </a:r>
+          </a:p>
+          <a:p>
+            <a:pPr marL="457200" lvl="1" indent="0">
+              <a:buNone/>
+            </a:pPr>
+            <a:r>
+              <a:rPr lang="en-US" dirty="0" smtClean="0"/>
+              <a:t>For each segment</a:t>
+            </a:r>
+          </a:p>
+          <a:p>
+            <a:pPr marL="914400" lvl="2" indent="0">
+              <a:buNone/>
+            </a:pPr>
+            <a:r>
+              <a:rPr lang="en-US" dirty="0" smtClean="0"/>
+              <a:t>Import 10 minute down sampled data with n-channels</a:t>
+            </a:r>
+          </a:p>
+          <a:p>
+            <a:pPr marL="914400" lvl="2" indent="0">
+              <a:buNone/>
+            </a:pPr>
+            <a:r>
+              <a:rPr lang="en-US" dirty="0" smtClean="0"/>
+              <a:t>Split along time into (n^2-n)/2 segments (~5 seconds)</a:t>
+            </a:r>
             <a:endParaRPr lang="en-US" dirty="0"/>
           </a:p>
-        </p:txBody>
-      </p:sp>
-      <p:sp>
-        <p:nvSpPr>
-          <p:cNvPr id="4" name="Content Placeholder 2"/>
-          <p:cNvSpPr txBox="1">
-            <a:spLocks/>
-          </p:cNvSpPr>
-          <p:nvPr/>
-        </p:nvSpPr>
-        <p:spPr>
-          <a:xfrm>
-            <a:off x="4648200" y="1524000"/>
-            <a:ext cx="3733800" cy="4525963"/>
-          </a:xfrm>
-          <a:prstGeom prst="rect">
-            <a:avLst/>
-          </a:prstGeom>
-        </p:spPr>
-        <p:txBody>
-          <a:bodyPr vert="horz" lIns="91440" tIns="45720" rIns="91440" bIns="45720" rtlCol="0">
-            <a:normAutofit/>
-          </a:bodyPr>
-          <a:lstStyle>
-            <a:lvl1pPr marL="342900" indent="-342900" algn="l" defTabSz="914400" rtl="0" eaLnBrk="1" latinLnBrk="0" hangingPunct="1">
-              <a:spcBef>
-                <a:spcPct val="20000"/>
-              </a:spcBef>
-              <a:buFont typeface="Arial" panose="020B0604020202020204" pitchFamily="34" charset="0"/>
-              <a:buChar char="•"/>
-              <a:defRPr sz="3200" kern="1200">
-                <a:solidFill>
-                  <a:schemeClr val="tx1"/>
-                </a:solidFill>
-                <a:latin typeface="+mn-lt"/>
-                <a:ea typeface="+mn-ea"/>
-                <a:cs typeface="+mn-cs"/>
-              </a:defRPr>
-            </a:lvl1pPr>
-            <a:lvl2pPr marL="742950" indent="-285750" algn="l" defTabSz="914400" rtl="0" eaLnBrk="1" latinLnBrk="0" hangingPunct="1">
-              <a:spcBef>
-                <a:spcPct val="20000"/>
-              </a:spcBef>
-              <a:buFont typeface="Arial" panose="020B0604020202020204" pitchFamily="34" charset="0"/>
-              <a:buChar char="–"/>
-              <a:defRPr sz="2800" kern="1200">
-                <a:solidFill>
-                  <a:schemeClr val="tx1"/>
-                </a:solidFill>
-                <a:latin typeface="+mn-lt"/>
-                <a:ea typeface="+mn-ea"/>
-                <a:cs typeface="+mn-cs"/>
-              </a:defRPr>
-            </a:lvl2pPr>
-            <a:lvl3pPr marL="1143000" indent="-228600" algn="l" defTabSz="914400" rtl="0" eaLnBrk="1" latinLnBrk="0" hangingPunct="1">
-              <a:spcBef>
-                <a:spcPct val="20000"/>
-              </a:spcBef>
-              <a:buFont typeface="Arial" panose="020B0604020202020204" pitchFamily="34" charset="0"/>
-              <a:buChar char="•"/>
-              <a:defRPr sz="2400" kern="1200">
-                <a:solidFill>
-                  <a:schemeClr val="tx1"/>
-                </a:solidFill>
-                <a:latin typeface="+mn-lt"/>
-                <a:ea typeface="+mn-ea"/>
-                <a:cs typeface="+mn-cs"/>
-              </a:defRPr>
-            </a:lvl3pPr>
-            <a:lvl4pPr marL="1600200" indent="-228600" algn="l" defTabSz="914400" rtl="0" eaLnBrk="1" latinLnBrk="0" hangingPunct="1">
-              <a:spcBef>
-                <a:spcPct val="20000"/>
-              </a:spcBef>
-              <a:buFont typeface="Arial" panose="020B0604020202020204" pitchFamily="34" charset="0"/>
-              <a:buChar char="–"/>
-              <a:defRPr sz="2000" kern="1200">
-                <a:solidFill>
-                  <a:schemeClr val="tx1"/>
-                </a:solidFill>
-                <a:latin typeface="+mn-lt"/>
-                <a:ea typeface="+mn-ea"/>
-                <a:cs typeface="+mn-cs"/>
-              </a:defRPr>
-            </a:lvl4pPr>
-            <a:lvl5pPr marL="2057400" indent="-228600" algn="l" defTabSz="914400" rtl="0" eaLnBrk="1" latinLnBrk="0" hangingPunct="1">
-              <a:spcBef>
-                <a:spcPct val="20000"/>
-              </a:spcBef>
-              <a:buFont typeface="Arial" panose="020B0604020202020204" pitchFamily="34" charset="0"/>
-              <a:buChar char="»"/>
-              <a:defRPr sz="2000" kern="1200">
-                <a:solidFill>
-                  <a:schemeClr val="tx1"/>
-                </a:solidFill>
-                <a:latin typeface="+mn-lt"/>
-                <a:ea typeface="+mn-ea"/>
-                <a:cs typeface="+mn-cs"/>
-              </a:defRPr>
-            </a:lvl5pPr>
-            <a:lvl6pPr marL="2514600" indent="-228600" algn="l" defTabSz="914400" rtl="0" eaLnBrk="1" latinLnBrk="0" hangingPunct="1">
-              <a:spcBef>
-                <a:spcPct val="20000"/>
-              </a:spcBef>
-              <a:buFont typeface="Arial" panose="020B0604020202020204" pitchFamily="34" charset="0"/>
-              <a:buChar char="•"/>
-              <a:defRPr sz="2000" kern="1200">
-                <a:solidFill>
-                  <a:schemeClr val="tx1"/>
-                </a:solidFill>
-                <a:latin typeface="+mn-lt"/>
-                <a:ea typeface="+mn-ea"/>
-                <a:cs typeface="+mn-cs"/>
-              </a:defRPr>
-            </a:lvl6pPr>
-            <a:lvl7pPr marL="2971800" indent="-228600" algn="l" defTabSz="914400" rtl="0" eaLnBrk="1" latinLnBrk="0" hangingPunct="1">
-              <a:spcBef>
-                <a:spcPct val="20000"/>
-              </a:spcBef>
-              <a:buFont typeface="Arial" panose="020B0604020202020204" pitchFamily="34" charset="0"/>
-              <a:buChar char="•"/>
-              <a:defRPr sz="2000" kern="1200">
-                <a:solidFill>
-                  <a:schemeClr val="tx1"/>
-                </a:solidFill>
-                <a:latin typeface="+mn-lt"/>
-                <a:ea typeface="+mn-ea"/>
-                <a:cs typeface="+mn-cs"/>
-              </a:defRPr>
-            </a:lvl7pPr>
-            <a:lvl8pPr marL="3429000" indent="-228600" algn="l" defTabSz="914400" rtl="0" eaLnBrk="1" latinLnBrk="0" hangingPunct="1">
-              <a:spcBef>
-                <a:spcPct val="20000"/>
-              </a:spcBef>
-              <a:buFont typeface="Arial" panose="020B0604020202020204" pitchFamily="34" charset="0"/>
-              <a:buChar char="•"/>
-              <a:defRPr sz="2000" kern="1200">
-                <a:solidFill>
-                  <a:schemeClr val="tx1"/>
-                </a:solidFill>
-                <a:latin typeface="+mn-lt"/>
-                <a:ea typeface="+mn-ea"/>
-                <a:cs typeface="+mn-cs"/>
-              </a:defRPr>
-            </a:lvl8pPr>
-            <a:lvl9pPr marL="3886200" indent="-228600" algn="l" defTabSz="914400" rtl="0" eaLnBrk="1" latinLnBrk="0" hangingPunct="1">
-              <a:spcBef>
-                <a:spcPct val="20000"/>
-              </a:spcBef>
-              <a:buFont typeface="Arial" panose="020B0604020202020204" pitchFamily="34" charset="0"/>
-              <a:buChar char="•"/>
-              <a:defRPr sz="2000" kern="1200">
-                <a:solidFill>
-                  <a:schemeClr val="tx1"/>
-                </a:solidFill>
-                <a:latin typeface="+mn-lt"/>
-                <a:ea typeface="+mn-ea"/>
-                <a:cs typeface="+mn-cs"/>
-              </a:defRPr>
-            </a:lvl9pPr>
-          </a:lstStyle>
-          <a:p>
-            <a:pPr marL="0" indent="0">
-              <a:buFont typeface="Arial" panose="020B0604020202020204" pitchFamily="34" charset="0"/>
+          <a:p>
+            <a:pPr marL="914400" lvl="2" indent="0">
               <a:buNone/>
             </a:pPr>
             <a:r>
-              <a:rPr lang="en-US" sz="2400" u="sng" dirty="0" err="1" smtClean="0"/>
-              <a:t>Theano</a:t>
-            </a:r>
-            <a:r>
-              <a:rPr lang="en-US" sz="2400" u="sng" dirty="0" smtClean="0"/>
-              <a:t> </a:t>
-            </a:r>
-            <a:r>
-              <a:rPr lang="en-US" sz="2400" u="sng" dirty="0" err="1" smtClean="0"/>
-              <a:t>LeNet</a:t>
-            </a:r>
-            <a:endParaRPr lang="en-US" sz="2400" u="sng" dirty="0"/>
-          </a:p>
-          <a:p>
-            <a:r>
-              <a:rPr lang="en-US" sz="2400" dirty="0" smtClean="0"/>
-              <a:t>MNIST data set</a:t>
-            </a:r>
-          </a:p>
-          <a:p>
-            <a:r>
-              <a:rPr lang="en-US" sz="2400" dirty="0" smtClean="0"/>
-              <a:t>Accuracy</a:t>
-            </a:r>
-          </a:p>
-          <a:p>
-            <a:pPr lvl="1"/>
-            <a:r>
-              <a:rPr lang="en-US" sz="2000" dirty="0" smtClean="0"/>
-              <a:t>0.92% on tutorial</a:t>
-            </a:r>
-          </a:p>
-          <a:p>
-            <a:pPr lvl="1"/>
-            <a:r>
-              <a:rPr lang="en-US" sz="2000" dirty="0" smtClean="0"/>
-              <a:t>0.92% </a:t>
-            </a:r>
-            <a:r>
-              <a:rPr lang="en-US" sz="2000" dirty="0"/>
-              <a:t>on </a:t>
-            </a:r>
-            <a:r>
-              <a:rPr lang="en-US" sz="2000" dirty="0" smtClean="0"/>
-              <a:t>my setup</a:t>
-            </a:r>
-          </a:p>
-          <a:p>
-            <a:r>
-              <a:rPr lang="en-US" sz="2400" dirty="0"/>
-              <a:t>S</a:t>
-            </a:r>
-            <a:r>
-              <a:rPr lang="en-US" sz="2400" dirty="0" smtClean="0"/>
-              <a:t>peed</a:t>
-            </a:r>
-          </a:p>
-          <a:p>
-            <a:pPr lvl="1"/>
-            <a:r>
-              <a:rPr lang="en-US" sz="2000" dirty="0" smtClean="0"/>
-              <a:t>380.28m tutorial</a:t>
-            </a:r>
-            <a:endParaRPr lang="en-US" sz="2000" dirty="0"/>
-          </a:p>
-          <a:p>
-            <a:pPr lvl="1"/>
-            <a:r>
-              <a:rPr lang="en-US" sz="2000" dirty="0" smtClean="0"/>
-              <a:t>552m on my setup</a:t>
-            </a:r>
-            <a:endParaRPr lang="en-US" sz="2000" dirty="0" smtClean="0"/>
-          </a:p>
-          <a:p>
-            <a:pPr marL="0" indent="0">
-              <a:buFont typeface="Arial" panose="020B0604020202020204" pitchFamily="34" charset="0"/>
+              <a:rPr lang="en-US" dirty="0" smtClean="0"/>
+              <a:t>Calculate cross-correlation for </a:t>
+            </a:r>
+            <a:r>
+              <a:rPr lang="en-US" dirty="0"/>
+              <a:t>(n^2-n)/2 </a:t>
+            </a:r>
+            <a:r>
+              <a:rPr lang="en-US" dirty="0" smtClean="0"/>
+              <a:t>unique pairs of channels</a:t>
+            </a:r>
+          </a:p>
+          <a:p>
+            <a:pPr marL="1828800" lvl="4" indent="0">
               <a:buNone/>
             </a:pPr>
-            <a:endParaRPr lang="en-US" sz="2400" dirty="0" smtClean="0"/>
-          </a:p>
-          <a:p>
-            <a:endParaRPr lang="en-US" sz="2400" dirty="0"/>
+            <a:r>
+              <a:rPr lang="en-US" dirty="0" smtClean="0"/>
+              <a:t>Assuming no time lag</a:t>
+            </a:r>
+          </a:p>
+          <a:p>
+            <a:pPr marL="914400" lvl="2" indent="0">
+              <a:buNone/>
+            </a:pPr>
+            <a:r>
+              <a:rPr lang="en-US" dirty="0" smtClean="0"/>
+              <a:t>Store as vector</a:t>
+            </a:r>
           </a:p>
         </p:txBody>
       </p:sp>
     </p:spTree>
     <p:extLst>
       <p:ext uri="{BB962C8B-B14F-4D97-AF65-F5344CB8AC3E}">
-        <p14:creationId xmlns:p14="http://schemas.microsoft.com/office/powerpoint/2010/main" val="1526007887"/>
+        <p14:creationId xmlns:p14="http://schemas.microsoft.com/office/powerpoint/2010/main" val="2737492430"/>
       </p:ext>
     </p:extLst>
   </p:cSld>
   <p:clrMapOvr>
     <a:masterClrMapping/>
   </p:clrMapOvr>
-  <p:timing>
-    <p:tnLst>
-      <p:par>
-        <p:cTn id="1" dur="indefinite" restart="never" nodeType="tmRoot"/>
-      </p:par>
-    </p:tnLst>
-  </p:timing>
 </p:sld>
 </file>
 
@@ -4224,71 +6072,48 @@
         </p:nvSpPr>
         <p:spPr/>
         <p:txBody>
+          <a:bodyPr>
+            <a:normAutofit/>
+          </a:bodyPr>
+          <a:lstStyle/>
+          <a:p>
+            <a:r>
+              <a:rPr lang="en-US" sz="3200" dirty="0" smtClean="0"/>
+              <a:t>Time Variant Cross Correlation Samples</a:t>
+            </a:r>
+            <a:endParaRPr lang="en-US" sz="3200" dirty="0"/>
+          </a:p>
+        </p:txBody>
+      </p:sp>
+      <p:sp>
+        <p:nvSpPr>
+          <p:cNvPr id="3" name="Content Placeholder 2"/>
+          <p:cNvSpPr>
+            <a:spLocks noGrp="1"/>
+          </p:cNvSpPr>
+          <p:nvPr>
+            <p:ph idx="1"/>
+          </p:nvPr>
+        </p:nvSpPr>
+        <p:spPr/>
+        <p:txBody>
           <a:bodyPr/>
           <a:lstStyle/>
           <a:p>
-            <a:endParaRPr lang="en-US"/>
-          </a:p>
-        </p:txBody>
-      </p:sp>
-      <p:pic>
-        <p:nvPicPr>
-          <p:cNvPr id="1028" name="Picture 4" descr="http://www.imtech.res.in/raghava/mhcbench/roc.gif"/>
-          <p:cNvPicPr>
-            <a:picLocks noChangeAspect="1" noChangeArrowheads="1"/>
-          </p:cNvPicPr>
-          <p:nvPr/>
-        </p:nvPicPr>
-        <p:blipFill>
-          <a:blip r:embed="rId2">
-            <a:extLst>
-              <a:ext uri="{28A0092B-C50C-407E-A947-70E740481C1C}">
-                <a14:useLocalDpi xmlns:a14="http://schemas.microsoft.com/office/drawing/2010/main" val="0"/>
-              </a:ext>
-            </a:extLst>
-          </a:blip>
-          <a:srcRect/>
-          <a:stretch>
-            <a:fillRect/>
-          </a:stretch>
-        </p:blipFill>
-        <p:spPr bwMode="auto">
-          <a:xfrm>
-            <a:off x="609600" y="2667000"/>
-            <a:ext cx="3743325" cy="2838450"/>
-          </a:xfrm>
-          <a:prstGeom prst="rect">
-            <a:avLst/>
-          </a:prstGeom>
-          <a:noFill/>
-          <a:extLst>
-            <a:ext uri="{909E8E84-426E-40DD-AFC4-6F175D3DCCD1}">
-              <a14:hiddenFill xmlns:a14="http://schemas.microsoft.com/office/drawing/2010/main">
-                <a:solidFill>
-                  <a:srgbClr val="FFFFFF"/>
-                </a:solidFill>
-              </a14:hiddenFill>
-            </a:ext>
-          </a:extLst>
-        </p:spPr>
-      </p:pic>
+            <a:endParaRPr lang="en-US" dirty="0"/>
+          </a:p>
+        </p:txBody>
+      </p:sp>
     </p:spTree>
     <p:extLst>
       <p:ext uri="{BB962C8B-B14F-4D97-AF65-F5344CB8AC3E}">
-        <p14:creationId xmlns:p14="http://schemas.microsoft.com/office/powerpoint/2010/main" val="1584073386"/>
+        <p14:creationId xmlns:p14="http://schemas.microsoft.com/office/powerpoint/2010/main" val="826195470"/>
       </p:ext>
     </p:extLst>
   </p:cSld>
   <p:clrMapOvr>
     <a:masterClrMapping/>
   </p:clrMapOvr>
-  <p:timing>
-    <p:tnLst>
-      <p:par>
-        <p:cTn id="1" dur="indefinite" restart="never" nodeType="tmRoot"/>
-      </p:par>
-    </p:tnLst>
-  </p:timing>
 </p:sld>
 </file>
 
@@ -4319,14 +6144,23 @@
             <p:ph type="title"/>
           </p:nvPr>
         </p:nvSpPr>
-        <p:spPr/>
+        <p:spPr>
+          <a:xfrm>
+            <a:off x="590550" y="304800"/>
+            <a:ext cx="7886700" cy="1325563"/>
+          </a:xfrm>
+        </p:spPr>
         <p:txBody>
           <a:bodyPr/>
           <a:lstStyle/>
           <a:p>
             <a:r>
+              <a:rPr lang="en-US" dirty="0" err="1" smtClean="0"/>
+              <a:t>LeNet</a:t>
+            </a:r>
+            <a:r>
               <a:rPr lang="en-US" dirty="0" smtClean="0"/>
-              <a:t>Results</a:t>
+              <a:t> CNN Model</a:t>
             </a:r>
             <a:endParaRPr lang="en-US" dirty="0"/>
           </a:p>
@@ -4342,39 +6176,923 @@
             <p:ph idx="1"/>
           </p:nvPr>
         </p:nvSpPr>
-        <p:spPr/>
-        <p:txBody>
-          <a:bodyPr/>
-          <a:lstStyle/>
-          <a:p>
-            <a:r>
-              <a:rPr lang="en-US" dirty="0" smtClean="0"/>
-              <a:t>Confusion</a:t>
-            </a:r>
-          </a:p>
-          <a:p>
-            <a:r>
-              <a:rPr lang="en-US" dirty="0" smtClean="0"/>
-              <a:t>AUC</a:t>
+        <p:spPr>
+          <a:xfrm>
+            <a:off x="434394" y="4724400"/>
+            <a:ext cx="4290006" cy="1676401"/>
+          </a:xfrm>
+        </p:spPr>
+        <p:txBody>
+          <a:bodyPr>
+            <a:normAutofit/>
+          </a:bodyPr>
+          <a:lstStyle/>
+          <a:p>
+            <a:r>
+              <a:rPr lang="en-US" sz="2000" dirty="0" err="1" smtClean="0"/>
+              <a:t>Theano</a:t>
+            </a:r>
+            <a:r>
+              <a:rPr lang="en-US" sz="2000" dirty="0" smtClean="0"/>
+              <a:t> 0.6.0 </a:t>
+            </a:r>
+            <a:r>
+              <a:rPr lang="en-US" sz="2000" dirty="0" err="1" smtClean="0"/>
+              <a:t>LeNet</a:t>
+            </a:r>
+            <a:r>
+              <a:rPr lang="en-US" sz="2000" dirty="0" smtClean="0"/>
+              <a:t> </a:t>
             </a:r>
           </a:p>
           <a:p>
             <a:pPr lvl="1"/>
             <a:r>
-              <a:rPr lang="en-US" dirty="0" smtClean="0"/>
-              <a:t>TP/(TP+FP)</a:t>
+              <a:rPr lang="en-US" sz="1800" dirty="0" smtClean="0"/>
+              <a:t>Python </a:t>
+            </a:r>
+            <a:r>
+              <a:rPr lang="en-US" sz="1800" dirty="0" smtClean="0"/>
+              <a:t>2.7.3 / </a:t>
+            </a:r>
+            <a:r>
+              <a:rPr lang="en-US" sz="1800" dirty="0" err="1" smtClean="0"/>
+              <a:t>gcc</a:t>
+            </a:r>
+            <a:r>
+              <a:rPr lang="en-US" sz="1800" dirty="0" smtClean="0"/>
+              <a:t> 4.6.3</a:t>
             </a:r>
           </a:p>
           <a:p>
             <a:pPr lvl="1"/>
-            <a:endParaRPr lang="en-US" dirty="0"/>
+            <a:r>
+              <a:rPr lang="en-US" sz="1800" dirty="0" err="1" smtClean="0"/>
+              <a:t>Numpy</a:t>
+            </a:r>
+            <a:r>
+              <a:rPr lang="en-US" sz="1800" dirty="0" smtClean="0"/>
+              <a:t> 1.9.0 / </a:t>
+            </a:r>
+            <a:r>
+              <a:rPr lang="en-US" sz="1800" dirty="0" err="1" smtClean="0"/>
+              <a:t>scipy</a:t>
+            </a:r>
+            <a:r>
+              <a:rPr lang="en-US" sz="1800" dirty="0" smtClean="0"/>
+              <a:t> 0.14.0</a:t>
+            </a:r>
+          </a:p>
+          <a:p>
+            <a:r>
+              <a:rPr lang="en-US" sz="2000" dirty="0" err="1" smtClean="0"/>
+              <a:t>Lenet</a:t>
+            </a:r>
+            <a:r>
+              <a:rPr lang="en-US" sz="2000" dirty="0" smtClean="0"/>
+              <a:t> Parameters as above</a:t>
+            </a:r>
+            <a:endParaRPr lang="en-US" sz="2000" dirty="0"/>
+          </a:p>
+        </p:txBody>
+      </p:sp>
+      <p:pic>
+        <p:nvPicPr>
+          <p:cNvPr id="4" name="Picture 3"/>
+          <p:cNvPicPr>
+            <a:picLocks noChangeAspect="1"/>
+          </p:cNvPicPr>
+          <p:nvPr/>
+        </p:nvPicPr>
+        <p:blipFill>
+          <a:blip r:embed="rId2"/>
+          <a:stretch>
+            <a:fillRect/>
+          </a:stretch>
+        </p:blipFill>
+        <p:spPr>
+          <a:xfrm>
+            <a:off x="132700" y="1981200"/>
+            <a:ext cx="8802399" cy="2057400"/>
+          </a:xfrm>
+          <a:prstGeom prst="rect">
+            <a:avLst/>
+          </a:prstGeom>
+        </p:spPr>
+      </p:pic>
+      <p:sp>
+        <p:nvSpPr>
+          <p:cNvPr id="5" name="TextBox 4"/>
+          <p:cNvSpPr txBox="1"/>
+          <p:nvPr/>
+        </p:nvSpPr>
+        <p:spPr>
+          <a:xfrm>
+            <a:off x="443919" y="1600200"/>
+            <a:ext cx="986167" cy="369332"/>
+          </a:xfrm>
+          <a:prstGeom prst="rect">
+            <a:avLst/>
+          </a:prstGeom>
+          <a:noFill/>
+        </p:spPr>
+        <p:txBody>
+          <a:bodyPr wrap="none" rtlCol="0">
+            <a:spAutoFit/>
+          </a:bodyPr>
+          <a:lstStyle/>
+          <a:p>
+            <a:r>
+              <a:rPr lang="en-US" dirty="0" smtClean="0">
+                <a:solidFill>
+                  <a:srgbClr val="00B050"/>
+                </a:solidFill>
+              </a:rPr>
+              <a:t>120x120</a:t>
+            </a:r>
+            <a:endParaRPr lang="en-US" dirty="0">
+              <a:solidFill>
+                <a:srgbClr val="00B050"/>
+              </a:solidFill>
+            </a:endParaRPr>
+          </a:p>
+        </p:txBody>
+      </p:sp>
+      <p:sp>
+        <p:nvSpPr>
+          <p:cNvPr id="6" name="TextBox 5"/>
+          <p:cNvSpPr txBox="1"/>
+          <p:nvPr/>
+        </p:nvSpPr>
+        <p:spPr>
+          <a:xfrm>
+            <a:off x="2057400" y="1611868"/>
+            <a:ext cx="1192955" cy="369332"/>
+          </a:xfrm>
+          <a:prstGeom prst="rect">
+            <a:avLst/>
+          </a:prstGeom>
+          <a:noFill/>
+        </p:spPr>
+        <p:txBody>
+          <a:bodyPr wrap="none" rtlCol="0">
+            <a:spAutoFit/>
+          </a:bodyPr>
+          <a:lstStyle/>
+          <a:p>
+            <a:r>
+              <a:rPr lang="en-US" dirty="0" smtClean="0">
+                <a:solidFill>
+                  <a:srgbClr val="00B050"/>
+                </a:solidFill>
+              </a:rPr>
+              <a:t>5@120x48</a:t>
+            </a:r>
+            <a:endParaRPr lang="en-US" dirty="0">
+              <a:solidFill>
+                <a:srgbClr val="00B050"/>
+              </a:solidFill>
+            </a:endParaRPr>
+          </a:p>
+        </p:txBody>
+      </p:sp>
+      <p:sp>
+        <p:nvSpPr>
+          <p:cNvPr id="7" name="TextBox 6"/>
+          <p:cNvSpPr txBox="1"/>
+          <p:nvPr/>
+        </p:nvSpPr>
+        <p:spPr>
+          <a:xfrm>
+            <a:off x="3836245" y="1600200"/>
+            <a:ext cx="1192955" cy="369332"/>
+          </a:xfrm>
+          <a:prstGeom prst="rect">
+            <a:avLst/>
+          </a:prstGeom>
+          <a:noFill/>
+        </p:spPr>
+        <p:txBody>
+          <a:bodyPr wrap="none" rtlCol="0">
+            <a:spAutoFit/>
+          </a:bodyPr>
+          <a:lstStyle/>
+          <a:p>
+            <a:r>
+              <a:rPr lang="en-US" dirty="0" smtClean="0">
+                <a:solidFill>
+                  <a:srgbClr val="00B050"/>
+                </a:solidFill>
+              </a:rPr>
+              <a:t>5@120x24</a:t>
+            </a:r>
+            <a:endParaRPr lang="en-US" dirty="0">
+              <a:solidFill>
+                <a:srgbClr val="00B050"/>
+              </a:solidFill>
+            </a:endParaRPr>
+          </a:p>
+        </p:txBody>
+      </p:sp>
+      <p:sp>
+        <p:nvSpPr>
+          <p:cNvPr id="8" name="TextBox 7"/>
+          <p:cNvSpPr txBox="1"/>
+          <p:nvPr/>
+        </p:nvSpPr>
+        <p:spPr>
+          <a:xfrm>
+            <a:off x="5207845" y="1600200"/>
+            <a:ext cx="958917" cy="369332"/>
+          </a:xfrm>
+          <a:prstGeom prst="rect">
+            <a:avLst/>
+          </a:prstGeom>
+          <a:noFill/>
+        </p:spPr>
+        <p:txBody>
+          <a:bodyPr wrap="none" rtlCol="0">
+            <a:spAutoFit/>
+          </a:bodyPr>
+          <a:lstStyle/>
+          <a:p>
+            <a:r>
+              <a:rPr lang="en-US" dirty="0" smtClean="0">
+                <a:solidFill>
+                  <a:srgbClr val="00B050"/>
+                </a:solidFill>
+              </a:rPr>
+              <a:t>5@1x16</a:t>
+            </a:r>
+            <a:endParaRPr lang="en-US" dirty="0">
+              <a:solidFill>
+                <a:srgbClr val="00B050"/>
+              </a:solidFill>
+            </a:endParaRPr>
+          </a:p>
+        </p:txBody>
+      </p:sp>
+      <p:sp>
+        <p:nvSpPr>
+          <p:cNvPr id="9" name="TextBox 8"/>
+          <p:cNvSpPr txBox="1"/>
+          <p:nvPr/>
+        </p:nvSpPr>
+        <p:spPr>
+          <a:xfrm>
+            <a:off x="6584883" y="1611868"/>
+            <a:ext cx="841897" cy="369332"/>
+          </a:xfrm>
+          <a:prstGeom prst="rect">
+            <a:avLst/>
+          </a:prstGeom>
+          <a:noFill/>
+        </p:spPr>
+        <p:txBody>
+          <a:bodyPr wrap="none" rtlCol="0">
+            <a:spAutoFit/>
+          </a:bodyPr>
+          <a:lstStyle/>
+          <a:p>
+            <a:r>
+              <a:rPr lang="en-US" dirty="0" smtClean="0">
+                <a:solidFill>
+                  <a:srgbClr val="00B050"/>
+                </a:solidFill>
+              </a:rPr>
+              <a:t>5@1x8</a:t>
+            </a:r>
+            <a:endParaRPr lang="en-US" dirty="0">
+              <a:solidFill>
+                <a:srgbClr val="00B050"/>
+              </a:solidFill>
+            </a:endParaRPr>
+          </a:p>
+        </p:txBody>
+      </p:sp>
+      <p:sp>
+        <p:nvSpPr>
+          <p:cNvPr id="10" name="TextBox 9"/>
+          <p:cNvSpPr txBox="1"/>
+          <p:nvPr/>
+        </p:nvSpPr>
+        <p:spPr>
+          <a:xfrm>
+            <a:off x="7937532" y="1600200"/>
+            <a:ext cx="292068" cy="369332"/>
+          </a:xfrm>
+          <a:prstGeom prst="rect">
+            <a:avLst/>
+          </a:prstGeom>
+          <a:noFill/>
+        </p:spPr>
+        <p:txBody>
+          <a:bodyPr wrap="none" rtlCol="0">
+            <a:spAutoFit/>
+          </a:bodyPr>
+          <a:lstStyle/>
+          <a:p>
+            <a:r>
+              <a:rPr lang="en-US" dirty="0" smtClean="0">
+                <a:solidFill>
+                  <a:srgbClr val="00B050"/>
+                </a:solidFill>
+              </a:rPr>
+              <a:t>?</a:t>
+            </a:r>
+            <a:endParaRPr lang="en-US" dirty="0">
+              <a:solidFill>
+                <a:srgbClr val="00B050"/>
+              </a:solidFill>
+            </a:endParaRPr>
+          </a:p>
+        </p:txBody>
+      </p:sp>
+      <p:sp>
+        <p:nvSpPr>
+          <p:cNvPr id="11" name="TextBox 10"/>
+          <p:cNvSpPr txBox="1"/>
+          <p:nvPr/>
+        </p:nvSpPr>
+        <p:spPr>
+          <a:xfrm>
+            <a:off x="8547132" y="1600200"/>
+            <a:ext cx="301686" cy="369332"/>
+          </a:xfrm>
+          <a:prstGeom prst="rect">
+            <a:avLst/>
+          </a:prstGeom>
+          <a:noFill/>
+        </p:spPr>
+        <p:txBody>
+          <a:bodyPr wrap="none" rtlCol="0">
+            <a:spAutoFit/>
+          </a:bodyPr>
+          <a:lstStyle/>
+          <a:p>
+            <a:r>
+              <a:rPr lang="en-US" dirty="0">
+                <a:solidFill>
+                  <a:srgbClr val="00B050"/>
+                </a:solidFill>
+              </a:rPr>
+              <a:t>1</a:t>
+            </a:r>
+            <a:endParaRPr lang="en-US" dirty="0">
+              <a:solidFill>
+                <a:srgbClr val="00B050"/>
+              </a:solidFill>
+            </a:endParaRPr>
+          </a:p>
+        </p:txBody>
+      </p:sp>
+      <p:sp>
+        <p:nvSpPr>
+          <p:cNvPr id="12" name="TextBox 11"/>
+          <p:cNvSpPr txBox="1"/>
+          <p:nvPr/>
+        </p:nvSpPr>
+        <p:spPr>
+          <a:xfrm>
+            <a:off x="1578966" y="4038600"/>
+            <a:ext cx="956865" cy="646331"/>
+          </a:xfrm>
+          <a:prstGeom prst="rect">
+            <a:avLst/>
+          </a:prstGeom>
+          <a:noFill/>
+        </p:spPr>
+        <p:txBody>
+          <a:bodyPr wrap="none" rtlCol="0">
+            <a:spAutoFit/>
+          </a:bodyPr>
+          <a:lstStyle/>
+          <a:p>
+            <a:pPr algn="ctr"/>
+            <a:r>
+              <a:rPr lang="en-US" sz="1200" dirty="0" smtClean="0">
+                <a:solidFill>
+                  <a:srgbClr val="7030A0"/>
+                </a:solidFill>
+              </a:rPr>
+              <a:t>1x25</a:t>
+            </a:r>
+          </a:p>
+          <a:p>
+            <a:pPr algn="ctr"/>
+            <a:r>
+              <a:rPr lang="en-US" sz="1200" dirty="0" smtClean="0">
+                <a:solidFill>
+                  <a:srgbClr val="7030A0"/>
+                </a:solidFill>
+              </a:rPr>
+              <a:t>convolution </a:t>
+            </a:r>
+          </a:p>
+          <a:p>
+            <a:pPr algn="ctr"/>
+            <a:r>
+              <a:rPr lang="en-US" sz="1200" dirty="0" smtClean="0">
+                <a:solidFill>
+                  <a:srgbClr val="7030A0"/>
+                </a:solidFill>
+              </a:rPr>
+              <a:t>across time</a:t>
+            </a:r>
+          </a:p>
+        </p:txBody>
+      </p:sp>
+      <p:sp>
+        <p:nvSpPr>
+          <p:cNvPr id="13" name="TextBox 12"/>
+          <p:cNvSpPr txBox="1"/>
+          <p:nvPr/>
+        </p:nvSpPr>
+        <p:spPr>
+          <a:xfrm>
+            <a:off x="3429000" y="4048780"/>
+            <a:ext cx="966162" cy="461665"/>
+          </a:xfrm>
+          <a:prstGeom prst="rect">
+            <a:avLst/>
+          </a:prstGeom>
+          <a:noFill/>
+        </p:spPr>
+        <p:txBody>
+          <a:bodyPr wrap="none" rtlCol="0">
+            <a:spAutoFit/>
+          </a:bodyPr>
+          <a:lstStyle/>
+          <a:p>
+            <a:pPr algn="ctr"/>
+            <a:r>
+              <a:rPr lang="en-US" sz="1200" dirty="0" smtClean="0">
+                <a:solidFill>
+                  <a:srgbClr val="00B0F0"/>
+                </a:solidFill>
+              </a:rPr>
+              <a:t>1x4 </a:t>
+            </a:r>
+          </a:p>
+          <a:p>
+            <a:pPr algn="ctr"/>
+            <a:r>
+              <a:rPr lang="en-US" sz="1200" dirty="0" smtClean="0">
+                <a:solidFill>
+                  <a:srgbClr val="00B0F0"/>
+                </a:solidFill>
+              </a:rPr>
+              <a:t>subsampling</a:t>
+            </a:r>
+          </a:p>
+        </p:txBody>
+      </p:sp>
+      <p:sp>
+        <p:nvSpPr>
+          <p:cNvPr id="14" name="TextBox 13"/>
+          <p:cNvSpPr txBox="1"/>
+          <p:nvPr/>
+        </p:nvSpPr>
+        <p:spPr>
+          <a:xfrm>
+            <a:off x="5076300" y="4038600"/>
+            <a:ext cx="938720" cy="646331"/>
+          </a:xfrm>
+          <a:prstGeom prst="rect">
+            <a:avLst/>
+          </a:prstGeom>
+          <a:noFill/>
+        </p:spPr>
+        <p:txBody>
+          <a:bodyPr wrap="none" rtlCol="0">
+            <a:spAutoFit/>
+          </a:bodyPr>
+          <a:lstStyle/>
+          <a:p>
+            <a:pPr algn="ctr"/>
+            <a:r>
+              <a:rPr lang="en-US" sz="1200" dirty="0" smtClean="0">
+                <a:solidFill>
+                  <a:srgbClr val="7030A0"/>
+                </a:solidFill>
+              </a:rPr>
+              <a:t>1x9 </a:t>
+            </a:r>
+          </a:p>
+          <a:p>
+            <a:pPr algn="ctr"/>
+            <a:r>
+              <a:rPr lang="en-US" sz="1200" dirty="0">
+                <a:solidFill>
+                  <a:srgbClr val="7030A0"/>
+                </a:solidFill>
+              </a:rPr>
+              <a:t>c</a:t>
+            </a:r>
+            <a:r>
+              <a:rPr lang="en-US" sz="1200" dirty="0" smtClean="0">
+                <a:solidFill>
+                  <a:srgbClr val="7030A0"/>
+                </a:solidFill>
+              </a:rPr>
+              <a:t>onvolution</a:t>
+            </a:r>
+          </a:p>
+          <a:p>
+            <a:pPr algn="ctr"/>
+            <a:r>
+              <a:rPr lang="en-US" sz="1200" dirty="0">
+                <a:solidFill>
+                  <a:srgbClr val="7030A0"/>
+                </a:solidFill>
+              </a:rPr>
+              <a:t>a</a:t>
+            </a:r>
+            <a:r>
+              <a:rPr lang="en-US" sz="1200" dirty="0" smtClean="0">
+                <a:solidFill>
+                  <a:srgbClr val="7030A0"/>
+                </a:solidFill>
+              </a:rPr>
+              <a:t>cross time</a:t>
+            </a:r>
+          </a:p>
+        </p:txBody>
+      </p:sp>
+      <p:sp>
+        <p:nvSpPr>
+          <p:cNvPr id="15" name="TextBox 14"/>
+          <p:cNvSpPr txBox="1"/>
+          <p:nvPr/>
+        </p:nvSpPr>
+        <p:spPr>
+          <a:xfrm>
+            <a:off x="6515160" y="4038600"/>
+            <a:ext cx="966162" cy="461665"/>
+          </a:xfrm>
+          <a:prstGeom prst="rect">
+            <a:avLst/>
+          </a:prstGeom>
+          <a:noFill/>
+        </p:spPr>
+        <p:txBody>
+          <a:bodyPr wrap="none" rtlCol="0">
+            <a:spAutoFit/>
+          </a:bodyPr>
+          <a:lstStyle/>
+          <a:p>
+            <a:pPr algn="ctr"/>
+            <a:r>
+              <a:rPr lang="en-US" sz="1200" dirty="0" smtClean="0">
+                <a:solidFill>
+                  <a:srgbClr val="00B0F0"/>
+                </a:solidFill>
+              </a:rPr>
+              <a:t>1x2 </a:t>
+            </a:r>
+          </a:p>
+          <a:p>
+            <a:pPr algn="ctr"/>
+            <a:r>
+              <a:rPr lang="en-US" sz="1200" dirty="0">
+                <a:solidFill>
+                  <a:srgbClr val="00B0F0"/>
+                </a:solidFill>
+              </a:rPr>
+              <a:t>s</a:t>
+            </a:r>
+            <a:r>
+              <a:rPr lang="en-US" sz="1200" dirty="0" smtClean="0">
+                <a:solidFill>
+                  <a:srgbClr val="00B0F0"/>
+                </a:solidFill>
+              </a:rPr>
+              <a:t>ubsampling</a:t>
+            </a:r>
+          </a:p>
+        </p:txBody>
+      </p:sp>
+      <p:sp>
+        <p:nvSpPr>
+          <p:cNvPr id="16" name="TextBox 15"/>
+          <p:cNvSpPr txBox="1"/>
+          <p:nvPr/>
+        </p:nvSpPr>
+        <p:spPr>
+          <a:xfrm>
+            <a:off x="7642283" y="4038600"/>
+            <a:ext cx="921599" cy="646331"/>
+          </a:xfrm>
+          <a:prstGeom prst="rect">
+            <a:avLst/>
+          </a:prstGeom>
+          <a:noFill/>
+        </p:spPr>
+        <p:txBody>
+          <a:bodyPr wrap="none" rtlCol="0">
+            <a:spAutoFit/>
+          </a:bodyPr>
+          <a:lstStyle/>
+          <a:p>
+            <a:pPr algn="ctr"/>
+            <a:r>
+              <a:rPr lang="en-US" sz="1200" dirty="0" smtClean="0">
+                <a:solidFill>
+                  <a:srgbClr val="7030A0"/>
+                </a:solidFill>
+              </a:rPr>
+              <a:t>1x8</a:t>
+            </a:r>
+          </a:p>
+          <a:p>
+            <a:pPr algn="ctr"/>
+            <a:r>
+              <a:rPr lang="en-US" sz="1200" dirty="0">
+                <a:solidFill>
+                  <a:srgbClr val="7030A0"/>
+                </a:solidFill>
+              </a:rPr>
+              <a:t>c</a:t>
+            </a:r>
+            <a:r>
+              <a:rPr lang="en-US" sz="1200" dirty="0" smtClean="0">
+                <a:solidFill>
+                  <a:srgbClr val="7030A0"/>
+                </a:solidFill>
+              </a:rPr>
+              <a:t>onvolution</a:t>
+            </a:r>
+          </a:p>
+          <a:p>
+            <a:pPr algn="ctr"/>
+            <a:r>
+              <a:rPr lang="en-US" sz="1200" dirty="0" smtClean="0">
+                <a:solidFill>
+                  <a:srgbClr val="7030A0"/>
+                </a:solidFill>
+              </a:rPr>
+              <a:t>across time</a:t>
+            </a:r>
+          </a:p>
+        </p:txBody>
+      </p:sp>
+      <p:sp>
+        <p:nvSpPr>
+          <p:cNvPr id="17" name="TextBox 16"/>
+          <p:cNvSpPr txBox="1"/>
+          <p:nvPr/>
+        </p:nvSpPr>
+        <p:spPr>
+          <a:xfrm>
+            <a:off x="228600" y="6400800"/>
+            <a:ext cx="3328155" cy="430887"/>
+          </a:xfrm>
+          <a:prstGeom prst="rect">
+            <a:avLst/>
+          </a:prstGeom>
+          <a:noFill/>
+        </p:spPr>
+        <p:txBody>
+          <a:bodyPr wrap="none" rtlCol="0">
+            <a:spAutoFit/>
+          </a:bodyPr>
+          <a:lstStyle/>
+          <a:p>
+            <a:r>
+              <a:rPr lang="en-US" sz="1100" dirty="0">
+                <a:hlinkClick r:id="rId3"/>
+              </a:rPr>
+              <a:t>http://</a:t>
+            </a:r>
+            <a:r>
+              <a:rPr lang="en-US" sz="1100" dirty="0" smtClean="0">
+                <a:hlinkClick r:id="rId3"/>
+              </a:rPr>
+              <a:t>deeplearning.net/tutorial/lenet.html</a:t>
+            </a:r>
+            <a:endParaRPr lang="en-US" sz="1100" dirty="0" smtClean="0"/>
+          </a:p>
+          <a:p>
+            <a:r>
+              <a:rPr lang="en-US" sz="1100" dirty="0" smtClean="0">
+                <a:hlinkClick r:id="rId4"/>
+              </a:rPr>
+              <a:t>http</a:t>
+            </a:r>
+            <a:r>
+              <a:rPr lang="en-US" sz="1100" dirty="0">
+                <a:hlinkClick r:id="rId4"/>
+              </a:rPr>
+              <a:t>://deeplearning.net/tutorial/_</a:t>
+            </a:r>
+            <a:r>
+              <a:rPr lang="en-US" sz="1100" dirty="0" smtClean="0">
+                <a:hlinkClick r:id="rId4"/>
+              </a:rPr>
+              <a:t>images/mylenet.png</a:t>
+            </a:r>
+            <a:endParaRPr lang="en-US" sz="1100" dirty="0" smtClean="0"/>
+          </a:p>
+        </p:txBody>
+      </p:sp>
+      <p:sp>
+        <p:nvSpPr>
+          <p:cNvPr id="18" name="Content Placeholder 2"/>
+          <p:cNvSpPr txBox="1">
+            <a:spLocks/>
+          </p:cNvSpPr>
+          <p:nvPr/>
+        </p:nvSpPr>
+        <p:spPr>
+          <a:xfrm>
+            <a:off x="4777794" y="4724400"/>
+            <a:ext cx="4290006" cy="1676401"/>
+          </a:xfrm>
+          <a:prstGeom prst="rect">
+            <a:avLst/>
+          </a:prstGeom>
+        </p:spPr>
+        <p:txBody>
+          <a:bodyPr vert="horz" lIns="91440" tIns="45720" rIns="91440" bIns="45720" rtlCol="0">
+            <a:normAutofit/>
+          </a:bodyPr>
+          <a:lstStyle>
+            <a:lvl1pPr marL="228600" indent="-228600" algn="l" defTabSz="914400" rtl="0" eaLnBrk="1" latinLnBrk="0" hangingPunct="1">
+              <a:lnSpc>
+                <a:spcPct val="90000"/>
+              </a:lnSpc>
+              <a:spcBef>
+                <a:spcPts val="1000"/>
+              </a:spcBef>
+              <a:buFont typeface="Arial" panose="020B0604020202020204" pitchFamily="34" charset="0"/>
+              <a:buChar char="•"/>
+              <a:defRPr sz="2800" kern="1200">
+                <a:solidFill>
+                  <a:schemeClr val="tx1"/>
+                </a:solidFill>
+                <a:latin typeface="+mn-lt"/>
+                <a:ea typeface="+mn-ea"/>
+                <a:cs typeface="+mn-cs"/>
+              </a:defRPr>
+            </a:lvl1pPr>
+            <a:lvl2pPr marL="685800" indent="-228600" algn="l" defTabSz="914400" rtl="0" eaLnBrk="1" latinLnBrk="0" hangingPunct="1">
+              <a:lnSpc>
+                <a:spcPct val="90000"/>
+              </a:lnSpc>
+              <a:spcBef>
+                <a:spcPts val="500"/>
+              </a:spcBef>
+              <a:buFont typeface="Arial" panose="020B0604020202020204" pitchFamily="34" charset="0"/>
+              <a:buChar char="•"/>
+              <a:defRPr sz="2400" kern="1200">
+                <a:solidFill>
+                  <a:schemeClr val="tx1"/>
+                </a:solidFill>
+                <a:latin typeface="+mn-lt"/>
+                <a:ea typeface="+mn-ea"/>
+                <a:cs typeface="+mn-cs"/>
+              </a:defRPr>
+            </a:lvl2pPr>
+            <a:lvl3pPr marL="1143000" indent="-228600" algn="l" defTabSz="914400" rtl="0" eaLnBrk="1" latinLnBrk="0" hangingPunct="1">
+              <a:lnSpc>
+                <a:spcPct val="90000"/>
+              </a:lnSpc>
+              <a:spcBef>
+                <a:spcPts val="500"/>
+              </a:spcBef>
+              <a:buFont typeface="Arial" panose="020B0604020202020204" pitchFamily="34" charset="0"/>
+              <a:buChar char="•"/>
+              <a:defRPr sz="2000" kern="1200">
+                <a:solidFill>
+                  <a:schemeClr val="tx1"/>
+                </a:solidFill>
+                <a:latin typeface="+mn-lt"/>
+                <a:ea typeface="+mn-ea"/>
+                <a:cs typeface="+mn-cs"/>
+              </a:defRPr>
+            </a:lvl3pPr>
+            <a:lvl4pPr marL="1600200" indent="-228600" algn="l" defTabSz="914400" rtl="0" eaLnBrk="1" latinLnBrk="0" hangingPunct="1">
+              <a:lnSpc>
+                <a:spcPct val="90000"/>
+              </a:lnSpc>
+              <a:spcBef>
+                <a:spcPts val="500"/>
+              </a:spcBef>
+              <a:buFont typeface="Arial" panose="020B0604020202020204" pitchFamily="34" charset="0"/>
+              <a:buChar char="•"/>
+              <a:defRPr sz="1800" kern="1200">
+                <a:solidFill>
+                  <a:schemeClr val="tx1"/>
+                </a:solidFill>
+                <a:latin typeface="+mn-lt"/>
+                <a:ea typeface="+mn-ea"/>
+                <a:cs typeface="+mn-cs"/>
+              </a:defRPr>
+            </a:lvl4pPr>
+            <a:lvl5pPr marL="2057400" indent="-228600" algn="l" defTabSz="914400" rtl="0" eaLnBrk="1" latinLnBrk="0" hangingPunct="1">
+              <a:lnSpc>
+                <a:spcPct val="90000"/>
+              </a:lnSpc>
+              <a:spcBef>
+                <a:spcPts val="500"/>
+              </a:spcBef>
+              <a:buFont typeface="Arial" panose="020B0604020202020204" pitchFamily="34" charset="0"/>
+              <a:buChar char="•"/>
+              <a:defRPr sz="1800" kern="1200">
+                <a:solidFill>
+                  <a:schemeClr val="tx1"/>
+                </a:solidFill>
+                <a:latin typeface="+mn-lt"/>
+                <a:ea typeface="+mn-ea"/>
+                <a:cs typeface="+mn-cs"/>
+              </a:defRPr>
+            </a:lvl5pPr>
+            <a:lvl6pPr marL="2514600" indent="-228600" algn="l" defTabSz="914400" rtl="0" eaLnBrk="1" latinLnBrk="0" hangingPunct="1">
+              <a:lnSpc>
+                <a:spcPct val="90000"/>
+              </a:lnSpc>
+              <a:spcBef>
+                <a:spcPts val="500"/>
+              </a:spcBef>
+              <a:buFont typeface="Arial" panose="020B0604020202020204" pitchFamily="34" charset="0"/>
+              <a:buChar char="•"/>
+              <a:defRPr sz="1800" kern="1200">
+                <a:solidFill>
+                  <a:schemeClr val="tx1"/>
+                </a:solidFill>
+                <a:latin typeface="+mn-lt"/>
+                <a:ea typeface="+mn-ea"/>
+                <a:cs typeface="+mn-cs"/>
+              </a:defRPr>
+            </a:lvl6pPr>
+            <a:lvl7pPr marL="2971800" indent="-228600" algn="l" defTabSz="914400" rtl="0" eaLnBrk="1" latinLnBrk="0" hangingPunct="1">
+              <a:lnSpc>
+                <a:spcPct val="90000"/>
+              </a:lnSpc>
+              <a:spcBef>
+                <a:spcPts val="500"/>
+              </a:spcBef>
+              <a:buFont typeface="Arial" panose="020B0604020202020204" pitchFamily="34" charset="0"/>
+              <a:buChar char="•"/>
+              <a:defRPr sz="1800" kern="1200">
+                <a:solidFill>
+                  <a:schemeClr val="tx1"/>
+                </a:solidFill>
+                <a:latin typeface="+mn-lt"/>
+                <a:ea typeface="+mn-ea"/>
+                <a:cs typeface="+mn-cs"/>
+              </a:defRPr>
+            </a:lvl7pPr>
+            <a:lvl8pPr marL="3429000" indent="-228600" algn="l" defTabSz="914400" rtl="0" eaLnBrk="1" latinLnBrk="0" hangingPunct="1">
+              <a:lnSpc>
+                <a:spcPct val="90000"/>
+              </a:lnSpc>
+              <a:spcBef>
+                <a:spcPts val="500"/>
+              </a:spcBef>
+              <a:buFont typeface="Arial" panose="020B0604020202020204" pitchFamily="34" charset="0"/>
+              <a:buChar char="•"/>
+              <a:defRPr sz="1800" kern="1200">
+                <a:solidFill>
+                  <a:schemeClr val="tx1"/>
+                </a:solidFill>
+                <a:latin typeface="+mn-lt"/>
+                <a:ea typeface="+mn-ea"/>
+                <a:cs typeface="+mn-cs"/>
+              </a:defRPr>
+            </a:lvl8pPr>
+            <a:lvl9pPr marL="3886200" indent="-228600" algn="l" defTabSz="914400" rtl="0" eaLnBrk="1" latinLnBrk="0" hangingPunct="1">
+              <a:lnSpc>
+                <a:spcPct val="90000"/>
+              </a:lnSpc>
+              <a:spcBef>
+                <a:spcPts val="500"/>
+              </a:spcBef>
+              <a:buFont typeface="Arial" panose="020B0604020202020204" pitchFamily="34" charset="0"/>
+              <a:buChar char="•"/>
+              <a:defRPr sz="1800" kern="1200">
+                <a:solidFill>
+                  <a:schemeClr val="tx1"/>
+                </a:solidFill>
+                <a:latin typeface="+mn-lt"/>
+                <a:ea typeface="+mn-ea"/>
+                <a:cs typeface="+mn-cs"/>
+              </a:defRPr>
+            </a:lvl9pPr>
+          </a:lstStyle>
+          <a:p>
+            <a:r>
+              <a:rPr lang="en-US" sz="2000" dirty="0" smtClean="0"/>
+              <a:t>Separate Model for Each Case</a:t>
+            </a:r>
+            <a:endParaRPr lang="en-US" sz="2000" dirty="0"/>
           </a:p>
         </p:txBody>
       </p:sp>
     </p:spTree>
     <p:extLst>
       <p:ext uri="{BB962C8B-B14F-4D97-AF65-F5344CB8AC3E}">
-        <p14:creationId xmlns:p14="http://schemas.microsoft.com/office/powerpoint/2010/main" val="3675845368"/>
+        <p14:creationId xmlns:p14="http://schemas.microsoft.com/office/powerpoint/2010/main" val="2260421532"/>
       </p:ext>
     </p:extLst>
   </p:cSld>
@@ -4394,7 +7112,7 @@
 <file path=ppt/theme/theme1.xml><?xml version="1.0" encoding="utf-8"?>
 <a:theme xmlns:a="http://schemas.openxmlformats.org/drawingml/2006/main" name="Office Theme">
   <a:themeElements>
-    <a:clrScheme name="Office">
+    <a:clrScheme name="Office Theme">
       <a:dk1>
         <a:sysClr val="windowText" lastClr="000000"/>
       </a:dk1>
@@ -4402,39 +7120,39 @@
         <a:sysClr val="window" lastClr="FFFFFF"/>
       </a:lt1>
       <a:dk2>
-        <a:srgbClr val="1F497D"/>
+        <a:srgbClr val="44546A"/>
       </a:dk2>
       <a:lt2>
-        <a:srgbClr val="EEECE1"/>
+        <a:srgbClr val="E7E6E6"/>
       </a:lt2>
       <a:accent1>
-        <a:srgbClr val="4F81BD"/>
+        <a:srgbClr val="1D9A78"/>
       </a:accent1>
       <a:accent2>
-        <a:srgbClr val="C0504D"/>
+        <a:srgbClr val="8BC145"/>
       </a:accent2>
       <a:accent3>
-        <a:srgbClr val="9BBB59"/>
+        <a:srgbClr val="36AFCE"/>
       </a:accent3>
       <a:accent4>
-        <a:srgbClr val="8064A2"/>
+        <a:srgbClr val="1D6FA9"/>
       </a:accent4>
       <a:accent5>
-        <a:srgbClr val="4BACC6"/>
+        <a:srgbClr val="B74919"/>
       </a:accent5>
       <a:accent6>
-        <a:srgbClr val="F79646"/>
+        <a:srgbClr val="F19D19"/>
       </a:accent6>
       <a:hlink>
-        <a:srgbClr val="0000FF"/>
+        <a:srgbClr val="0563C1"/>
       </a:hlink>
       <a:folHlink>
-        <a:srgbClr val="800080"/>
+        <a:srgbClr val="954F72"/>
       </a:folHlink>
     </a:clrScheme>
-    <a:fontScheme name="Office">
+    <a:fontScheme name="Office Theme">
       <a:majorFont>
-        <a:latin typeface="Calibri"/>
+        <a:latin typeface="Calibri Light" panose="020F0302020204030204"/>
         <a:ea typeface=""/>
         <a:cs typeface=""/>
         <a:font script="Jpan" typeface="ＭＳ Ｐゴシック"/>
@@ -4469,7 +7187,7 @@
         <a:font script="Geor" typeface="Sylfaen"/>
       </a:majorFont>
       <a:minorFont>
-        <a:latin typeface="Calibri"/>
+        <a:latin typeface="Calibri" panose="020F0502020204030204"/>
         <a:ea typeface=""/>
         <a:cs typeface=""/>
         <a:font script="Jpan" typeface="ＭＳ Ｐゴシック"/>
@@ -4504,7 +7222,7 @@
         <a:font script="Geor" typeface="Sylfaen"/>
       </a:minorFont>
     </a:fontScheme>
-    <a:fmtScheme name="Office">
+    <a:fmtScheme name="Office Theme">
       <a:fillStyleLst>
         <a:solidFill>
           <a:schemeClr val="phClr"/>
@@ -4513,165 +7231,141 @@
           <a:gsLst>
             <a:gs pos="0">
               <a:schemeClr val="phClr">
-                <a:tint val="50000"/>
-                <a:satMod val="300000"/>
+                <a:lumMod val="110000"/>
+                <a:satMod val="105000"/>
+                <a:tint val="67000"/>
               </a:schemeClr>
             </a:gs>
-            <a:gs pos="35000">
+            <a:gs pos="50000">
               <a:schemeClr val="phClr">
-                <a:tint val="37000"/>
-                <a:satMod val="300000"/>
+                <a:lumMod val="105000"/>
+                <a:satMod val="103000"/>
+                <a:tint val="73000"/>
               </a:schemeClr>
             </a:gs>
             <a:gs pos="100000">
               <a:schemeClr val="phClr">
-                <a:tint val="15000"/>
-                <a:satMod val="350000"/>
+                <a:lumMod val="105000"/>
+                <a:satMod val="109000"/>
+                <a:tint val="81000"/>
               </a:schemeClr>
             </a:gs>
           </a:gsLst>
-          <a:lin ang="16200000" scaled="1"/>
+          <a:lin ang="5400000" scaled="0"/>
         </a:gradFill>
         <a:gradFill rotWithShape="1">
           <a:gsLst>
             <a:gs pos="0">
               <a:schemeClr val="phClr">
-                <a:shade val="51000"/>
-                <a:satMod val="130000"/>
+                <a:satMod val="103000"/>
+                <a:lumMod val="102000"/>
+                <a:tint val="94000"/>
               </a:schemeClr>
             </a:gs>
-            <a:gs pos="80000">
+            <a:gs pos="50000">
               <a:schemeClr val="phClr">
-                <a:shade val="93000"/>
-                <a:satMod val="130000"/>
+                <a:satMod val="110000"/>
+                <a:lumMod val="100000"/>
+                <a:shade val="100000"/>
               </a:schemeClr>
             </a:gs>
             <a:gs pos="100000">
               <a:schemeClr val="phClr">
-                <a:shade val="94000"/>
-                <a:satMod val="135000"/>
+                <a:lumMod val="99000"/>
+                <a:satMod val="120000"/>
+                <a:shade val="78000"/>
               </a:schemeClr>
             </a:gs>
           </a:gsLst>
-          <a:lin ang="16200000" scaled="0"/>
+          <a:lin ang="5400000" scaled="0"/>
         </a:gradFill>
       </a:fillStyleLst>
       <a:lnStyleLst>
-        <a:ln w="9525" cap="flat" cmpd="sng" algn="ctr">
-          <a:solidFill>
-            <a:schemeClr val="phClr">
-              <a:shade val="95000"/>
-              <a:satMod val="105000"/>
-            </a:schemeClr>
-          </a:solidFill>
-          <a:prstDash val="solid"/>
-        </a:ln>
-        <a:ln w="25400" cap="flat" cmpd="sng" algn="ctr">
+        <a:ln w="6350" cap="flat" cmpd="sng" algn="ctr">
           <a:solidFill>
             <a:schemeClr val="phClr"/>
           </a:solidFill>
           <a:prstDash val="solid"/>
+          <a:miter lim="800000"/>
         </a:ln>
-        <a:ln w="38100" cap="flat" cmpd="sng" algn="ctr">
+        <a:ln w="12700" cap="flat" cmpd="sng" algn="ctr">
           <a:solidFill>
             <a:schemeClr val="phClr"/>
           </a:solidFill>
           <a:prstDash val="solid"/>
+          <a:miter lim="800000"/>
+        </a:ln>
+        <a:ln w="19050" cap="flat" cmpd="sng" algn="ctr">
+          <a:solidFill>
+            <a:schemeClr val="phClr"/>
+          </a:solidFill>
+          <a:prstDash val="solid"/>
+          <a:miter lim="800000"/>
         </a:ln>
       </a:lnStyleLst>
       <a:effectStyleLst>
         <a:effectStyle>
+          <a:effectLst/>
+        </a:effectStyle>
+        <a:effectStyle>
+          <a:effectLst/>
+        </a:effectStyle>
+        <a:effectStyle>
           <a:effectLst>
-            <a:outerShdw blurRad="40000" dist="20000" dir="5400000" rotWithShape="0">
+            <a:outerShdw blurRad="57150" dist="19050" dir="5400000" algn="ctr" rotWithShape="0">
               <a:srgbClr val="000000">
-                <a:alpha val="38000"/>
+                <a:alpha val="63000"/>
               </a:srgbClr>
             </a:outerShdw>
           </a:effectLst>
-        </a:effectStyle>
-        <a:effectStyle>
-          <a:effectLst>
-            <a:outerShdw blurRad="40000" dist="23000" dir="5400000" rotWithShape="0">
-              <a:srgbClr val="000000">
-                <a:alpha val="35000"/>
-              </a:srgbClr>
-            </a:outerShdw>
-          </a:effectLst>
-        </a:effectStyle>
-        <a:effectStyle>
-          <a:effectLst>
-            <a:outerShdw blurRad="40000" dist="23000" dir="5400000" rotWithShape="0">
-              <a:srgbClr val="000000">
-                <a:alpha val="35000"/>
-              </a:srgbClr>
-            </a:outerShdw>
-          </a:effectLst>
-          <a:scene3d>
-            <a:camera prst="orthographicFront">
-              <a:rot lat="0" lon="0" rev="0"/>
-            </a:camera>
-            <a:lightRig rig="threePt" dir="t">
-              <a:rot lat="0" lon="0" rev="1200000"/>
-            </a:lightRig>
-          </a:scene3d>
-          <a:sp3d>
-            <a:bevelT w="63500" h="25400"/>
-          </a:sp3d>
         </a:effectStyle>
       </a:effectStyleLst>
       <a:bgFillStyleLst>
         <a:solidFill>
           <a:schemeClr val="phClr"/>
         </a:solidFill>
+        <a:solidFill>
+          <a:schemeClr val="phClr">
+            <a:tint val="95000"/>
+            <a:satMod val="170000"/>
+          </a:schemeClr>
+        </a:solidFill>
         <a:gradFill rotWithShape="1">
           <a:gsLst>
             <a:gs pos="0">
               <a:schemeClr val="phClr">
-                <a:tint val="40000"/>
-                <a:satMod val="350000"/>
+                <a:tint val="93000"/>
+                <a:satMod val="150000"/>
+                <a:shade val="98000"/>
+                <a:lumMod val="102000"/>
               </a:schemeClr>
             </a:gs>
-            <a:gs pos="40000">
+            <a:gs pos="50000">
               <a:schemeClr val="phClr">
-                <a:tint val="45000"/>
-                <a:shade val="99000"/>
-                <a:satMod val="350000"/>
+                <a:tint val="98000"/>
+                <a:satMod val="130000"/>
+                <a:shade val="90000"/>
+                <a:lumMod val="103000"/>
               </a:schemeClr>
             </a:gs>
             <a:gs pos="100000">
               <a:schemeClr val="phClr">
-                <a:shade val="20000"/>
-                <a:satMod val="255000"/>
+                <a:shade val="63000"/>
+                <a:satMod val="120000"/>
               </a:schemeClr>
             </a:gs>
           </a:gsLst>
-          <a:path path="circle">
-            <a:fillToRect l="50000" t="-80000" r="50000" b="180000"/>
-          </a:path>
-        </a:gradFill>
-        <a:gradFill rotWithShape="1">
-          <a:gsLst>
-            <a:gs pos="0">
-              <a:schemeClr val="phClr">
-                <a:tint val="80000"/>
-                <a:satMod val="300000"/>
-              </a:schemeClr>
-            </a:gs>
-            <a:gs pos="100000">
-              <a:schemeClr val="phClr">
-                <a:shade val="30000"/>
-                <a:satMod val="200000"/>
-              </a:schemeClr>
-            </a:gs>
-          </a:gsLst>
-          <a:path path="circle">
-            <a:fillToRect l="50000" t="50000" r="50000" b="50000"/>
-          </a:path>
+          <a:lin ang="5400000" scaled="0"/>
         </a:gradFill>
       </a:bgFillStyleLst>
     </a:fmtScheme>
   </a:themeElements>
   <a:objectDefaults/>
   <a:extraClrSchemeLst/>
+  <a:extLst>
+    <a:ext uri="{05A4C25C-085E-4340-85A3-A5531E510DB2}">
+      <thm15:themeFamily xmlns:thm15="http://schemas.microsoft.com/office/thememl/2012/main" name="Office Theme" id="{62F939B6-93AF-4DB8-9C6B-D6C7DFDC589F}" vid="{AE6F2518-B084-4896-AF52-66CC2144AA26}"/>
+    </a:ext>
+  </a:extLst>
 </a:theme>
 </file>
--- a/cs5870/project/LeNet5 EEG.pptx
+++ b/cs5870/project/LeNet5 EEG.pptx
@@ -12,11 +12,12 @@
     <p:sldId id="258" r:id="rId6"/>
     <p:sldId id="259" r:id="rId7"/>
     <p:sldId id="266" r:id="rId8"/>
-    <p:sldId id="267" r:id="rId9"/>
-    <p:sldId id="260" r:id="rId10"/>
-    <p:sldId id="263" r:id="rId11"/>
-    <p:sldId id="262" r:id="rId12"/>
-    <p:sldId id="269" r:id="rId13"/>
+    <p:sldId id="271" r:id="rId9"/>
+    <p:sldId id="267" r:id="rId10"/>
+    <p:sldId id="260" r:id="rId11"/>
+    <p:sldId id="263" r:id="rId12"/>
+    <p:sldId id="262" r:id="rId13"/>
+    <p:sldId id="269" r:id="rId14"/>
   </p:sldIdLst>
   <p:sldSz cx="9144000" cy="6858000" type="screen4x3"/>
   <p:notesSz cx="6858000" cy="9144000"/>
@@ -117,7 +118,7 @@
   </p:defaultTextStyle>
   <p:extLst>
     <p:ext uri="{EFAFB233-063F-42B5-8137-9DF3F51BA10A}">
-      <p15:sldGuideLst xmlns:p15="http://schemas.microsoft.com/office/powerpoint/2012/main">
+      <p15:sldGuideLst xmlns:p15="http://schemas.microsoft.com/office/powerpoint/2012/main" xmlns="">
         <p15:guide id="1" orient="horz" pos="2160">
           <p15:clr>
             <a:srgbClr val="A4A3A4"/>
@@ -3105,157 +3106,780 @@
             <p:ph type="title"/>
           </p:nvPr>
         </p:nvSpPr>
-        <p:spPr/>
-        <p:txBody>
-          <a:bodyPr/>
-          <a:lstStyle/>
-          <a:p>
-            <a:r>
-              <a:rPr lang="en-US" dirty="0" smtClean="0"/>
-              <a:t>Performance</a:t>
-            </a:r>
-            <a:endParaRPr lang="en-US" dirty="0"/>
-          </a:p>
-        </p:txBody>
-      </p:sp>
-      <p:sp>
-        <p:nvSpPr>
-          <p:cNvPr id="3" name="Content Placeholder 2"/>
-          <p:cNvSpPr>
-            <a:spLocks noGrp="1"/>
-          </p:cNvSpPr>
-          <p:nvPr>
-            <p:ph idx="1"/>
-          </p:nvPr>
-        </p:nvSpPr>
         <p:spPr>
           <a:xfrm>
-            <a:off x="457200" y="1600200"/>
-            <a:ext cx="3962400" cy="4525963"/>
+            <a:off x="590550" y="304800"/>
+            <a:ext cx="7886700" cy="1325563"/>
           </a:xfrm>
         </p:spPr>
         <p:txBody>
-          <a:bodyPr>
-            <a:normAutofit fontScale="85000" lnSpcReduction="20000"/>
-          </a:bodyPr>
-          <a:lstStyle/>
-          <a:p>
-            <a:pPr marL="0" indent="0">
-              <a:buNone/>
-            </a:pPr>
-            <a:r>
-              <a:rPr lang="en-US" u="sng" dirty="0" smtClean="0"/>
-              <a:t>Amazon EC2 AWS g2.2xlarge </a:t>
-            </a:r>
-          </a:p>
-          <a:p>
-            <a:r>
-              <a:rPr lang="en-US" sz="3100" dirty="0" smtClean="0"/>
-              <a:t>Ubuntu 12.04.4 LTS x86_64</a:t>
-            </a:r>
-          </a:p>
-          <a:p>
-            <a:r>
-              <a:rPr lang="en-US" sz="3100" dirty="0" smtClean="0"/>
-              <a:t>NVIDIA Kepler GK 104 GPU</a:t>
-            </a:r>
-            <a:endParaRPr lang="en-US" sz="3100" dirty="0"/>
-          </a:p>
-          <a:p>
-            <a:r>
-              <a:rPr lang="en-US" sz="3100" dirty="0" smtClean="0"/>
-              <a:t>26 ECUs</a:t>
-            </a:r>
-          </a:p>
-          <a:p>
-            <a:r>
-              <a:rPr lang="en-US" sz="3100" dirty="0" smtClean="0"/>
-              <a:t>8 </a:t>
-            </a:r>
-            <a:r>
-              <a:rPr lang="en-US" sz="3100" dirty="0" err="1" smtClean="0"/>
-              <a:t>vCPUs</a:t>
-            </a:r>
-            <a:endParaRPr lang="en-US" sz="3100" dirty="0" smtClean="0"/>
-          </a:p>
-          <a:p>
-            <a:r>
-              <a:rPr lang="en-US" sz="3100" dirty="0" smtClean="0"/>
-              <a:t>2.6 GHz</a:t>
-            </a:r>
-          </a:p>
-          <a:p>
-            <a:r>
-              <a:rPr lang="en-US" sz="3100" dirty="0" smtClean="0"/>
-              <a:t>Intel Xeon E5-2670</a:t>
-            </a:r>
-          </a:p>
-          <a:p>
-            <a:r>
-              <a:rPr lang="en-US" sz="3100" dirty="0" smtClean="0"/>
-              <a:t>15 </a:t>
-            </a:r>
-            <a:r>
-              <a:rPr lang="en-US" sz="3100" dirty="0" err="1" smtClean="0"/>
-              <a:t>GiB</a:t>
-            </a:r>
-            <a:r>
-              <a:rPr lang="en-US" sz="3100" dirty="0" smtClean="0"/>
-              <a:t> memory</a:t>
-            </a:r>
-          </a:p>
-          <a:p>
-            <a:r>
-              <a:rPr lang="en-US" sz="3100" dirty="0" smtClean="0"/>
-              <a:t>1 x 60 </a:t>
-            </a:r>
-            <a:r>
-              <a:rPr lang="en-US" sz="3100" dirty="0" err="1" smtClean="0"/>
-              <a:t>GiB</a:t>
-            </a:r>
-            <a:r>
-              <a:rPr lang="en-US" sz="3100" dirty="0" smtClean="0"/>
-              <a:t> Storage Capacity</a:t>
-            </a:r>
-          </a:p>
-          <a:p>
-            <a:pPr lvl="2"/>
-            <a:endParaRPr lang="en-US" dirty="0" smtClean="0"/>
-          </a:p>
-          <a:p>
+          <a:bodyPr/>
+          <a:lstStyle/>
+          <a:p>
+            <a:r>
+              <a:rPr lang="en-US" dirty="0" err="1" smtClean="0"/>
+              <a:t>LeNet</a:t>
+            </a:r>
+            <a:r>
+              <a:rPr lang="en-US" dirty="0" smtClean="0"/>
+              <a:t> CNN Model</a:t>
+            </a:r>
             <a:endParaRPr lang="en-US" dirty="0"/>
           </a:p>
         </p:txBody>
       </p:sp>
       <p:sp>
         <p:nvSpPr>
-          <p:cNvPr id="4" name="Content Placeholder 2"/>
-          <p:cNvSpPr txBox="1">
-            <a:spLocks/>
-          </p:cNvSpPr>
-          <p:nvPr/>
+          <p:cNvPr id="3" name="Content Placeholder 2"/>
+          <p:cNvSpPr>
+            <a:spLocks noGrp="1"/>
+          </p:cNvSpPr>
+          <p:nvPr>
+            <p:ph idx="1"/>
+          </p:nvPr>
         </p:nvSpPr>
         <p:spPr>
           <a:xfrm>
-            <a:off x="4648200" y="1524000"/>
-            <a:ext cx="3733800" cy="4525963"/>
+            <a:off x="434394" y="4724400"/>
+            <a:ext cx="4290006" cy="1676401"/>
+          </a:xfrm>
+        </p:spPr>
+        <p:txBody>
+          <a:bodyPr>
+            <a:normAutofit/>
+          </a:bodyPr>
+          <a:lstStyle/>
+          <a:p>
+            <a:r>
+              <a:rPr lang="en-US" sz="2000" dirty="0" err="1" smtClean="0"/>
+              <a:t>Theano</a:t>
+            </a:r>
+            <a:r>
+              <a:rPr lang="en-US" sz="2000" dirty="0" smtClean="0"/>
+              <a:t> 0.6.0 </a:t>
+            </a:r>
+            <a:r>
+              <a:rPr lang="en-US" sz="2000" dirty="0" err="1" smtClean="0"/>
+              <a:t>LeNet</a:t>
+            </a:r>
+            <a:r>
+              <a:rPr lang="en-US" sz="2000" dirty="0" smtClean="0"/>
+              <a:t> </a:t>
+            </a:r>
+          </a:p>
+          <a:p>
+            <a:pPr lvl="1"/>
+            <a:r>
+              <a:rPr lang="en-US" sz="1800" dirty="0" smtClean="0"/>
+              <a:t>Python 2.7.3 / </a:t>
+            </a:r>
+            <a:r>
+              <a:rPr lang="en-US" sz="1800" dirty="0" err="1" smtClean="0"/>
+              <a:t>gcc</a:t>
+            </a:r>
+            <a:r>
+              <a:rPr lang="en-US" sz="1800" dirty="0" smtClean="0"/>
+              <a:t> 4.6.3</a:t>
+            </a:r>
+          </a:p>
+          <a:p>
+            <a:pPr lvl="1"/>
+            <a:r>
+              <a:rPr lang="en-US" sz="1800" dirty="0" err="1" smtClean="0"/>
+              <a:t>Numpy</a:t>
+            </a:r>
+            <a:r>
+              <a:rPr lang="en-US" sz="1800" dirty="0" smtClean="0"/>
+              <a:t> 1.9.0 / </a:t>
+            </a:r>
+            <a:r>
+              <a:rPr lang="en-US" sz="1800" dirty="0" err="1" smtClean="0"/>
+              <a:t>scipy</a:t>
+            </a:r>
+            <a:r>
+              <a:rPr lang="en-US" sz="1800" dirty="0" smtClean="0"/>
+              <a:t> 0.14.0</a:t>
+            </a:r>
+          </a:p>
+          <a:p>
+            <a:r>
+              <a:rPr lang="en-US" sz="2000" dirty="0" err="1" smtClean="0"/>
+              <a:t>Lenet</a:t>
+            </a:r>
+            <a:r>
+              <a:rPr lang="en-US" sz="2000" dirty="0" smtClean="0"/>
+              <a:t> Parameters as above</a:t>
+            </a:r>
+            <a:endParaRPr lang="en-US" sz="2000" dirty="0"/>
+          </a:p>
+        </p:txBody>
+      </p:sp>
+      <p:pic>
+        <p:nvPicPr>
+          <p:cNvPr id="4" name="Picture 3"/>
+          <p:cNvPicPr>
+            <a:picLocks noChangeAspect="1"/>
+          </p:cNvPicPr>
+          <p:nvPr/>
+        </p:nvPicPr>
+        <p:blipFill>
+          <a:blip r:embed="rId2"/>
+          <a:stretch>
+            <a:fillRect/>
+          </a:stretch>
+        </p:blipFill>
+        <p:spPr>
+          <a:xfrm>
+            <a:off x="132700" y="1981200"/>
+            <a:ext cx="8802399" cy="2057400"/>
           </a:xfrm>
           <a:prstGeom prst="rect">
             <a:avLst/>
           </a:prstGeom>
         </p:spPr>
+      </p:pic>
+      <p:sp>
+        <p:nvSpPr>
+          <p:cNvPr id="5" name="TextBox 4"/>
+          <p:cNvSpPr txBox="1"/>
+          <p:nvPr/>
+        </p:nvSpPr>
+        <p:spPr>
+          <a:xfrm>
+            <a:off x="443919" y="1600200"/>
+            <a:ext cx="986167" cy="369332"/>
+          </a:xfrm>
+          <a:prstGeom prst="rect">
+            <a:avLst/>
+          </a:prstGeom>
+          <a:noFill/>
+        </p:spPr>
+        <p:txBody>
+          <a:bodyPr wrap="none" rtlCol="0">
+            <a:spAutoFit/>
+          </a:bodyPr>
+          <a:lstStyle/>
+          <a:p>
+            <a:r>
+              <a:rPr lang="en-US" dirty="0" smtClean="0">
+                <a:solidFill>
+                  <a:srgbClr val="00B050"/>
+                </a:solidFill>
+              </a:rPr>
+              <a:t>120x120</a:t>
+            </a:r>
+            <a:endParaRPr lang="en-US" dirty="0">
+              <a:solidFill>
+                <a:srgbClr val="00B050"/>
+              </a:solidFill>
+            </a:endParaRPr>
+          </a:p>
+        </p:txBody>
+      </p:sp>
+      <p:sp>
+        <p:nvSpPr>
+          <p:cNvPr id="6" name="TextBox 5"/>
+          <p:cNvSpPr txBox="1"/>
+          <p:nvPr/>
+        </p:nvSpPr>
+        <p:spPr>
+          <a:xfrm>
+            <a:off x="2057400" y="1611868"/>
+            <a:ext cx="1192955" cy="369332"/>
+          </a:xfrm>
+          <a:prstGeom prst="rect">
+            <a:avLst/>
+          </a:prstGeom>
+          <a:noFill/>
+        </p:spPr>
+        <p:txBody>
+          <a:bodyPr wrap="none" rtlCol="0">
+            <a:spAutoFit/>
+          </a:bodyPr>
+          <a:lstStyle/>
+          <a:p>
+            <a:r>
+              <a:rPr lang="en-US" dirty="0" smtClean="0">
+                <a:solidFill>
+                  <a:srgbClr val="00B050"/>
+                </a:solidFill>
+              </a:rPr>
+              <a:t>5@120x48</a:t>
+            </a:r>
+            <a:endParaRPr lang="en-US" dirty="0">
+              <a:solidFill>
+                <a:srgbClr val="00B050"/>
+              </a:solidFill>
+            </a:endParaRPr>
+          </a:p>
+        </p:txBody>
+      </p:sp>
+      <p:sp>
+        <p:nvSpPr>
+          <p:cNvPr id="7" name="TextBox 6"/>
+          <p:cNvSpPr txBox="1"/>
+          <p:nvPr/>
+        </p:nvSpPr>
+        <p:spPr>
+          <a:xfrm>
+            <a:off x="3836245" y="1600200"/>
+            <a:ext cx="1192955" cy="369332"/>
+          </a:xfrm>
+          <a:prstGeom prst="rect">
+            <a:avLst/>
+          </a:prstGeom>
+          <a:noFill/>
+        </p:spPr>
+        <p:txBody>
+          <a:bodyPr wrap="none" rtlCol="0">
+            <a:spAutoFit/>
+          </a:bodyPr>
+          <a:lstStyle/>
+          <a:p>
+            <a:r>
+              <a:rPr lang="en-US" dirty="0" smtClean="0">
+                <a:solidFill>
+                  <a:srgbClr val="00B050"/>
+                </a:solidFill>
+              </a:rPr>
+              <a:t>5@120x24</a:t>
+            </a:r>
+            <a:endParaRPr lang="en-US" dirty="0">
+              <a:solidFill>
+                <a:srgbClr val="00B050"/>
+              </a:solidFill>
+            </a:endParaRPr>
+          </a:p>
+        </p:txBody>
+      </p:sp>
+      <p:sp>
+        <p:nvSpPr>
+          <p:cNvPr id="8" name="TextBox 7"/>
+          <p:cNvSpPr txBox="1"/>
+          <p:nvPr/>
+        </p:nvSpPr>
+        <p:spPr>
+          <a:xfrm>
+            <a:off x="5207845" y="1600200"/>
+            <a:ext cx="958917" cy="369332"/>
+          </a:xfrm>
+          <a:prstGeom prst="rect">
+            <a:avLst/>
+          </a:prstGeom>
+          <a:noFill/>
+        </p:spPr>
+        <p:txBody>
+          <a:bodyPr wrap="none" rtlCol="0">
+            <a:spAutoFit/>
+          </a:bodyPr>
+          <a:lstStyle/>
+          <a:p>
+            <a:r>
+              <a:rPr lang="en-US" dirty="0" smtClean="0">
+                <a:solidFill>
+                  <a:srgbClr val="00B050"/>
+                </a:solidFill>
+              </a:rPr>
+              <a:t>5@1x16</a:t>
+            </a:r>
+            <a:endParaRPr lang="en-US" dirty="0">
+              <a:solidFill>
+                <a:srgbClr val="00B050"/>
+              </a:solidFill>
+            </a:endParaRPr>
+          </a:p>
+        </p:txBody>
+      </p:sp>
+      <p:sp>
+        <p:nvSpPr>
+          <p:cNvPr id="9" name="TextBox 8"/>
+          <p:cNvSpPr txBox="1"/>
+          <p:nvPr/>
+        </p:nvSpPr>
+        <p:spPr>
+          <a:xfrm>
+            <a:off x="6584883" y="1611868"/>
+            <a:ext cx="841897" cy="369332"/>
+          </a:xfrm>
+          <a:prstGeom prst="rect">
+            <a:avLst/>
+          </a:prstGeom>
+          <a:noFill/>
+        </p:spPr>
+        <p:txBody>
+          <a:bodyPr wrap="none" rtlCol="0">
+            <a:spAutoFit/>
+          </a:bodyPr>
+          <a:lstStyle/>
+          <a:p>
+            <a:r>
+              <a:rPr lang="en-US" dirty="0" smtClean="0">
+                <a:solidFill>
+                  <a:srgbClr val="00B050"/>
+                </a:solidFill>
+              </a:rPr>
+              <a:t>5@1x8</a:t>
+            </a:r>
+            <a:endParaRPr lang="en-US" dirty="0">
+              <a:solidFill>
+                <a:srgbClr val="00B050"/>
+              </a:solidFill>
+            </a:endParaRPr>
+          </a:p>
+        </p:txBody>
+      </p:sp>
+      <p:sp>
+        <p:nvSpPr>
+          <p:cNvPr id="10" name="TextBox 9"/>
+          <p:cNvSpPr txBox="1"/>
+          <p:nvPr/>
+        </p:nvSpPr>
+        <p:spPr>
+          <a:xfrm>
+            <a:off x="7937532" y="1600200"/>
+            <a:ext cx="301686" cy="369332"/>
+          </a:xfrm>
+          <a:prstGeom prst="rect">
+            <a:avLst/>
+          </a:prstGeom>
+          <a:noFill/>
+        </p:spPr>
+        <p:txBody>
+          <a:bodyPr wrap="none" rtlCol="0">
+            <a:spAutoFit/>
+          </a:bodyPr>
+          <a:lstStyle/>
+          <a:p>
+            <a:r>
+              <a:rPr lang="en-US" dirty="0">
+                <a:solidFill>
+                  <a:srgbClr val="00B050"/>
+                </a:solidFill>
+              </a:rPr>
+              <a:t>8</a:t>
+            </a:r>
+            <a:endParaRPr lang="en-US" dirty="0">
+              <a:solidFill>
+                <a:srgbClr val="00B050"/>
+              </a:solidFill>
+            </a:endParaRPr>
+          </a:p>
+        </p:txBody>
+      </p:sp>
+      <p:sp>
+        <p:nvSpPr>
+          <p:cNvPr id="11" name="TextBox 10"/>
+          <p:cNvSpPr txBox="1"/>
+          <p:nvPr/>
+        </p:nvSpPr>
+        <p:spPr>
+          <a:xfrm>
+            <a:off x="8547132" y="1600200"/>
+            <a:ext cx="301686" cy="369332"/>
+          </a:xfrm>
+          <a:prstGeom prst="rect">
+            <a:avLst/>
+          </a:prstGeom>
+          <a:noFill/>
+        </p:spPr>
+        <p:txBody>
+          <a:bodyPr wrap="none" rtlCol="0">
+            <a:spAutoFit/>
+          </a:bodyPr>
+          <a:lstStyle/>
+          <a:p>
+            <a:r>
+              <a:rPr lang="en-US" dirty="0">
+                <a:solidFill>
+                  <a:srgbClr val="00B050"/>
+                </a:solidFill>
+              </a:rPr>
+              <a:t>1</a:t>
+            </a:r>
+          </a:p>
+        </p:txBody>
+      </p:sp>
+      <p:sp>
+        <p:nvSpPr>
+          <p:cNvPr id="12" name="TextBox 11"/>
+          <p:cNvSpPr txBox="1"/>
+          <p:nvPr/>
+        </p:nvSpPr>
+        <p:spPr>
+          <a:xfrm>
+            <a:off x="1578966" y="4038600"/>
+            <a:ext cx="956865" cy="646331"/>
+          </a:xfrm>
+          <a:prstGeom prst="rect">
+            <a:avLst/>
+          </a:prstGeom>
+          <a:noFill/>
+        </p:spPr>
+        <p:txBody>
+          <a:bodyPr wrap="none" rtlCol="0">
+            <a:spAutoFit/>
+          </a:bodyPr>
+          <a:lstStyle/>
+          <a:p>
+            <a:pPr algn="ctr"/>
+            <a:r>
+              <a:rPr lang="en-US" sz="1200" dirty="0" smtClean="0">
+                <a:solidFill>
+                  <a:srgbClr val="7030A0"/>
+                </a:solidFill>
+              </a:rPr>
+              <a:t>1x25</a:t>
+            </a:r>
+          </a:p>
+          <a:p>
+            <a:pPr algn="ctr"/>
+            <a:r>
+              <a:rPr lang="en-US" sz="1200" dirty="0" smtClean="0">
+                <a:solidFill>
+                  <a:srgbClr val="7030A0"/>
+                </a:solidFill>
+              </a:rPr>
+              <a:t>convolution </a:t>
+            </a:r>
+          </a:p>
+          <a:p>
+            <a:pPr algn="ctr"/>
+            <a:r>
+              <a:rPr lang="en-US" sz="1200" dirty="0" smtClean="0">
+                <a:solidFill>
+                  <a:srgbClr val="7030A0"/>
+                </a:solidFill>
+              </a:rPr>
+              <a:t>across time</a:t>
+            </a:r>
+          </a:p>
+        </p:txBody>
+      </p:sp>
+      <p:sp>
+        <p:nvSpPr>
+          <p:cNvPr id="13" name="TextBox 12"/>
+          <p:cNvSpPr txBox="1"/>
+          <p:nvPr/>
+        </p:nvSpPr>
+        <p:spPr>
+          <a:xfrm>
+            <a:off x="3429000" y="4048780"/>
+            <a:ext cx="966162" cy="461665"/>
+          </a:xfrm>
+          <a:prstGeom prst="rect">
+            <a:avLst/>
+          </a:prstGeom>
+          <a:noFill/>
+        </p:spPr>
+        <p:txBody>
+          <a:bodyPr wrap="none" rtlCol="0">
+            <a:spAutoFit/>
+          </a:bodyPr>
+          <a:lstStyle/>
+          <a:p>
+            <a:pPr algn="ctr"/>
+            <a:r>
+              <a:rPr lang="en-US" sz="1200" dirty="0" smtClean="0">
+                <a:solidFill>
+                  <a:srgbClr val="00B0F0"/>
+                </a:solidFill>
+              </a:rPr>
+              <a:t>1x4 </a:t>
+            </a:r>
+          </a:p>
+          <a:p>
+            <a:pPr algn="ctr"/>
+            <a:r>
+              <a:rPr lang="en-US" sz="1200" dirty="0" smtClean="0">
+                <a:solidFill>
+                  <a:srgbClr val="00B0F0"/>
+                </a:solidFill>
+              </a:rPr>
+              <a:t>subsampling</a:t>
+            </a:r>
+          </a:p>
+        </p:txBody>
+      </p:sp>
+      <p:sp>
+        <p:nvSpPr>
+          <p:cNvPr id="14" name="TextBox 13"/>
+          <p:cNvSpPr txBox="1"/>
+          <p:nvPr/>
+        </p:nvSpPr>
+        <p:spPr>
+          <a:xfrm>
+            <a:off x="5076300" y="4038600"/>
+            <a:ext cx="938720" cy="646331"/>
+          </a:xfrm>
+          <a:prstGeom prst="rect">
+            <a:avLst/>
+          </a:prstGeom>
+          <a:noFill/>
+        </p:spPr>
+        <p:txBody>
+          <a:bodyPr wrap="none" rtlCol="0">
+            <a:spAutoFit/>
+          </a:bodyPr>
+          <a:lstStyle/>
+          <a:p>
+            <a:pPr algn="ctr"/>
+            <a:r>
+              <a:rPr lang="en-US" sz="1200" dirty="0" smtClean="0">
+                <a:solidFill>
+                  <a:srgbClr val="7030A0"/>
+                </a:solidFill>
+              </a:rPr>
+              <a:t>1x9 </a:t>
+            </a:r>
+          </a:p>
+          <a:p>
+            <a:pPr algn="ctr"/>
+            <a:r>
+              <a:rPr lang="en-US" sz="1200" dirty="0">
+                <a:solidFill>
+                  <a:srgbClr val="7030A0"/>
+                </a:solidFill>
+              </a:rPr>
+              <a:t>c</a:t>
+            </a:r>
+            <a:r>
+              <a:rPr lang="en-US" sz="1200" dirty="0" smtClean="0">
+                <a:solidFill>
+                  <a:srgbClr val="7030A0"/>
+                </a:solidFill>
+              </a:rPr>
+              <a:t>onvolution</a:t>
+            </a:r>
+          </a:p>
+          <a:p>
+            <a:pPr algn="ctr"/>
+            <a:r>
+              <a:rPr lang="en-US" sz="1200" dirty="0">
+                <a:solidFill>
+                  <a:srgbClr val="7030A0"/>
+                </a:solidFill>
+              </a:rPr>
+              <a:t>a</a:t>
+            </a:r>
+            <a:r>
+              <a:rPr lang="en-US" sz="1200" dirty="0" smtClean="0">
+                <a:solidFill>
+                  <a:srgbClr val="7030A0"/>
+                </a:solidFill>
+              </a:rPr>
+              <a:t>cross time</a:t>
+            </a:r>
+          </a:p>
+        </p:txBody>
+      </p:sp>
+      <p:sp>
+        <p:nvSpPr>
+          <p:cNvPr id="15" name="TextBox 14"/>
+          <p:cNvSpPr txBox="1"/>
+          <p:nvPr/>
+        </p:nvSpPr>
+        <p:spPr>
+          <a:xfrm>
+            <a:off x="6515160" y="4038600"/>
+            <a:ext cx="966162" cy="461665"/>
+          </a:xfrm>
+          <a:prstGeom prst="rect">
+            <a:avLst/>
+          </a:prstGeom>
+          <a:noFill/>
+        </p:spPr>
+        <p:txBody>
+          <a:bodyPr wrap="none" rtlCol="0">
+            <a:spAutoFit/>
+          </a:bodyPr>
+          <a:lstStyle/>
+          <a:p>
+            <a:pPr algn="ctr"/>
+            <a:r>
+              <a:rPr lang="en-US" sz="1200" dirty="0" smtClean="0">
+                <a:solidFill>
+                  <a:srgbClr val="00B0F0"/>
+                </a:solidFill>
+              </a:rPr>
+              <a:t>1x2 </a:t>
+            </a:r>
+          </a:p>
+          <a:p>
+            <a:pPr algn="ctr"/>
+            <a:r>
+              <a:rPr lang="en-US" sz="1200" dirty="0">
+                <a:solidFill>
+                  <a:srgbClr val="00B0F0"/>
+                </a:solidFill>
+              </a:rPr>
+              <a:t>s</a:t>
+            </a:r>
+            <a:r>
+              <a:rPr lang="en-US" sz="1200" dirty="0" smtClean="0">
+                <a:solidFill>
+                  <a:srgbClr val="00B0F0"/>
+                </a:solidFill>
+              </a:rPr>
+              <a:t>ubsampling</a:t>
+            </a:r>
+          </a:p>
+        </p:txBody>
+      </p:sp>
+      <p:sp>
+        <p:nvSpPr>
+          <p:cNvPr id="16" name="TextBox 15"/>
+          <p:cNvSpPr txBox="1"/>
+          <p:nvPr/>
+        </p:nvSpPr>
+        <p:spPr>
+          <a:xfrm>
+            <a:off x="7642283" y="4038600"/>
+            <a:ext cx="921599" cy="646331"/>
+          </a:xfrm>
+          <a:prstGeom prst="rect">
+            <a:avLst/>
+          </a:prstGeom>
+          <a:noFill/>
+        </p:spPr>
+        <p:txBody>
+          <a:bodyPr wrap="none" rtlCol="0">
+            <a:spAutoFit/>
+          </a:bodyPr>
+          <a:lstStyle/>
+          <a:p>
+            <a:pPr algn="ctr"/>
+            <a:r>
+              <a:rPr lang="en-US" sz="1200" dirty="0" smtClean="0">
+                <a:solidFill>
+                  <a:srgbClr val="7030A0"/>
+                </a:solidFill>
+              </a:rPr>
+              <a:t>1x8</a:t>
+            </a:r>
+          </a:p>
+          <a:p>
+            <a:pPr algn="ctr"/>
+            <a:r>
+              <a:rPr lang="en-US" sz="1200" dirty="0">
+                <a:solidFill>
+                  <a:srgbClr val="7030A0"/>
+                </a:solidFill>
+              </a:rPr>
+              <a:t>c</a:t>
+            </a:r>
+            <a:r>
+              <a:rPr lang="en-US" sz="1200" dirty="0" smtClean="0">
+                <a:solidFill>
+                  <a:srgbClr val="7030A0"/>
+                </a:solidFill>
+              </a:rPr>
+              <a:t>onvolution</a:t>
+            </a:r>
+          </a:p>
+          <a:p>
+            <a:pPr algn="ctr"/>
+            <a:r>
+              <a:rPr lang="en-US" sz="1200" dirty="0" smtClean="0">
+                <a:solidFill>
+                  <a:srgbClr val="7030A0"/>
+                </a:solidFill>
+              </a:rPr>
+              <a:t>across time</a:t>
+            </a:r>
+          </a:p>
+        </p:txBody>
+      </p:sp>
+      <p:sp>
+        <p:nvSpPr>
+          <p:cNvPr id="17" name="TextBox 16"/>
+          <p:cNvSpPr txBox="1"/>
+          <p:nvPr/>
+        </p:nvSpPr>
+        <p:spPr>
+          <a:xfrm>
+            <a:off x="228600" y="6400800"/>
+            <a:ext cx="3328155" cy="430887"/>
+          </a:xfrm>
+          <a:prstGeom prst="rect">
+            <a:avLst/>
+          </a:prstGeom>
+          <a:noFill/>
+        </p:spPr>
+        <p:txBody>
+          <a:bodyPr wrap="none" rtlCol="0">
+            <a:spAutoFit/>
+          </a:bodyPr>
+          <a:lstStyle/>
+          <a:p>
+            <a:r>
+              <a:rPr lang="en-US" sz="1100" dirty="0">
+                <a:hlinkClick r:id="rId3"/>
+              </a:rPr>
+              <a:t>http://</a:t>
+            </a:r>
+            <a:r>
+              <a:rPr lang="en-US" sz="1100" dirty="0" smtClean="0">
+                <a:hlinkClick r:id="rId3"/>
+              </a:rPr>
+              <a:t>deeplearning.net/tutorial/lenet.html</a:t>
+            </a:r>
+            <a:endParaRPr lang="en-US" sz="1100" dirty="0" smtClean="0"/>
+          </a:p>
+          <a:p>
+            <a:r>
+              <a:rPr lang="en-US" sz="1100" dirty="0" smtClean="0">
+                <a:hlinkClick r:id="rId4"/>
+              </a:rPr>
+              <a:t>http</a:t>
+            </a:r>
+            <a:r>
+              <a:rPr lang="en-US" sz="1100" dirty="0">
+                <a:hlinkClick r:id="rId4"/>
+              </a:rPr>
+              <a:t>://deeplearning.net/tutorial/_</a:t>
+            </a:r>
+            <a:r>
+              <a:rPr lang="en-US" sz="1100" dirty="0" smtClean="0">
+                <a:hlinkClick r:id="rId4"/>
+              </a:rPr>
+              <a:t>images/mylenet.png</a:t>
+            </a:r>
+            <a:endParaRPr lang="en-US" sz="1100" dirty="0" smtClean="0"/>
+          </a:p>
+        </p:txBody>
+      </p:sp>
+      <p:sp>
+        <p:nvSpPr>
+          <p:cNvPr id="18" name="Content Placeholder 2"/>
+          <p:cNvSpPr txBox="1">
+            <a:spLocks/>
+          </p:cNvSpPr>
+          <p:nvPr/>
+        </p:nvSpPr>
+        <p:spPr>
+          <a:xfrm>
+            <a:off x="4777794" y="4724400"/>
+            <a:ext cx="4290006" cy="1676401"/>
+          </a:xfrm>
+          <a:prstGeom prst="rect">
+            <a:avLst/>
+          </a:prstGeom>
+        </p:spPr>
         <p:txBody>
           <a:bodyPr vert="horz" lIns="91440" tIns="45720" rIns="91440" bIns="45720" rtlCol="0">
             <a:normAutofit/>
           </a:bodyPr>
           <a:lstStyle>
-            <a:lvl1pPr marL="342900" indent="-342900" algn="l" defTabSz="914400" rtl="0" eaLnBrk="1" latinLnBrk="0" hangingPunct="1">
+            <a:lvl1pPr marL="228600" indent="-228600" algn="l" defTabSz="914400" rtl="0" eaLnBrk="1" latinLnBrk="0" hangingPunct="1">
+              <a:lnSpc>
+                <a:spcPct val="90000"/>
+              </a:lnSpc>
               <a:spcBef>
-                <a:spcPct val="20000"/>
+                <a:spcPts val="1000"/>
               </a:spcBef>
               <a:buFont typeface="Arial" panose="020B0604020202020204" pitchFamily="34" charset="0"/>
               <a:buChar char="•"/>
-              <a:defRPr sz="3200" kern="1200">
+              <a:defRPr sz="2800" kern="1200">
                 <a:solidFill>
                   <a:schemeClr val="tx1"/>
                 </a:solidFill>
@@ -3264,13 +3888,16 @@
                 <a:cs typeface="+mn-cs"/>
               </a:defRPr>
             </a:lvl1pPr>
-            <a:lvl2pPr marL="742950" indent="-285750" algn="l" defTabSz="914400" rtl="0" eaLnBrk="1" latinLnBrk="0" hangingPunct="1">
+            <a:lvl2pPr marL="685800" indent="-228600" algn="l" defTabSz="914400" rtl="0" eaLnBrk="1" latinLnBrk="0" hangingPunct="1">
+              <a:lnSpc>
+                <a:spcPct val="90000"/>
+              </a:lnSpc>
               <a:spcBef>
-                <a:spcPct val="20000"/>
+                <a:spcPts val="500"/>
               </a:spcBef>
               <a:buFont typeface="Arial" panose="020B0604020202020204" pitchFamily="34" charset="0"/>
-              <a:buChar char="–"/>
-              <a:defRPr sz="2800" kern="1200">
+              <a:buChar char="•"/>
+              <a:defRPr sz="2400" kern="1200">
                 <a:solidFill>
                   <a:schemeClr val="tx1"/>
                 </a:solidFill>
@@ -3280,12 +3907,15 @@
               </a:defRPr>
             </a:lvl2pPr>
             <a:lvl3pPr marL="1143000" indent="-228600" algn="l" defTabSz="914400" rtl="0" eaLnBrk="1" latinLnBrk="0" hangingPunct="1">
+              <a:lnSpc>
+                <a:spcPct val="90000"/>
+              </a:lnSpc>
               <a:spcBef>
-                <a:spcPct val="20000"/>
+                <a:spcPts val="500"/>
               </a:spcBef>
               <a:buFont typeface="Arial" panose="020B0604020202020204" pitchFamily="34" charset="0"/>
               <a:buChar char="•"/>
-              <a:defRPr sz="2400" kern="1200">
+              <a:defRPr sz="2000" kern="1200">
                 <a:solidFill>
                   <a:schemeClr val="tx1"/>
                 </a:solidFill>
@@ -3295,12 +3925,15 @@
               </a:defRPr>
             </a:lvl3pPr>
             <a:lvl4pPr marL="1600200" indent="-228600" algn="l" defTabSz="914400" rtl="0" eaLnBrk="1" latinLnBrk="0" hangingPunct="1">
+              <a:lnSpc>
+                <a:spcPct val="90000"/>
+              </a:lnSpc>
               <a:spcBef>
-                <a:spcPct val="20000"/>
+                <a:spcPts val="500"/>
               </a:spcBef>
               <a:buFont typeface="Arial" panose="020B0604020202020204" pitchFamily="34" charset="0"/>
-              <a:buChar char="–"/>
-              <a:defRPr sz="2000" kern="1200">
+              <a:buChar char="•"/>
+              <a:defRPr sz="1800" kern="1200">
                 <a:solidFill>
                   <a:schemeClr val="tx1"/>
                 </a:solidFill>
@@ -3310,12 +3943,15 @@
               </a:defRPr>
             </a:lvl4pPr>
             <a:lvl5pPr marL="2057400" indent="-228600" algn="l" defTabSz="914400" rtl="0" eaLnBrk="1" latinLnBrk="0" hangingPunct="1">
+              <a:lnSpc>
+                <a:spcPct val="90000"/>
+              </a:lnSpc>
               <a:spcBef>
-                <a:spcPct val="20000"/>
+                <a:spcPts val="500"/>
               </a:spcBef>
               <a:buFont typeface="Arial" panose="020B0604020202020204" pitchFamily="34" charset="0"/>
-              <a:buChar char="»"/>
-              <a:defRPr sz="2000" kern="1200">
+              <a:buChar char="•"/>
+              <a:defRPr sz="1800" kern="1200">
                 <a:solidFill>
                   <a:schemeClr val="tx1"/>
                 </a:solidFill>
@@ -3325,12 +3961,15 @@
               </a:defRPr>
             </a:lvl5pPr>
             <a:lvl6pPr marL="2514600" indent="-228600" algn="l" defTabSz="914400" rtl="0" eaLnBrk="1" latinLnBrk="0" hangingPunct="1">
+              <a:lnSpc>
+                <a:spcPct val="90000"/>
+              </a:lnSpc>
               <a:spcBef>
-                <a:spcPct val="20000"/>
+                <a:spcPts val="500"/>
               </a:spcBef>
               <a:buFont typeface="Arial" panose="020B0604020202020204" pitchFamily="34" charset="0"/>
               <a:buChar char="•"/>
-              <a:defRPr sz="2000" kern="1200">
+              <a:defRPr sz="1800" kern="1200">
                 <a:solidFill>
                   <a:schemeClr val="tx1"/>
                 </a:solidFill>
@@ -3340,12 +3979,15 @@
               </a:defRPr>
             </a:lvl6pPr>
             <a:lvl7pPr marL="2971800" indent="-228600" algn="l" defTabSz="914400" rtl="0" eaLnBrk="1" latinLnBrk="0" hangingPunct="1">
+              <a:lnSpc>
+                <a:spcPct val="90000"/>
+              </a:lnSpc>
               <a:spcBef>
-                <a:spcPct val="20000"/>
+                <a:spcPts val="500"/>
               </a:spcBef>
               <a:buFont typeface="Arial" panose="020B0604020202020204" pitchFamily="34" charset="0"/>
               <a:buChar char="•"/>
-              <a:defRPr sz="2000" kern="1200">
+              <a:defRPr sz="1800" kern="1200">
                 <a:solidFill>
                   <a:schemeClr val="tx1"/>
                 </a:solidFill>
@@ -3355,12 +3997,15 @@
               </a:defRPr>
             </a:lvl7pPr>
             <a:lvl8pPr marL="3429000" indent="-228600" algn="l" defTabSz="914400" rtl="0" eaLnBrk="1" latinLnBrk="0" hangingPunct="1">
+              <a:lnSpc>
+                <a:spcPct val="90000"/>
+              </a:lnSpc>
               <a:spcBef>
-                <a:spcPct val="20000"/>
+                <a:spcPts val="500"/>
               </a:spcBef>
               <a:buFont typeface="Arial" panose="020B0604020202020204" pitchFamily="34" charset="0"/>
               <a:buChar char="•"/>
-              <a:defRPr sz="2000" kern="1200">
+              <a:defRPr sz="1800" kern="1200">
                 <a:solidFill>
                   <a:schemeClr val="tx1"/>
                 </a:solidFill>
@@ -3370,12 +4015,15 @@
               </a:defRPr>
             </a:lvl8pPr>
             <a:lvl9pPr marL="3886200" indent="-228600" algn="l" defTabSz="914400" rtl="0" eaLnBrk="1" latinLnBrk="0" hangingPunct="1">
+              <a:lnSpc>
+                <a:spcPct val="90000"/>
+              </a:lnSpc>
               <a:spcBef>
-                <a:spcPct val="20000"/>
+                <a:spcPts val="500"/>
               </a:spcBef>
               <a:buFont typeface="Arial" panose="020B0604020202020204" pitchFamily="34" charset="0"/>
               <a:buChar char="•"/>
-              <a:defRPr sz="2000" kern="1200">
+              <a:defRPr sz="1800" kern="1200">
                 <a:solidFill>
                   <a:schemeClr val="tx1"/>
                 </a:solidFill>
@@ -3386,99 +4034,18 @@
             </a:lvl9pPr>
           </a:lstStyle>
           <a:p>
-            <a:pPr marL="0" indent="0">
-              <a:buFont typeface="Arial" panose="020B0604020202020204" pitchFamily="34" charset="0"/>
-              <a:buNone/>
-            </a:pPr>
-            <a:r>
-              <a:rPr lang="en-US" sz="2400" u="sng" dirty="0" err="1" smtClean="0"/>
-              <a:t>Theano</a:t>
-            </a:r>
-            <a:r>
-              <a:rPr lang="en-US" sz="2400" u="sng" dirty="0" smtClean="0"/>
-              <a:t> </a:t>
-            </a:r>
-            <a:r>
-              <a:rPr lang="en-US" sz="2400" u="sng" dirty="0" err="1" smtClean="0"/>
-              <a:t>LeNet</a:t>
-            </a:r>
-            <a:endParaRPr lang="en-US" sz="2400" u="sng" dirty="0"/>
-          </a:p>
-          <a:p>
-            <a:r>
-              <a:rPr lang="en-US" sz="2400" dirty="0" smtClean="0"/>
-              <a:t>MNIST data set</a:t>
-            </a:r>
-          </a:p>
-          <a:p>
-            <a:r>
-              <a:rPr lang="en-US" sz="2400" dirty="0" smtClean="0"/>
-              <a:t>Accuracy</a:t>
-            </a:r>
-          </a:p>
-          <a:p>
-            <a:pPr lvl="1"/>
             <a:r>
               <a:rPr lang="en-US" sz="2000" dirty="0" smtClean="0"/>
-              <a:t>0.92% on tutorial</a:t>
-            </a:r>
-          </a:p>
-          <a:p>
-            <a:pPr lvl="1"/>
-            <a:r>
-              <a:rPr lang="en-US" sz="2000" dirty="0" smtClean="0"/>
-              <a:t>0.92% </a:t>
-            </a:r>
-            <a:r>
-              <a:rPr lang="en-US" sz="2000" dirty="0"/>
-              <a:t>on </a:t>
-            </a:r>
-            <a:r>
-              <a:rPr lang="en-US" sz="2000" dirty="0" smtClean="0"/>
-              <a:t>my setup</a:t>
-            </a:r>
-          </a:p>
-          <a:p>
-            <a:r>
-              <a:rPr lang="en-US" sz="2400" dirty="0"/>
-              <a:t>S</a:t>
-            </a:r>
-            <a:r>
-              <a:rPr lang="en-US" sz="2400" dirty="0" smtClean="0"/>
-              <a:t>peed</a:t>
-            </a:r>
-          </a:p>
-          <a:p>
-            <a:pPr lvl="1"/>
-            <a:r>
-              <a:rPr lang="en-US" sz="2000" dirty="0" smtClean="0"/>
-              <a:t>380.28m tutorial</a:t>
+              <a:t>Separate Model for Each Case</a:t>
             </a:r>
             <a:endParaRPr lang="en-US" sz="2000" dirty="0"/>
-          </a:p>
-          <a:p>
-            <a:pPr lvl="1"/>
-            <a:r>
-              <a:rPr lang="en-US" sz="2000" dirty="0" smtClean="0"/>
-              <a:t>552m on my setup</a:t>
-            </a:r>
-          </a:p>
-          <a:p>
-            <a:pPr marL="0" indent="0">
-              <a:buFont typeface="Arial" panose="020B0604020202020204" pitchFamily="34" charset="0"/>
-              <a:buNone/>
-            </a:pPr>
-            <a:endParaRPr lang="en-US" sz="2400" dirty="0" smtClean="0"/>
-          </a:p>
-          <a:p>
-            <a:endParaRPr lang="en-US" sz="2400" dirty="0"/>
           </a:p>
         </p:txBody>
       </p:sp>
     </p:spTree>
     <p:extLst>
       <p:ext uri="{BB962C8B-B14F-4D97-AF65-F5344CB8AC3E}">
-        <p14:creationId xmlns:p14="http://schemas.microsoft.com/office/powerpoint/2010/main" val="1526007887"/>
+        <p14:creationId xmlns:p14="http://schemas.microsoft.com/office/powerpoint/2010/main" val="2260421532"/>
       </p:ext>
     </p:extLst>
   </p:cSld>
@@ -3529,99 +4096,373 @@
           <a:p>
             <a:r>
               <a:rPr lang="en-US" dirty="0" smtClean="0"/>
-              <a:t>Results AUC</a:t>
+              <a:t>Performance</a:t>
             </a:r>
             <a:endParaRPr lang="en-US" dirty="0"/>
           </a:p>
         </p:txBody>
       </p:sp>
-      <p:pic>
-        <p:nvPicPr>
-          <p:cNvPr id="1028" name="Picture 4" descr="http://www.imtech.res.in/raghava/mhcbench/roc.gif"/>
-          <p:cNvPicPr>
-            <a:picLocks noChangeAspect="1" noChangeArrowheads="1"/>
-          </p:cNvPicPr>
+      <p:sp>
+        <p:nvSpPr>
+          <p:cNvPr id="3" name="Content Placeholder 2"/>
+          <p:cNvSpPr>
+            <a:spLocks noGrp="1"/>
+          </p:cNvSpPr>
+          <p:nvPr>
+            <p:ph idx="1"/>
+          </p:nvPr>
+        </p:nvSpPr>
+        <p:spPr>
+          <a:xfrm>
+            <a:off x="457200" y="1600200"/>
+            <a:ext cx="3962400" cy="4525963"/>
+          </a:xfrm>
+        </p:spPr>
+        <p:txBody>
+          <a:bodyPr>
+            <a:normAutofit fontScale="85000" lnSpcReduction="20000"/>
+          </a:bodyPr>
+          <a:lstStyle/>
+          <a:p>
+            <a:pPr marL="0" indent="0">
+              <a:buNone/>
+            </a:pPr>
+            <a:r>
+              <a:rPr lang="en-US" u="sng" dirty="0" smtClean="0"/>
+              <a:t>Amazon EC2 AWS g2.2xlarge </a:t>
+            </a:r>
+          </a:p>
+          <a:p>
+            <a:r>
+              <a:rPr lang="en-US" sz="3100" dirty="0" smtClean="0"/>
+              <a:t>Ubuntu 12.04.4 LTS x86_64</a:t>
+            </a:r>
+          </a:p>
+          <a:p>
+            <a:r>
+              <a:rPr lang="en-US" sz="3100" dirty="0" smtClean="0"/>
+              <a:t>NVIDIA Kepler GK 104 GPU</a:t>
+            </a:r>
+            <a:endParaRPr lang="en-US" sz="3100" dirty="0"/>
+          </a:p>
+          <a:p>
+            <a:r>
+              <a:rPr lang="en-US" sz="3100" dirty="0" smtClean="0"/>
+              <a:t>26 ECUs</a:t>
+            </a:r>
+          </a:p>
+          <a:p>
+            <a:r>
+              <a:rPr lang="en-US" sz="3100" dirty="0" smtClean="0"/>
+              <a:t>8 </a:t>
+            </a:r>
+            <a:r>
+              <a:rPr lang="en-US" sz="3100" dirty="0" err="1" smtClean="0"/>
+              <a:t>vCPUs</a:t>
+            </a:r>
+            <a:endParaRPr lang="en-US" sz="3100" dirty="0" smtClean="0"/>
+          </a:p>
+          <a:p>
+            <a:r>
+              <a:rPr lang="en-US" sz="3100" dirty="0" smtClean="0"/>
+              <a:t>2.6 GHz</a:t>
+            </a:r>
+          </a:p>
+          <a:p>
+            <a:r>
+              <a:rPr lang="en-US" sz="3100" dirty="0" smtClean="0"/>
+              <a:t>Intel Xeon E5-2670</a:t>
+            </a:r>
+          </a:p>
+          <a:p>
+            <a:r>
+              <a:rPr lang="en-US" sz="3100" dirty="0" smtClean="0"/>
+              <a:t>15 </a:t>
+            </a:r>
+            <a:r>
+              <a:rPr lang="en-US" sz="3100" dirty="0" err="1" smtClean="0"/>
+              <a:t>GiB</a:t>
+            </a:r>
+            <a:r>
+              <a:rPr lang="en-US" sz="3100" dirty="0" smtClean="0"/>
+              <a:t> memory</a:t>
+            </a:r>
+          </a:p>
+          <a:p>
+            <a:r>
+              <a:rPr lang="en-US" sz="3100" dirty="0" smtClean="0"/>
+              <a:t>1 x 60 </a:t>
+            </a:r>
+            <a:r>
+              <a:rPr lang="en-US" sz="3100" dirty="0" err="1" smtClean="0"/>
+              <a:t>GiB</a:t>
+            </a:r>
+            <a:r>
+              <a:rPr lang="en-US" sz="3100" dirty="0" smtClean="0"/>
+              <a:t> Storage Capacity</a:t>
+            </a:r>
+          </a:p>
+          <a:p>
+            <a:pPr lvl="2"/>
+            <a:endParaRPr lang="en-US" dirty="0" smtClean="0"/>
+          </a:p>
+          <a:p>
+            <a:endParaRPr lang="en-US" dirty="0"/>
+          </a:p>
+        </p:txBody>
+      </p:sp>
+      <p:sp>
+        <p:nvSpPr>
+          <p:cNvPr id="4" name="Content Placeholder 2"/>
+          <p:cNvSpPr txBox="1">
+            <a:spLocks/>
+          </p:cNvSpPr>
           <p:nvPr/>
-        </p:nvPicPr>
-        <p:blipFill>
-          <a:blip r:embed="rId2">
-            <a:extLst>
-              <a:ext uri="{28A0092B-C50C-407E-A947-70E740481C1C}">
-                <a14:useLocalDpi xmlns:a14="http://schemas.microsoft.com/office/drawing/2010/main" val="0"/>
-              </a:ext>
-            </a:extLst>
-          </a:blip>
-          <a:srcRect/>
-          <a:stretch>
-            <a:fillRect/>
-          </a:stretch>
-        </p:blipFill>
-        <p:spPr bwMode="auto">
+        </p:nvSpPr>
+        <p:spPr>
           <a:xfrm>
-            <a:off x="609600" y="2667000"/>
-            <a:ext cx="3743325" cy="2838450"/>
+            <a:off x="4648200" y="1524000"/>
+            <a:ext cx="3733800" cy="4525963"/>
           </a:xfrm>
           <a:prstGeom prst="rect">
             <a:avLst/>
           </a:prstGeom>
-          <a:noFill/>
-          <a:extLst>
-            <a:ext uri="{909E8E84-426E-40DD-AFC4-6F175D3DCCD1}">
-              <a14:hiddenFill xmlns:a14="http://schemas.microsoft.com/office/drawing/2010/main">
-                <a:solidFill>
-                  <a:srgbClr val="FFFFFF"/>
-                </a:solidFill>
-              </a14:hiddenFill>
-            </a:ext>
-          </a:extLst>
         </p:spPr>
-      </p:pic>
-      <p:sp>
-        <p:nvSpPr>
-          <p:cNvPr id="3" name="TextBox 2"/>
-          <p:cNvSpPr txBox="1"/>
-          <p:nvPr/>
-        </p:nvSpPr>
-        <p:spPr>
-          <a:xfrm>
-            <a:off x="4282056" y="2297668"/>
-            <a:ext cx="3772123" cy="923330"/>
-          </a:xfrm>
-          <a:prstGeom prst="rect">
-            <a:avLst/>
-          </a:prstGeom>
-          <a:noFill/>
-        </p:spPr>
-        <p:txBody>
-          <a:bodyPr wrap="none" rtlCol="0">
-            <a:spAutoFit/>
+        <p:txBody>
+          <a:bodyPr vert="horz" lIns="91440" tIns="45720" rIns="91440" bIns="45720" rtlCol="0">
+            <a:normAutofit/>
           </a:bodyPr>
-          <a:lstStyle/>
-          <a:p>
-            <a:r>
-              <a:rPr lang="en-US" dirty="0" smtClean="0"/>
-              <a:t>Actual Test Data is held at Kaggle.com</a:t>
-            </a:r>
-          </a:p>
-          <a:p>
-            <a:r>
-              <a:rPr lang="en-US" dirty="0" smtClean="0"/>
-              <a:t>Results are blind</a:t>
-            </a:r>
-          </a:p>
-          <a:p>
-            <a:r>
-              <a:rPr lang="en-US" dirty="0" smtClean="0"/>
-              <a:t>Results are aggregated across all cases</a:t>
-            </a:r>
-            <a:endParaRPr lang="en-US" dirty="0"/>
+          <a:lstStyle>
+            <a:lvl1pPr marL="342900" indent="-342900" algn="l" defTabSz="914400" rtl="0" eaLnBrk="1" latinLnBrk="0" hangingPunct="1">
+              <a:spcBef>
+                <a:spcPct val="20000"/>
+              </a:spcBef>
+              <a:buFont typeface="Arial" panose="020B0604020202020204" pitchFamily="34" charset="0"/>
+              <a:buChar char="•"/>
+              <a:defRPr sz="3200" kern="1200">
+                <a:solidFill>
+                  <a:schemeClr val="tx1"/>
+                </a:solidFill>
+                <a:latin typeface="+mn-lt"/>
+                <a:ea typeface="+mn-ea"/>
+                <a:cs typeface="+mn-cs"/>
+              </a:defRPr>
+            </a:lvl1pPr>
+            <a:lvl2pPr marL="742950" indent="-285750" algn="l" defTabSz="914400" rtl="0" eaLnBrk="1" latinLnBrk="0" hangingPunct="1">
+              <a:spcBef>
+                <a:spcPct val="20000"/>
+              </a:spcBef>
+              <a:buFont typeface="Arial" panose="020B0604020202020204" pitchFamily="34" charset="0"/>
+              <a:buChar char="–"/>
+              <a:defRPr sz="2800" kern="1200">
+                <a:solidFill>
+                  <a:schemeClr val="tx1"/>
+                </a:solidFill>
+                <a:latin typeface="+mn-lt"/>
+                <a:ea typeface="+mn-ea"/>
+                <a:cs typeface="+mn-cs"/>
+              </a:defRPr>
+            </a:lvl2pPr>
+            <a:lvl3pPr marL="1143000" indent="-228600" algn="l" defTabSz="914400" rtl="0" eaLnBrk="1" latinLnBrk="0" hangingPunct="1">
+              <a:spcBef>
+                <a:spcPct val="20000"/>
+              </a:spcBef>
+              <a:buFont typeface="Arial" panose="020B0604020202020204" pitchFamily="34" charset="0"/>
+              <a:buChar char="•"/>
+              <a:defRPr sz="2400" kern="1200">
+                <a:solidFill>
+                  <a:schemeClr val="tx1"/>
+                </a:solidFill>
+                <a:latin typeface="+mn-lt"/>
+                <a:ea typeface="+mn-ea"/>
+                <a:cs typeface="+mn-cs"/>
+              </a:defRPr>
+            </a:lvl3pPr>
+            <a:lvl4pPr marL="1600200" indent="-228600" algn="l" defTabSz="914400" rtl="0" eaLnBrk="1" latinLnBrk="0" hangingPunct="1">
+              <a:spcBef>
+                <a:spcPct val="20000"/>
+              </a:spcBef>
+              <a:buFont typeface="Arial" panose="020B0604020202020204" pitchFamily="34" charset="0"/>
+              <a:buChar char="–"/>
+              <a:defRPr sz="2000" kern="1200">
+                <a:solidFill>
+                  <a:schemeClr val="tx1"/>
+                </a:solidFill>
+                <a:latin typeface="+mn-lt"/>
+                <a:ea typeface="+mn-ea"/>
+                <a:cs typeface="+mn-cs"/>
+              </a:defRPr>
+            </a:lvl4pPr>
+            <a:lvl5pPr marL="2057400" indent="-228600" algn="l" defTabSz="914400" rtl="0" eaLnBrk="1" latinLnBrk="0" hangingPunct="1">
+              <a:spcBef>
+                <a:spcPct val="20000"/>
+              </a:spcBef>
+              <a:buFont typeface="Arial" panose="020B0604020202020204" pitchFamily="34" charset="0"/>
+              <a:buChar char="»"/>
+              <a:defRPr sz="2000" kern="1200">
+                <a:solidFill>
+                  <a:schemeClr val="tx1"/>
+                </a:solidFill>
+                <a:latin typeface="+mn-lt"/>
+                <a:ea typeface="+mn-ea"/>
+                <a:cs typeface="+mn-cs"/>
+              </a:defRPr>
+            </a:lvl5pPr>
+            <a:lvl6pPr marL="2514600" indent="-228600" algn="l" defTabSz="914400" rtl="0" eaLnBrk="1" latinLnBrk="0" hangingPunct="1">
+              <a:spcBef>
+                <a:spcPct val="20000"/>
+              </a:spcBef>
+              <a:buFont typeface="Arial" panose="020B0604020202020204" pitchFamily="34" charset="0"/>
+              <a:buChar char="•"/>
+              <a:defRPr sz="2000" kern="1200">
+                <a:solidFill>
+                  <a:schemeClr val="tx1"/>
+                </a:solidFill>
+                <a:latin typeface="+mn-lt"/>
+                <a:ea typeface="+mn-ea"/>
+                <a:cs typeface="+mn-cs"/>
+              </a:defRPr>
+            </a:lvl6pPr>
+            <a:lvl7pPr marL="2971800" indent="-228600" algn="l" defTabSz="914400" rtl="0" eaLnBrk="1" latinLnBrk="0" hangingPunct="1">
+              <a:spcBef>
+                <a:spcPct val="20000"/>
+              </a:spcBef>
+              <a:buFont typeface="Arial" panose="020B0604020202020204" pitchFamily="34" charset="0"/>
+              <a:buChar char="•"/>
+              <a:defRPr sz="2000" kern="1200">
+                <a:solidFill>
+                  <a:schemeClr val="tx1"/>
+                </a:solidFill>
+                <a:latin typeface="+mn-lt"/>
+                <a:ea typeface="+mn-ea"/>
+                <a:cs typeface="+mn-cs"/>
+              </a:defRPr>
+            </a:lvl7pPr>
+            <a:lvl8pPr marL="3429000" indent="-228600" algn="l" defTabSz="914400" rtl="0" eaLnBrk="1" latinLnBrk="0" hangingPunct="1">
+              <a:spcBef>
+                <a:spcPct val="20000"/>
+              </a:spcBef>
+              <a:buFont typeface="Arial" panose="020B0604020202020204" pitchFamily="34" charset="0"/>
+              <a:buChar char="•"/>
+              <a:defRPr sz="2000" kern="1200">
+                <a:solidFill>
+                  <a:schemeClr val="tx1"/>
+                </a:solidFill>
+                <a:latin typeface="+mn-lt"/>
+                <a:ea typeface="+mn-ea"/>
+                <a:cs typeface="+mn-cs"/>
+              </a:defRPr>
+            </a:lvl8pPr>
+            <a:lvl9pPr marL="3886200" indent="-228600" algn="l" defTabSz="914400" rtl="0" eaLnBrk="1" latinLnBrk="0" hangingPunct="1">
+              <a:spcBef>
+                <a:spcPct val="20000"/>
+              </a:spcBef>
+              <a:buFont typeface="Arial" panose="020B0604020202020204" pitchFamily="34" charset="0"/>
+              <a:buChar char="•"/>
+              <a:defRPr sz="2000" kern="1200">
+                <a:solidFill>
+                  <a:schemeClr val="tx1"/>
+                </a:solidFill>
+                <a:latin typeface="+mn-lt"/>
+                <a:ea typeface="+mn-ea"/>
+                <a:cs typeface="+mn-cs"/>
+              </a:defRPr>
+            </a:lvl9pPr>
+          </a:lstStyle>
+          <a:p>
+            <a:pPr marL="0" indent="0">
+              <a:buFont typeface="Arial" panose="020B0604020202020204" pitchFamily="34" charset="0"/>
+              <a:buNone/>
+            </a:pPr>
+            <a:r>
+              <a:rPr lang="en-US" sz="2400" u="sng" dirty="0" err="1" smtClean="0"/>
+              <a:t>Theano</a:t>
+            </a:r>
+            <a:r>
+              <a:rPr lang="en-US" sz="2400" u="sng" dirty="0" smtClean="0"/>
+              <a:t> </a:t>
+            </a:r>
+            <a:r>
+              <a:rPr lang="en-US" sz="2400" u="sng" dirty="0" err="1" smtClean="0"/>
+              <a:t>LeNet</a:t>
+            </a:r>
+            <a:endParaRPr lang="en-US" sz="2400" u="sng" dirty="0"/>
+          </a:p>
+          <a:p>
+            <a:r>
+              <a:rPr lang="en-US" sz="2400" dirty="0" smtClean="0"/>
+              <a:t>MNIST data set</a:t>
+            </a:r>
+          </a:p>
+          <a:p>
+            <a:r>
+              <a:rPr lang="en-US" sz="2400" dirty="0" smtClean="0"/>
+              <a:t>Accuracy</a:t>
+            </a:r>
+          </a:p>
+          <a:p>
+            <a:pPr lvl="1"/>
+            <a:r>
+              <a:rPr lang="en-US" sz="2000" dirty="0" smtClean="0"/>
+              <a:t>0.92% on tutorial</a:t>
+            </a:r>
+          </a:p>
+          <a:p>
+            <a:pPr lvl="1"/>
+            <a:r>
+              <a:rPr lang="en-US" sz="2000" dirty="0" smtClean="0"/>
+              <a:t>0.92% </a:t>
+            </a:r>
+            <a:r>
+              <a:rPr lang="en-US" sz="2000" dirty="0"/>
+              <a:t>on </a:t>
+            </a:r>
+            <a:r>
+              <a:rPr lang="en-US" sz="2000" dirty="0" smtClean="0"/>
+              <a:t>my setup</a:t>
+            </a:r>
+          </a:p>
+          <a:p>
+            <a:r>
+              <a:rPr lang="en-US" sz="2400" dirty="0"/>
+              <a:t>S</a:t>
+            </a:r>
+            <a:r>
+              <a:rPr lang="en-US" sz="2400" dirty="0" smtClean="0"/>
+              <a:t>peed</a:t>
+            </a:r>
+          </a:p>
+          <a:p>
+            <a:pPr lvl="1"/>
+            <a:r>
+              <a:rPr lang="en-US" sz="2000" dirty="0" smtClean="0"/>
+              <a:t>380.28m tutorial</a:t>
+            </a:r>
+            <a:endParaRPr lang="en-US" sz="2000" dirty="0"/>
+          </a:p>
+          <a:p>
+            <a:pPr lvl="1"/>
+            <a:r>
+              <a:rPr lang="en-US" sz="2000" dirty="0" smtClean="0"/>
+              <a:t>552m on my setup</a:t>
+            </a:r>
+          </a:p>
+          <a:p>
+            <a:pPr marL="0" indent="0">
+              <a:buFont typeface="Arial" panose="020B0604020202020204" pitchFamily="34" charset="0"/>
+              <a:buNone/>
+            </a:pPr>
+            <a:endParaRPr lang="en-US" sz="2400" dirty="0" smtClean="0"/>
+          </a:p>
+          <a:p>
+            <a:endParaRPr lang="en-US" sz="2400" dirty="0"/>
           </a:p>
         </p:txBody>
       </p:sp>
     </p:spTree>
     <p:extLst>
       <p:ext uri="{BB962C8B-B14F-4D97-AF65-F5344CB8AC3E}">
-        <p14:creationId xmlns:p14="http://schemas.microsoft.com/office/powerpoint/2010/main" val="1584073386"/>
+        <p14:creationId xmlns:p14="http://schemas.microsoft.com/office/powerpoint/2010/main" val="1526007887"/>
       </p:ext>
     </p:extLst>
   </p:cSld>
@@ -3672,6 +4513,277 @@
           <a:p>
             <a:r>
               <a:rPr lang="en-US" dirty="0" smtClean="0"/>
+              <a:t>Results AUC</a:t>
+            </a:r>
+            <a:endParaRPr lang="en-US" dirty="0"/>
+          </a:p>
+        </p:txBody>
+      </p:sp>
+      <p:pic>
+        <p:nvPicPr>
+          <p:cNvPr id="1028" name="Picture 4" descr="http://www.imtech.res.in/raghava/mhcbench/roc.gif"/>
+          <p:cNvPicPr>
+            <a:picLocks noChangeAspect="1" noChangeArrowheads="1"/>
+          </p:cNvPicPr>
+          <p:nvPr/>
+        </p:nvPicPr>
+        <p:blipFill>
+          <a:blip r:embed="rId2">
+            <a:extLst>
+              <a:ext uri="{28A0092B-C50C-407E-A947-70E740481C1C}">
+                <a14:useLocalDpi xmlns:a14="http://schemas.microsoft.com/office/drawing/2010/main" val="0"/>
+              </a:ext>
+            </a:extLst>
+          </a:blip>
+          <a:srcRect/>
+          <a:stretch>
+            <a:fillRect/>
+          </a:stretch>
+        </p:blipFill>
+        <p:spPr bwMode="auto">
+          <a:xfrm>
+            <a:off x="609600" y="2343150"/>
+            <a:ext cx="3743325" cy="2838450"/>
+          </a:xfrm>
+          <a:prstGeom prst="rect">
+            <a:avLst/>
+          </a:prstGeom>
+          <a:noFill/>
+          <a:extLst>
+            <a:ext uri="{909E8E84-426E-40DD-AFC4-6F175D3DCCD1}">
+              <a14:hiddenFill xmlns:a14="http://schemas.microsoft.com/office/drawing/2010/main">
+                <a:solidFill>
+                  <a:srgbClr val="FFFFFF"/>
+                </a:solidFill>
+              </a14:hiddenFill>
+            </a:ext>
+          </a:extLst>
+        </p:spPr>
+      </p:pic>
+      <p:sp>
+        <p:nvSpPr>
+          <p:cNvPr id="3" name="TextBox 2"/>
+          <p:cNvSpPr txBox="1"/>
+          <p:nvPr/>
+        </p:nvSpPr>
+        <p:spPr>
+          <a:xfrm>
+            <a:off x="4282056" y="2297668"/>
+            <a:ext cx="3869906" cy="923330"/>
+          </a:xfrm>
+          <a:prstGeom prst="rect">
+            <a:avLst/>
+          </a:prstGeom>
+          <a:noFill/>
+        </p:spPr>
+        <p:txBody>
+          <a:bodyPr wrap="none" rtlCol="0">
+            <a:spAutoFit/>
+          </a:bodyPr>
+          <a:lstStyle/>
+          <a:p>
+            <a:r>
+              <a:rPr lang="en-US" dirty="0" smtClean="0"/>
+              <a:t>Actual Test Data is held at Kaggle.com</a:t>
+            </a:r>
+          </a:p>
+          <a:p>
+            <a:r>
+              <a:rPr lang="en-US" dirty="0" smtClean="0"/>
+              <a:t>Results are blind</a:t>
+            </a:r>
+          </a:p>
+          <a:p>
+            <a:r>
+              <a:rPr lang="en-US" dirty="0" smtClean="0"/>
+              <a:t>Results are aggregated across all </a:t>
+            </a:r>
+            <a:r>
+              <a:rPr lang="en-US" dirty="0" err="1" smtClean="0"/>
+              <a:t>casesc</a:t>
+            </a:r>
+            <a:endParaRPr lang="en-US" dirty="0"/>
+          </a:p>
+        </p:txBody>
+      </p:sp>
+      <p:sp>
+        <p:nvSpPr>
+          <p:cNvPr id="5" name="TextBox 4"/>
+          <p:cNvSpPr txBox="1"/>
+          <p:nvPr/>
+        </p:nvSpPr>
+        <p:spPr>
+          <a:xfrm>
+            <a:off x="4324349" y="3592115"/>
+            <a:ext cx="1826397" cy="369332"/>
+          </a:xfrm>
+          <a:prstGeom prst="rect">
+            <a:avLst/>
+          </a:prstGeom>
+          <a:noFill/>
+        </p:spPr>
+        <p:txBody>
+          <a:bodyPr wrap="none" rtlCol="0">
+            <a:spAutoFit/>
+          </a:bodyPr>
+          <a:lstStyle/>
+          <a:p>
+            <a:r>
+              <a:rPr lang="en-US" dirty="0" smtClean="0"/>
+              <a:t>AUC = TP/(TP+FP)</a:t>
+            </a:r>
+            <a:endParaRPr lang="en-US" dirty="0"/>
+          </a:p>
+        </p:txBody>
+      </p:sp>
+      <p:sp>
+        <p:nvSpPr>
+          <p:cNvPr id="4" name="TextBox 3"/>
+          <p:cNvSpPr txBox="1"/>
+          <p:nvPr/>
+        </p:nvSpPr>
+        <p:spPr>
+          <a:xfrm rot="16200000">
+            <a:off x="447639" y="2828961"/>
+            <a:ext cx="433132" cy="261610"/>
+          </a:xfrm>
+          <a:prstGeom prst="rect">
+            <a:avLst/>
+          </a:prstGeom>
+          <a:noFill/>
+        </p:spPr>
+        <p:txBody>
+          <a:bodyPr wrap="none" rtlCol="0">
+            <a:spAutoFit/>
+          </a:bodyPr>
+          <a:lstStyle/>
+          <a:p>
+            <a:r>
+              <a:rPr lang="en-US" sz="1100" b="1" dirty="0" smtClean="0"/>
+              <a:t>TP%</a:t>
+            </a:r>
+            <a:endParaRPr lang="en-US" sz="1100" b="1" dirty="0"/>
+          </a:p>
+        </p:txBody>
+      </p:sp>
+      <p:sp>
+        <p:nvSpPr>
+          <p:cNvPr id="7" name="TextBox 6"/>
+          <p:cNvSpPr txBox="1"/>
+          <p:nvPr/>
+        </p:nvSpPr>
+        <p:spPr>
+          <a:xfrm>
+            <a:off x="1600200" y="4996190"/>
+            <a:ext cx="426720" cy="261610"/>
+          </a:xfrm>
+          <a:prstGeom prst="rect">
+            <a:avLst/>
+          </a:prstGeom>
+          <a:noFill/>
+        </p:spPr>
+        <p:txBody>
+          <a:bodyPr wrap="none" rtlCol="0">
+            <a:spAutoFit/>
+          </a:bodyPr>
+          <a:lstStyle/>
+          <a:p>
+            <a:r>
+              <a:rPr lang="en-US" sz="1100" b="1" dirty="0"/>
+              <a:t>F</a:t>
+            </a:r>
+            <a:r>
+              <a:rPr lang="en-US" sz="1100" b="1" dirty="0" smtClean="0"/>
+              <a:t>P%</a:t>
+            </a:r>
+            <a:endParaRPr lang="en-US" sz="1100" b="1" dirty="0"/>
+          </a:p>
+        </p:txBody>
+      </p:sp>
+      <p:sp>
+        <p:nvSpPr>
+          <p:cNvPr id="8" name="TextBox 7"/>
+          <p:cNvSpPr txBox="1"/>
+          <p:nvPr/>
+        </p:nvSpPr>
+        <p:spPr>
+          <a:xfrm>
+            <a:off x="4343400" y="4202668"/>
+            <a:ext cx="2454390" cy="369332"/>
+          </a:xfrm>
+          <a:prstGeom prst="rect">
+            <a:avLst/>
+          </a:prstGeom>
+          <a:noFill/>
+        </p:spPr>
+        <p:txBody>
+          <a:bodyPr wrap="none" rtlCol="0">
+            <a:spAutoFit/>
+          </a:bodyPr>
+          <a:lstStyle/>
+          <a:p>
+            <a:r>
+              <a:rPr lang="en-US" dirty="0" smtClean="0"/>
+              <a:t>Actual Result not shown</a:t>
+            </a:r>
+            <a:endParaRPr lang="en-US" dirty="0"/>
+          </a:p>
+        </p:txBody>
+      </p:sp>
+    </p:spTree>
+    <p:extLst>
+      <p:ext uri="{BB962C8B-B14F-4D97-AF65-F5344CB8AC3E}">
+        <p14:creationId xmlns:p14="http://schemas.microsoft.com/office/powerpoint/2010/main" val="1584073386"/>
+      </p:ext>
+    </p:extLst>
+  </p:cSld>
+  <p:clrMapOvr>
+    <a:masterClrMapping/>
+  </p:clrMapOvr>
+  <p:timing>
+    <p:tnLst>
+      <p:par>
+        <p:cTn id="1" dur="indefinite" restart="never" nodeType="tmRoot"/>
+      </p:par>
+    </p:tnLst>
+  </p:timing>
+</p:sld>
+</file>
+
+<file path=ppt/slides/slide13.xml><?xml version="1.0" encoding="utf-8"?>
+<p:sld xmlns:a="http://schemas.openxmlformats.org/drawingml/2006/main" xmlns:r="http://schemas.openxmlformats.org/officeDocument/2006/relationships" xmlns:p="http://schemas.openxmlformats.org/presentationml/2006/main">
+  <p:cSld>
+    <p:spTree>
+      <p:nvGrpSpPr>
+        <p:cNvPr id="1" name=""/>
+        <p:cNvGrpSpPr/>
+        <p:nvPr/>
+      </p:nvGrpSpPr>
+      <p:grpSpPr>
+        <a:xfrm>
+          <a:off x="0" y="0"/>
+          <a:ext cx="0" cy="0"/>
+          <a:chOff x="0" y="0"/>
+          <a:chExt cx="0" cy="0"/>
+        </a:xfrm>
+      </p:grpSpPr>
+      <p:sp>
+        <p:nvSpPr>
+          <p:cNvPr id="2" name="Title 1"/>
+          <p:cNvSpPr>
+            <a:spLocks noGrp="1"/>
+          </p:cNvSpPr>
+          <p:nvPr>
+            <p:ph type="title"/>
+          </p:nvPr>
+        </p:nvSpPr>
+        <p:spPr/>
+        <p:txBody>
+          <a:bodyPr/>
+          <a:lstStyle/>
+          <a:p>
+            <a:r>
+              <a:rPr lang="en-US" dirty="0" smtClean="0"/>
               <a:t>Issues | Opportunities</a:t>
             </a:r>
             <a:endParaRPr lang="en-US" dirty="0"/>
@@ -3799,6 +4911,13 @@
   <p:clrMapOvr>
     <a:masterClrMapping/>
   </p:clrMapOvr>
+  <p:timing>
+    <p:tnLst>
+      <p:par>
+        <p:cTn id="1" dur="indefinite" restart="never" nodeType="tmRoot"/>
+      </p:par>
+    </p:tnLst>
+  </p:timing>
 </p:sld>
 </file>
 
@@ -3999,6 +5118,13 @@
   <p:clrMapOvr>
     <a:masterClrMapping/>
   </p:clrMapOvr>
+  <p:timing>
+    <p:tnLst>
+      <p:par>
+        <p:cTn id="1" dur="indefinite" restart="never" nodeType="tmRoot"/>
+      </p:par>
+    </p:tnLst>
+  </p:timing>
 </p:sld>
 </file>
 
@@ -4266,6 +5392,13 @@
   <p:clrMapOvr>
     <a:masterClrMapping/>
   </p:clrMapOvr>
+  <p:timing>
+    <p:tnLst>
+      <p:par>
+        <p:cTn id="1" dur="indefinite" restart="never" nodeType="tmRoot"/>
+      </p:par>
+    </p:tnLst>
+  </p:timing>
 </p:sld>
 </file>
 
@@ -5436,11 +6569,7 @@
           <a:p>
             <a:r>
               <a:rPr lang="en-US" dirty="0" smtClean="0"/>
-              <a:t>Down sampled </a:t>
-            </a:r>
-            <a:r>
-              <a:rPr lang="en-US" dirty="0" smtClean="0"/>
-              <a:t>to </a:t>
+              <a:t>Down sampled to </a:t>
             </a:r>
             <a:r>
               <a:rPr lang="en-US" dirty="0" smtClean="0">
@@ -5454,11 +6583,7 @@
           <a:p>
             <a:r>
               <a:rPr lang="en-US" dirty="0" smtClean="0"/>
-              <a:t>Features extracted with </a:t>
-            </a:r>
-            <a:r>
-              <a:rPr lang="en-US" dirty="0" smtClean="0"/>
-              <a:t>Julia</a:t>
+              <a:t>Features extracted with Julia</a:t>
             </a:r>
             <a:endParaRPr lang="en-US" dirty="0"/>
           </a:p>
@@ -5476,11 +6601,6 @@
               </a:rPr>
               <a:t>csv</a:t>
             </a:r>
-            <a:endParaRPr lang="en-US" dirty="0" smtClean="0">
-              <a:solidFill>
-                <a:srgbClr val="00B0F0"/>
-              </a:solidFill>
-            </a:endParaRPr>
           </a:p>
         </p:txBody>
       </p:sp>
@@ -5586,14 +6706,6 @@
               </a:rPr>
               <a:t>Variance</a:t>
             </a:r>
-            <a:endParaRPr lang="en-US" dirty="0" smtClean="0">
-              <a:solidFill>
-                <a:schemeClr val="tx1">
-                  <a:lumMod val="50000"/>
-                  <a:lumOff val="50000"/>
-                </a:schemeClr>
-              </a:solidFill>
-            </a:endParaRPr>
           </a:p>
           <a:p>
             <a:pPr lvl="1"/>
@@ -5636,14 +6748,6 @@
               </a:rPr>
               <a:t>Kurtosis</a:t>
             </a:r>
-            <a:endParaRPr lang="en-US" dirty="0" smtClean="0">
-              <a:solidFill>
-                <a:schemeClr val="tx1">
-                  <a:lumMod val="50000"/>
-                  <a:lumOff val="50000"/>
-                </a:schemeClr>
-              </a:solidFill>
-            </a:endParaRPr>
           </a:p>
           <a:p>
             <a:pPr lvl="1"/>
@@ -5658,14 +6762,6 @@
               </a:rPr>
               <a:t>Skew</a:t>
             </a:r>
-            <a:endParaRPr lang="en-US" dirty="0" smtClean="0">
-              <a:solidFill>
-                <a:schemeClr val="tx1">
-                  <a:lumMod val="50000"/>
-                  <a:lumOff val="50000"/>
-                </a:schemeClr>
-              </a:solidFill>
-            </a:endParaRPr>
           </a:p>
         </p:txBody>
       </p:sp>
@@ -6040,6 +7136,13 @@
   <p:clrMapOvr>
     <a:masterClrMapping/>
   </p:clrMapOvr>
+  <p:timing>
+    <p:tnLst>
+      <p:par>
+        <p:cTn id="1" dur="indefinite" restart="never" nodeType="tmRoot"/>
+      </p:par>
+    </p:tnLst>
+  </p:timing>
 </p:sld>
 </file>
 
@@ -6079,7 +7182,11 @@
           <a:p>
             <a:r>
               <a:rPr lang="en-US" sz="3200" dirty="0" smtClean="0"/>
-              <a:t>Time Variant Cross Correlation Samples</a:t>
+              <a:t>Time Variant Cross Correlation </a:t>
+            </a:r>
+            <a:r>
+              <a:rPr lang="en-US" sz="3200" dirty="0" smtClean="0"/>
+              <a:t>Samples</a:t>
             </a:r>
             <a:endParaRPr lang="en-US" sz="3200" dirty="0"/>
           </a:p>
@@ -6095,25 +7202,350 @@
             <p:ph idx="1"/>
           </p:nvPr>
         </p:nvSpPr>
-        <p:spPr/>
-        <p:txBody>
-          <a:bodyPr/>
-          <a:lstStyle/>
-          <a:p>
-            <a:endParaRPr lang="en-US" dirty="0"/>
+        <p:spPr>
+          <a:xfrm>
+            <a:off x="771525" y="4920853"/>
+            <a:ext cx="3638550" cy="538163"/>
+          </a:xfrm>
+        </p:spPr>
+        <p:txBody>
+          <a:bodyPr>
+            <a:normAutofit/>
+          </a:bodyPr>
+          <a:lstStyle/>
+          <a:p>
+            <a:pPr marL="0" indent="0">
+              <a:buNone/>
+            </a:pPr>
+            <a:r>
+              <a:rPr lang="en-US" sz="1600" dirty="0" smtClean="0"/>
+              <a:t>Dog_1 </a:t>
+            </a:r>
+            <a:r>
+              <a:rPr lang="en-US" sz="1600" dirty="0" err="1" smtClean="0"/>
+              <a:t>Interictal</a:t>
+            </a:r>
+            <a:r>
+              <a:rPr lang="en-US" sz="1600" dirty="0" smtClean="0"/>
+              <a:t> </a:t>
+            </a:r>
+            <a:r>
+              <a:rPr lang="en-US" sz="1600" dirty="0" smtClean="0"/>
+              <a:t>Segment </a:t>
+            </a:r>
+            <a:r>
+              <a:rPr lang="en-US" sz="1600" dirty="0" smtClean="0"/>
+              <a:t>123</a:t>
+            </a:r>
+            <a:endParaRPr lang="en-US" sz="1600" dirty="0"/>
+          </a:p>
+        </p:txBody>
+      </p:sp>
+      <p:pic>
+        <p:nvPicPr>
+          <p:cNvPr id="1026" name="Picture 2" descr="C:\projects\uccs.edu\cs5870\fig1b_0123.png"/>
+          <p:cNvPicPr>
+            <a:picLocks noChangeAspect="1" noChangeArrowheads="1"/>
+          </p:cNvPicPr>
+          <p:nvPr/>
+        </p:nvPicPr>
+        <p:blipFill>
+          <a:blip r:embed="rId2">
+            <a:extLst>
+              <a:ext uri="{28A0092B-C50C-407E-A947-70E740481C1C}">
+                <a14:useLocalDpi xmlns:a14="http://schemas.microsoft.com/office/drawing/2010/main" val="0"/>
+              </a:ext>
+            </a:extLst>
+          </a:blip>
+          <a:srcRect/>
+          <a:stretch>
+            <a:fillRect/>
+          </a:stretch>
+        </p:blipFill>
+        <p:spPr bwMode="auto">
+          <a:xfrm>
+            <a:off x="457200" y="1720453"/>
+            <a:ext cx="4267200" cy="3200400"/>
+          </a:xfrm>
+          <a:prstGeom prst="rect">
+            <a:avLst/>
+          </a:prstGeom>
+          <a:noFill/>
+          <a:extLst>
+            <a:ext uri="{909E8E84-426E-40DD-AFC4-6F175D3DCCD1}">
+              <a14:hiddenFill xmlns:a14="http://schemas.microsoft.com/office/drawing/2010/main">
+                <a:solidFill>
+                  <a:srgbClr val="FFFFFF"/>
+                </a:solidFill>
+              </a14:hiddenFill>
+            </a:ext>
+          </a:extLst>
+        </p:spPr>
+      </p:pic>
+      <p:pic>
+        <p:nvPicPr>
+          <p:cNvPr id="1027" name="Picture 3" descr="C:\projects\uccs.edu\cs5870\fig1a_0013.png"/>
+          <p:cNvPicPr>
+            <a:picLocks noChangeAspect="1" noChangeArrowheads="1"/>
+          </p:cNvPicPr>
+          <p:nvPr/>
+        </p:nvPicPr>
+        <p:blipFill>
+          <a:blip r:embed="rId3">
+            <a:extLst>
+              <a:ext uri="{28A0092B-C50C-407E-A947-70E740481C1C}">
+                <a14:useLocalDpi xmlns:a14="http://schemas.microsoft.com/office/drawing/2010/main" val="0"/>
+              </a:ext>
+            </a:extLst>
+          </a:blip>
+          <a:srcRect/>
+          <a:stretch>
+            <a:fillRect/>
+          </a:stretch>
+        </p:blipFill>
+        <p:spPr bwMode="auto">
+          <a:xfrm>
+            <a:off x="4495800" y="1720453"/>
+            <a:ext cx="4267200" cy="3200400"/>
+          </a:xfrm>
+          <a:prstGeom prst="rect">
+            <a:avLst/>
+          </a:prstGeom>
+          <a:noFill/>
+          <a:extLst>
+            <a:ext uri="{909E8E84-426E-40DD-AFC4-6F175D3DCCD1}">
+              <a14:hiddenFill xmlns:a14="http://schemas.microsoft.com/office/drawing/2010/main">
+                <a:solidFill>
+                  <a:srgbClr val="FFFFFF"/>
+                </a:solidFill>
+              </a14:hiddenFill>
+            </a:ext>
+          </a:extLst>
+        </p:spPr>
+      </p:pic>
+      <p:sp>
+        <p:nvSpPr>
+          <p:cNvPr id="6" name="Content Placeholder 2"/>
+          <p:cNvSpPr txBox="1">
+            <a:spLocks/>
+          </p:cNvSpPr>
+          <p:nvPr/>
+        </p:nvSpPr>
+        <p:spPr>
+          <a:xfrm>
+            <a:off x="4953000" y="4920853"/>
+            <a:ext cx="3638550" cy="538163"/>
+          </a:xfrm>
+          <a:prstGeom prst="rect">
+            <a:avLst/>
+          </a:prstGeom>
+        </p:spPr>
+        <p:txBody>
+          <a:bodyPr vert="horz" lIns="91440" tIns="45720" rIns="91440" bIns="45720" rtlCol="0">
+            <a:normAutofit/>
+          </a:bodyPr>
+          <a:lstStyle>
+            <a:lvl1pPr marL="228600" indent="-228600" algn="l" defTabSz="914400" rtl="0" eaLnBrk="1" latinLnBrk="0" hangingPunct="1">
+              <a:lnSpc>
+                <a:spcPct val="90000"/>
+              </a:lnSpc>
+              <a:spcBef>
+                <a:spcPts val="1000"/>
+              </a:spcBef>
+              <a:buFont typeface="Arial" panose="020B0604020202020204" pitchFamily="34" charset="0"/>
+              <a:buChar char="•"/>
+              <a:defRPr sz="2800" kern="1200">
+                <a:solidFill>
+                  <a:schemeClr val="tx1"/>
+                </a:solidFill>
+                <a:latin typeface="+mn-lt"/>
+                <a:ea typeface="+mn-ea"/>
+                <a:cs typeface="+mn-cs"/>
+              </a:defRPr>
+            </a:lvl1pPr>
+            <a:lvl2pPr marL="685800" indent="-228600" algn="l" defTabSz="914400" rtl="0" eaLnBrk="1" latinLnBrk="0" hangingPunct="1">
+              <a:lnSpc>
+                <a:spcPct val="90000"/>
+              </a:lnSpc>
+              <a:spcBef>
+                <a:spcPts val="500"/>
+              </a:spcBef>
+              <a:buFont typeface="Arial" panose="020B0604020202020204" pitchFamily="34" charset="0"/>
+              <a:buChar char="•"/>
+              <a:defRPr sz="2400" kern="1200">
+                <a:solidFill>
+                  <a:schemeClr val="tx1"/>
+                </a:solidFill>
+                <a:latin typeface="+mn-lt"/>
+                <a:ea typeface="+mn-ea"/>
+                <a:cs typeface="+mn-cs"/>
+              </a:defRPr>
+            </a:lvl2pPr>
+            <a:lvl3pPr marL="1143000" indent="-228600" algn="l" defTabSz="914400" rtl="0" eaLnBrk="1" latinLnBrk="0" hangingPunct="1">
+              <a:lnSpc>
+                <a:spcPct val="90000"/>
+              </a:lnSpc>
+              <a:spcBef>
+                <a:spcPts val="500"/>
+              </a:spcBef>
+              <a:buFont typeface="Arial" panose="020B0604020202020204" pitchFamily="34" charset="0"/>
+              <a:buChar char="•"/>
+              <a:defRPr sz="2000" kern="1200">
+                <a:solidFill>
+                  <a:schemeClr val="tx1"/>
+                </a:solidFill>
+                <a:latin typeface="+mn-lt"/>
+                <a:ea typeface="+mn-ea"/>
+                <a:cs typeface="+mn-cs"/>
+              </a:defRPr>
+            </a:lvl3pPr>
+            <a:lvl4pPr marL="1600200" indent="-228600" algn="l" defTabSz="914400" rtl="0" eaLnBrk="1" latinLnBrk="0" hangingPunct="1">
+              <a:lnSpc>
+                <a:spcPct val="90000"/>
+              </a:lnSpc>
+              <a:spcBef>
+                <a:spcPts val="500"/>
+              </a:spcBef>
+              <a:buFont typeface="Arial" panose="020B0604020202020204" pitchFamily="34" charset="0"/>
+              <a:buChar char="•"/>
+              <a:defRPr sz="1800" kern="1200">
+                <a:solidFill>
+                  <a:schemeClr val="tx1"/>
+                </a:solidFill>
+                <a:latin typeface="+mn-lt"/>
+                <a:ea typeface="+mn-ea"/>
+                <a:cs typeface="+mn-cs"/>
+              </a:defRPr>
+            </a:lvl4pPr>
+            <a:lvl5pPr marL="2057400" indent="-228600" algn="l" defTabSz="914400" rtl="0" eaLnBrk="1" latinLnBrk="0" hangingPunct="1">
+              <a:lnSpc>
+                <a:spcPct val="90000"/>
+              </a:lnSpc>
+              <a:spcBef>
+                <a:spcPts val="500"/>
+              </a:spcBef>
+              <a:buFont typeface="Arial" panose="020B0604020202020204" pitchFamily="34" charset="0"/>
+              <a:buChar char="•"/>
+              <a:defRPr sz="1800" kern="1200">
+                <a:solidFill>
+                  <a:schemeClr val="tx1"/>
+                </a:solidFill>
+                <a:latin typeface="+mn-lt"/>
+                <a:ea typeface="+mn-ea"/>
+                <a:cs typeface="+mn-cs"/>
+              </a:defRPr>
+            </a:lvl5pPr>
+            <a:lvl6pPr marL="2514600" indent="-228600" algn="l" defTabSz="914400" rtl="0" eaLnBrk="1" latinLnBrk="0" hangingPunct="1">
+              <a:lnSpc>
+                <a:spcPct val="90000"/>
+              </a:lnSpc>
+              <a:spcBef>
+                <a:spcPts val="500"/>
+              </a:spcBef>
+              <a:buFont typeface="Arial" panose="020B0604020202020204" pitchFamily="34" charset="0"/>
+              <a:buChar char="•"/>
+              <a:defRPr sz="1800" kern="1200">
+                <a:solidFill>
+                  <a:schemeClr val="tx1"/>
+                </a:solidFill>
+                <a:latin typeface="+mn-lt"/>
+                <a:ea typeface="+mn-ea"/>
+                <a:cs typeface="+mn-cs"/>
+              </a:defRPr>
+            </a:lvl6pPr>
+            <a:lvl7pPr marL="2971800" indent="-228600" algn="l" defTabSz="914400" rtl="0" eaLnBrk="1" latinLnBrk="0" hangingPunct="1">
+              <a:lnSpc>
+                <a:spcPct val="90000"/>
+              </a:lnSpc>
+              <a:spcBef>
+                <a:spcPts val="500"/>
+              </a:spcBef>
+              <a:buFont typeface="Arial" panose="020B0604020202020204" pitchFamily="34" charset="0"/>
+              <a:buChar char="•"/>
+              <a:defRPr sz="1800" kern="1200">
+                <a:solidFill>
+                  <a:schemeClr val="tx1"/>
+                </a:solidFill>
+                <a:latin typeface="+mn-lt"/>
+                <a:ea typeface="+mn-ea"/>
+                <a:cs typeface="+mn-cs"/>
+              </a:defRPr>
+            </a:lvl7pPr>
+            <a:lvl8pPr marL="3429000" indent="-228600" algn="l" defTabSz="914400" rtl="0" eaLnBrk="1" latinLnBrk="0" hangingPunct="1">
+              <a:lnSpc>
+                <a:spcPct val="90000"/>
+              </a:lnSpc>
+              <a:spcBef>
+                <a:spcPts val="500"/>
+              </a:spcBef>
+              <a:buFont typeface="Arial" panose="020B0604020202020204" pitchFamily="34" charset="0"/>
+              <a:buChar char="•"/>
+              <a:defRPr sz="1800" kern="1200">
+                <a:solidFill>
+                  <a:schemeClr val="tx1"/>
+                </a:solidFill>
+                <a:latin typeface="+mn-lt"/>
+                <a:ea typeface="+mn-ea"/>
+                <a:cs typeface="+mn-cs"/>
+              </a:defRPr>
+            </a:lvl8pPr>
+            <a:lvl9pPr marL="3886200" indent="-228600" algn="l" defTabSz="914400" rtl="0" eaLnBrk="1" latinLnBrk="0" hangingPunct="1">
+              <a:lnSpc>
+                <a:spcPct val="90000"/>
+              </a:lnSpc>
+              <a:spcBef>
+                <a:spcPts val="500"/>
+              </a:spcBef>
+              <a:buFont typeface="Arial" panose="020B0604020202020204" pitchFamily="34" charset="0"/>
+              <a:buChar char="•"/>
+              <a:defRPr sz="1800" kern="1200">
+                <a:solidFill>
+                  <a:schemeClr val="tx1"/>
+                </a:solidFill>
+                <a:latin typeface="+mn-lt"/>
+                <a:ea typeface="+mn-ea"/>
+                <a:cs typeface="+mn-cs"/>
+              </a:defRPr>
+            </a:lvl9pPr>
+          </a:lstStyle>
+          <a:p>
+            <a:pPr marL="0" indent="0">
+              <a:buFont typeface="Arial" panose="020B0604020202020204" pitchFamily="34" charset="0"/>
+              <a:buNone/>
+            </a:pPr>
+            <a:r>
+              <a:rPr lang="en-US" sz="1600" dirty="0" smtClean="0"/>
+              <a:t>Dog1 </a:t>
+            </a:r>
+            <a:r>
+              <a:rPr lang="en-US" sz="1600" dirty="0" err="1" smtClean="0"/>
+              <a:t>Preictal</a:t>
+            </a:r>
+            <a:r>
+              <a:rPr lang="en-US" sz="1600" dirty="0" smtClean="0"/>
+              <a:t> Segment 14</a:t>
+            </a:r>
+            <a:endParaRPr lang="en-US" sz="1600" dirty="0"/>
           </a:p>
         </p:txBody>
       </p:sp>
     </p:spTree>
     <p:extLst>
       <p:ext uri="{BB962C8B-B14F-4D97-AF65-F5344CB8AC3E}">
-        <p14:creationId xmlns:p14="http://schemas.microsoft.com/office/powerpoint/2010/main" val="826195470"/>
+        <p14:creationId xmlns:p14="http://schemas.microsoft.com/office/powerpoint/2010/main" val="3599367373"/>
       </p:ext>
     </p:extLst>
   </p:cSld>
   <p:clrMapOvr>
     <a:masterClrMapping/>
   </p:clrMapOvr>
+  <p:timing>
+    <p:tnLst>
+      <p:par>
+        <p:cTn id="1" dur="indefinite" restart="never" nodeType="tmRoot"/>
+      </p:par>
+    </p:tnLst>
+  </p:timing>
 </p:sld>
 </file>
 
@@ -6144,44 +7576,7 @@
             <p:ph type="title"/>
           </p:nvPr>
         </p:nvSpPr>
-        <p:spPr>
-          <a:xfrm>
-            <a:off x="590550" y="304800"/>
-            <a:ext cx="7886700" cy="1325563"/>
-          </a:xfrm>
-        </p:spPr>
-        <p:txBody>
-          <a:bodyPr/>
-          <a:lstStyle/>
-          <a:p>
-            <a:r>
-              <a:rPr lang="en-US" dirty="0" err="1" smtClean="0"/>
-              <a:t>LeNet</a:t>
-            </a:r>
-            <a:r>
-              <a:rPr lang="en-US" dirty="0" smtClean="0"/>
-              <a:t> CNN Model</a:t>
-            </a:r>
-            <a:endParaRPr lang="en-US" dirty="0"/>
-          </a:p>
-        </p:txBody>
-      </p:sp>
-      <p:sp>
-        <p:nvSpPr>
-          <p:cNvPr id="3" name="Content Placeholder 2"/>
-          <p:cNvSpPr>
-            <a:spLocks noGrp="1"/>
-          </p:cNvSpPr>
-          <p:nvPr>
-            <p:ph idx="1"/>
-          </p:nvPr>
-        </p:nvSpPr>
-        <p:spPr>
-          <a:xfrm>
-            <a:off x="434394" y="4724400"/>
-            <a:ext cx="4290006" cy="1676401"/>
-          </a:xfrm>
-        </p:spPr>
+        <p:spPr/>
         <p:txBody>
           <a:bodyPr>
             <a:normAutofit/>
@@ -6189,724 +7584,111 @@
           <a:lstStyle/>
           <a:p>
             <a:r>
-              <a:rPr lang="en-US" sz="2000" dirty="0" err="1" smtClean="0"/>
-              <a:t>Theano</a:t>
-            </a:r>
-            <a:r>
-              <a:rPr lang="en-US" sz="2000" dirty="0" smtClean="0"/>
-              <a:t> 0.6.0 </a:t>
-            </a:r>
-            <a:r>
-              <a:rPr lang="en-US" sz="2000" dirty="0" err="1" smtClean="0"/>
-              <a:t>LeNet</a:t>
-            </a:r>
-            <a:r>
-              <a:rPr lang="en-US" sz="2000" dirty="0" smtClean="0"/>
-              <a:t> </a:t>
-            </a:r>
-          </a:p>
-          <a:p>
-            <a:pPr lvl="1"/>
-            <a:r>
-              <a:rPr lang="en-US" sz="1800" dirty="0" smtClean="0"/>
-              <a:t>Python </a:t>
-            </a:r>
-            <a:r>
-              <a:rPr lang="en-US" sz="1800" dirty="0" smtClean="0"/>
-              <a:t>2.7.3 / </a:t>
-            </a:r>
-            <a:r>
-              <a:rPr lang="en-US" sz="1800" dirty="0" err="1" smtClean="0"/>
-              <a:t>gcc</a:t>
-            </a:r>
-            <a:r>
-              <a:rPr lang="en-US" sz="1800" dirty="0" smtClean="0"/>
-              <a:t> 4.6.3</a:t>
-            </a:r>
-          </a:p>
-          <a:p>
-            <a:pPr lvl="1"/>
-            <a:r>
-              <a:rPr lang="en-US" sz="1800" dirty="0" err="1" smtClean="0"/>
-              <a:t>Numpy</a:t>
-            </a:r>
-            <a:r>
-              <a:rPr lang="en-US" sz="1800" dirty="0" smtClean="0"/>
-              <a:t> 1.9.0 / </a:t>
-            </a:r>
-            <a:r>
-              <a:rPr lang="en-US" sz="1800" dirty="0" err="1" smtClean="0"/>
-              <a:t>scipy</a:t>
-            </a:r>
-            <a:r>
-              <a:rPr lang="en-US" sz="1800" dirty="0" smtClean="0"/>
-              <a:t> 0.14.0</a:t>
-            </a:r>
-          </a:p>
-          <a:p>
-            <a:r>
-              <a:rPr lang="en-US" sz="2000" dirty="0" err="1" smtClean="0"/>
-              <a:t>Lenet</a:t>
-            </a:r>
-            <a:r>
-              <a:rPr lang="en-US" sz="2000" dirty="0" smtClean="0"/>
-              <a:t> Parameters as above</a:t>
-            </a:r>
-            <a:endParaRPr lang="en-US" sz="2000" dirty="0"/>
+              <a:rPr lang="en-US" sz="3200" dirty="0" smtClean="0"/>
+              <a:t>Time Variant Cross Correlation </a:t>
+            </a:r>
+            <a:r>
+              <a:rPr lang="en-US" sz="3200" dirty="0" smtClean="0"/>
+              <a:t>Samples (abs)</a:t>
+            </a:r>
+            <a:endParaRPr lang="en-US" sz="3200" dirty="0"/>
           </a:p>
         </p:txBody>
       </p:sp>
       <p:pic>
         <p:nvPicPr>
-          <p:cNvPr id="4" name="Picture 3"/>
+          <p:cNvPr id="1028" name="Picture 4" descr="C:\projects\uccs.edu\cs5870\project\img\fig1c_0123.png"/>
           <p:cNvPicPr>
-            <a:picLocks noChangeAspect="1"/>
+            <a:picLocks noChangeAspect="1" noChangeArrowheads="1"/>
           </p:cNvPicPr>
           <p:nvPr/>
         </p:nvPicPr>
         <p:blipFill>
-          <a:blip r:embed="rId2"/>
+          <a:blip r:embed="rId2">
+            <a:extLst>
+              <a:ext uri="{28A0092B-C50C-407E-A947-70E740481C1C}">
+                <a14:useLocalDpi xmlns:a14="http://schemas.microsoft.com/office/drawing/2010/main" val="0"/>
+              </a:ext>
+            </a:extLst>
+          </a:blip>
+          <a:srcRect/>
           <a:stretch>
             <a:fillRect/>
           </a:stretch>
         </p:blipFill>
-        <p:spPr>
+        <p:spPr bwMode="auto">
           <a:xfrm>
-            <a:off x="132700" y="1981200"/>
-            <a:ext cx="8802399" cy="2057400"/>
-          </a:xfrm>
-          <a:prstGeom prst="rect">
-            <a:avLst/>
-          </a:prstGeom>
-        </p:spPr>
-      </p:pic>
-      <p:sp>
-        <p:nvSpPr>
-          <p:cNvPr id="5" name="TextBox 4"/>
-          <p:cNvSpPr txBox="1"/>
-          <p:nvPr/>
-        </p:nvSpPr>
-        <p:spPr>
-          <a:xfrm>
-            <a:off x="443919" y="1600200"/>
-            <a:ext cx="986167" cy="369332"/>
+            <a:off x="414337" y="1717244"/>
+            <a:ext cx="4310063" cy="3232547"/>
           </a:xfrm>
           <a:prstGeom prst="rect">
             <a:avLst/>
           </a:prstGeom>
           <a:noFill/>
+          <a:extLst>
+            <a:ext uri="{909E8E84-426E-40DD-AFC4-6F175D3DCCD1}">
+              <a14:hiddenFill xmlns:a14="http://schemas.microsoft.com/office/drawing/2010/main">
+                <a:solidFill>
+                  <a:srgbClr val="FFFFFF"/>
+                </a:solidFill>
+              </a14:hiddenFill>
+            </a:ext>
+          </a:extLst>
         </p:spPr>
-        <p:txBody>
-          <a:bodyPr wrap="none" rtlCol="0">
-            <a:spAutoFit/>
-          </a:bodyPr>
-          <a:lstStyle/>
-          <a:p>
-            <a:r>
-              <a:rPr lang="en-US" dirty="0" smtClean="0">
-                <a:solidFill>
-                  <a:srgbClr val="00B050"/>
-                </a:solidFill>
-              </a:rPr>
-              <a:t>120x120</a:t>
-            </a:r>
-            <a:endParaRPr lang="en-US" dirty="0">
-              <a:solidFill>
-                <a:srgbClr val="00B050"/>
-              </a:solidFill>
-            </a:endParaRPr>
-          </a:p>
-        </p:txBody>
-      </p:sp>
-      <p:sp>
-        <p:nvSpPr>
-          <p:cNvPr id="6" name="TextBox 5"/>
-          <p:cNvSpPr txBox="1"/>
+      </p:pic>
+      <p:pic>
+        <p:nvPicPr>
+          <p:cNvPr id="1029" name="Picture 5" descr="C:\projects\uccs.edu\cs5870\project\img\fig1c_0013.png"/>
+          <p:cNvPicPr>
+            <a:picLocks noChangeAspect="1" noChangeArrowheads="1"/>
+          </p:cNvPicPr>
           <p:nvPr/>
-        </p:nvSpPr>
-        <p:spPr>
+        </p:nvPicPr>
+        <p:blipFill>
+          <a:blip r:embed="rId3">
+            <a:extLst>
+              <a:ext uri="{28A0092B-C50C-407E-A947-70E740481C1C}">
+                <a14:useLocalDpi xmlns:a14="http://schemas.microsoft.com/office/drawing/2010/main" val="0"/>
+              </a:ext>
+            </a:extLst>
+          </a:blip>
+          <a:srcRect/>
+          <a:stretch>
+            <a:fillRect/>
+          </a:stretch>
+        </p:blipFill>
+        <p:spPr bwMode="auto">
           <a:xfrm>
-            <a:off x="2057400" y="1611868"/>
-            <a:ext cx="1192955" cy="369332"/>
+            <a:off x="4572000" y="1752600"/>
+            <a:ext cx="4191000" cy="3143250"/>
           </a:xfrm>
           <a:prstGeom prst="rect">
             <a:avLst/>
           </a:prstGeom>
           <a:noFill/>
+          <a:extLst>
+            <a:ext uri="{909E8E84-426E-40DD-AFC4-6F175D3DCCD1}">
+              <a14:hiddenFill xmlns:a14="http://schemas.microsoft.com/office/drawing/2010/main">
+                <a:solidFill>
+                  <a:srgbClr val="FFFFFF"/>
+                </a:solidFill>
+              </a14:hiddenFill>
+            </a:ext>
+          </a:extLst>
         </p:spPr>
-        <p:txBody>
-          <a:bodyPr wrap="none" rtlCol="0">
-            <a:spAutoFit/>
-          </a:bodyPr>
-          <a:lstStyle/>
-          <a:p>
-            <a:r>
-              <a:rPr lang="en-US" dirty="0" smtClean="0">
-                <a:solidFill>
-                  <a:srgbClr val="00B050"/>
-                </a:solidFill>
-              </a:rPr>
-              <a:t>5@120x48</a:t>
-            </a:r>
-            <a:endParaRPr lang="en-US" dirty="0">
-              <a:solidFill>
-                <a:srgbClr val="00B050"/>
-              </a:solidFill>
-            </a:endParaRPr>
-          </a:p>
-        </p:txBody>
-      </p:sp>
-      <p:sp>
-        <p:nvSpPr>
-          <p:cNvPr id="7" name="TextBox 6"/>
-          <p:cNvSpPr txBox="1"/>
+      </p:pic>
+      <p:sp>
+        <p:nvSpPr>
+          <p:cNvPr id="13" name="Content Placeholder 2"/>
+          <p:cNvSpPr txBox="1">
+            <a:spLocks/>
+          </p:cNvSpPr>
           <p:nvPr/>
         </p:nvSpPr>
         <p:spPr>
           <a:xfrm>
-            <a:off x="3836245" y="1600200"/>
-            <a:ext cx="1192955" cy="369332"/>
-          </a:xfrm>
-          <a:prstGeom prst="rect">
-            <a:avLst/>
-          </a:prstGeom>
-          <a:noFill/>
-        </p:spPr>
-        <p:txBody>
-          <a:bodyPr wrap="none" rtlCol="0">
-            <a:spAutoFit/>
-          </a:bodyPr>
-          <a:lstStyle/>
-          <a:p>
-            <a:r>
-              <a:rPr lang="en-US" dirty="0" smtClean="0">
-                <a:solidFill>
-                  <a:srgbClr val="00B050"/>
-                </a:solidFill>
-              </a:rPr>
-              <a:t>5@120x24</a:t>
-            </a:r>
-            <a:endParaRPr lang="en-US" dirty="0">
-              <a:solidFill>
-                <a:srgbClr val="00B050"/>
-              </a:solidFill>
-            </a:endParaRPr>
-          </a:p>
-        </p:txBody>
-      </p:sp>
-      <p:sp>
-        <p:nvSpPr>
-          <p:cNvPr id="8" name="TextBox 7"/>
-          <p:cNvSpPr txBox="1"/>
-          <p:nvPr/>
-        </p:nvSpPr>
-        <p:spPr>
-          <a:xfrm>
-            <a:off x="5207845" y="1600200"/>
-            <a:ext cx="958917" cy="369332"/>
-          </a:xfrm>
-          <a:prstGeom prst="rect">
-            <a:avLst/>
-          </a:prstGeom>
-          <a:noFill/>
-        </p:spPr>
-        <p:txBody>
-          <a:bodyPr wrap="none" rtlCol="0">
-            <a:spAutoFit/>
-          </a:bodyPr>
-          <a:lstStyle/>
-          <a:p>
-            <a:r>
-              <a:rPr lang="en-US" dirty="0" smtClean="0">
-                <a:solidFill>
-                  <a:srgbClr val="00B050"/>
-                </a:solidFill>
-              </a:rPr>
-              <a:t>5@1x16</a:t>
-            </a:r>
-            <a:endParaRPr lang="en-US" dirty="0">
-              <a:solidFill>
-                <a:srgbClr val="00B050"/>
-              </a:solidFill>
-            </a:endParaRPr>
-          </a:p>
-        </p:txBody>
-      </p:sp>
-      <p:sp>
-        <p:nvSpPr>
-          <p:cNvPr id="9" name="TextBox 8"/>
-          <p:cNvSpPr txBox="1"/>
-          <p:nvPr/>
-        </p:nvSpPr>
-        <p:spPr>
-          <a:xfrm>
-            <a:off x="6584883" y="1611868"/>
-            <a:ext cx="841897" cy="369332"/>
-          </a:xfrm>
-          <a:prstGeom prst="rect">
-            <a:avLst/>
-          </a:prstGeom>
-          <a:noFill/>
-        </p:spPr>
-        <p:txBody>
-          <a:bodyPr wrap="none" rtlCol="0">
-            <a:spAutoFit/>
-          </a:bodyPr>
-          <a:lstStyle/>
-          <a:p>
-            <a:r>
-              <a:rPr lang="en-US" dirty="0" smtClean="0">
-                <a:solidFill>
-                  <a:srgbClr val="00B050"/>
-                </a:solidFill>
-              </a:rPr>
-              <a:t>5@1x8</a:t>
-            </a:r>
-            <a:endParaRPr lang="en-US" dirty="0">
-              <a:solidFill>
-                <a:srgbClr val="00B050"/>
-              </a:solidFill>
-            </a:endParaRPr>
-          </a:p>
-        </p:txBody>
-      </p:sp>
-      <p:sp>
-        <p:nvSpPr>
-          <p:cNvPr id="10" name="TextBox 9"/>
-          <p:cNvSpPr txBox="1"/>
-          <p:nvPr/>
-        </p:nvSpPr>
-        <p:spPr>
-          <a:xfrm>
-            <a:off x="7937532" y="1600200"/>
-            <a:ext cx="292068" cy="369332"/>
-          </a:xfrm>
-          <a:prstGeom prst="rect">
-            <a:avLst/>
-          </a:prstGeom>
-          <a:noFill/>
-        </p:spPr>
-        <p:txBody>
-          <a:bodyPr wrap="none" rtlCol="0">
-            <a:spAutoFit/>
-          </a:bodyPr>
-          <a:lstStyle/>
-          <a:p>
-            <a:r>
-              <a:rPr lang="en-US" dirty="0" smtClean="0">
-                <a:solidFill>
-                  <a:srgbClr val="00B050"/>
-                </a:solidFill>
-              </a:rPr>
-              <a:t>?</a:t>
-            </a:r>
-            <a:endParaRPr lang="en-US" dirty="0">
-              <a:solidFill>
-                <a:srgbClr val="00B050"/>
-              </a:solidFill>
-            </a:endParaRPr>
-          </a:p>
-        </p:txBody>
-      </p:sp>
-      <p:sp>
-        <p:nvSpPr>
-          <p:cNvPr id="11" name="TextBox 10"/>
-          <p:cNvSpPr txBox="1"/>
-          <p:nvPr/>
-        </p:nvSpPr>
-        <p:spPr>
-          <a:xfrm>
-            <a:off x="8547132" y="1600200"/>
-            <a:ext cx="301686" cy="369332"/>
-          </a:xfrm>
-          <a:prstGeom prst="rect">
-            <a:avLst/>
-          </a:prstGeom>
-          <a:noFill/>
-        </p:spPr>
-        <p:txBody>
-          <a:bodyPr wrap="none" rtlCol="0">
-            <a:spAutoFit/>
-          </a:bodyPr>
-          <a:lstStyle/>
-          <a:p>
-            <a:r>
-              <a:rPr lang="en-US" dirty="0">
-                <a:solidFill>
-                  <a:srgbClr val="00B050"/>
-                </a:solidFill>
-              </a:rPr>
-              <a:t>1</a:t>
-            </a:r>
-            <a:endParaRPr lang="en-US" dirty="0">
-              <a:solidFill>
-                <a:srgbClr val="00B050"/>
-              </a:solidFill>
-            </a:endParaRPr>
-          </a:p>
-        </p:txBody>
-      </p:sp>
-      <p:sp>
-        <p:nvSpPr>
-          <p:cNvPr id="12" name="TextBox 11"/>
-          <p:cNvSpPr txBox="1"/>
-          <p:nvPr/>
-        </p:nvSpPr>
-        <p:spPr>
-          <a:xfrm>
-            <a:off x="1578966" y="4038600"/>
-            <a:ext cx="956865" cy="646331"/>
-          </a:xfrm>
-          <a:prstGeom prst="rect">
-            <a:avLst/>
-          </a:prstGeom>
-          <a:noFill/>
-        </p:spPr>
-        <p:txBody>
-          <a:bodyPr wrap="none" rtlCol="0">
-            <a:spAutoFit/>
-          </a:bodyPr>
-          <a:lstStyle/>
-          <a:p>
-            <a:pPr algn="ctr"/>
-            <a:r>
-              <a:rPr lang="en-US" sz="1200" dirty="0" smtClean="0">
-                <a:solidFill>
-                  <a:srgbClr val="7030A0"/>
-                </a:solidFill>
-              </a:rPr>
-              <a:t>1x25</a:t>
-            </a:r>
-          </a:p>
-          <a:p>
-            <a:pPr algn="ctr"/>
-            <a:r>
-              <a:rPr lang="en-US" sz="1200" dirty="0" smtClean="0">
-                <a:solidFill>
-                  <a:srgbClr val="7030A0"/>
-                </a:solidFill>
-              </a:rPr>
-              <a:t>convolution </a:t>
-            </a:r>
-          </a:p>
-          <a:p>
-            <a:pPr algn="ctr"/>
-            <a:r>
-              <a:rPr lang="en-US" sz="1200" dirty="0" smtClean="0">
-                <a:solidFill>
-                  <a:srgbClr val="7030A0"/>
-                </a:solidFill>
-              </a:rPr>
-              <a:t>across time</a:t>
-            </a:r>
-          </a:p>
-        </p:txBody>
-      </p:sp>
-      <p:sp>
-        <p:nvSpPr>
-          <p:cNvPr id="13" name="TextBox 12"/>
-          <p:cNvSpPr txBox="1"/>
-          <p:nvPr/>
-        </p:nvSpPr>
-        <p:spPr>
-          <a:xfrm>
-            <a:off x="3429000" y="4048780"/>
-            <a:ext cx="966162" cy="461665"/>
-          </a:xfrm>
-          <a:prstGeom prst="rect">
-            <a:avLst/>
-          </a:prstGeom>
-          <a:noFill/>
-        </p:spPr>
-        <p:txBody>
-          <a:bodyPr wrap="none" rtlCol="0">
-            <a:spAutoFit/>
-          </a:bodyPr>
-          <a:lstStyle/>
-          <a:p>
-            <a:pPr algn="ctr"/>
-            <a:r>
-              <a:rPr lang="en-US" sz="1200" dirty="0" smtClean="0">
-                <a:solidFill>
-                  <a:srgbClr val="00B0F0"/>
-                </a:solidFill>
-              </a:rPr>
-              <a:t>1x4 </a:t>
-            </a:r>
-          </a:p>
-          <a:p>
-            <a:pPr algn="ctr"/>
-            <a:r>
-              <a:rPr lang="en-US" sz="1200" dirty="0" smtClean="0">
-                <a:solidFill>
-                  <a:srgbClr val="00B0F0"/>
-                </a:solidFill>
-              </a:rPr>
-              <a:t>subsampling</a:t>
-            </a:r>
-          </a:p>
-        </p:txBody>
-      </p:sp>
-      <p:sp>
-        <p:nvSpPr>
-          <p:cNvPr id="14" name="TextBox 13"/>
-          <p:cNvSpPr txBox="1"/>
-          <p:nvPr/>
-        </p:nvSpPr>
-        <p:spPr>
-          <a:xfrm>
-            <a:off x="5076300" y="4038600"/>
-            <a:ext cx="938720" cy="646331"/>
-          </a:xfrm>
-          <a:prstGeom prst="rect">
-            <a:avLst/>
-          </a:prstGeom>
-          <a:noFill/>
-        </p:spPr>
-        <p:txBody>
-          <a:bodyPr wrap="none" rtlCol="0">
-            <a:spAutoFit/>
-          </a:bodyPr>
-          <a:lstStyle/>
-          <a:p>
-            <a:pPr algn="ctr"/>
-            <a:r>
-              <a:rPr lang="en-US" sz="1200" dirty="0" smtClean="0">
-                <a:solidFill>
-                  <a:srgbClr val="7030A0"/>
-                </a:solidFill>
-              </a:rPr>
-              <a:t>1x9 </a:t>
-            </a:r>
-          </a:p>
-          <a:p>
-            <a:pPr algn="ctr"/>
-            <a:r>
-              <a:rPr lang="en-US" sz="1200" dirty="0">
-                <a:solidFill>
-                  <a:srgbClr val="7030A0"/>
-                </a:solidFill>
-              </a:rPr>
-              <a:t>c</a:t>
-            </a:r>
-            <a:r>
-              <a:rPr lang="en-US" sz="1200" dirty="0" smtClean="0">
-                <a:solidFill>
-                  <a:srgbClr val="7030A0"/>
-                </a:solidFill>
-              </a:rPr>
-              <a:t>onvolution</a:t>
-            </a:r>
-          </a:p>
-          <a:p>
-            <a:pPr algn="ctr"/>
-            <a:r>
-              <a:rPr lang="en-US" sz="1200" dirty="0">
-                <a:solidFill>
-                  <a:srgbClr val="7030A0"/>
-                </a:solidFill>
-              </a:rPr>
-              <a:t>a</a:t>
-            </a:r>
-            <a:r>
-              <a:rPr lang="en-US" sz="1200" dirty="0" smtClean="0">
-                <a:solidFill>
-                  <a:srgbClr val="7030A0"/>
-                </a:solidFill>
-              </a:rPr>
-              <a:t>cross time</a:t>
-            </a:r>
-          </a:p>
-        </p:txBody>
-      </p:sp>
-      <p:sp>
-        <p:nvSpPr>
-          <p:cNvPr id="15" name="TextBox 14"/>
-          <p:cNvSpPr txBox="1"/>
-          <p:nvPr/>
-        </p:nvSpPr>
-        <p:spPr>
-          <a:xfrm>
-            <a:off x="6515160" y="4038600"/>
-            <a:ext cx="966162" cy="461665"/>
-          </a:xfrm>
-          <a:prstGeom prst="rect">
-            <a:avLst/>
-          </a:prstGeom>
-          <a:noFill/>
-        </p:spPr>
-        <p:txBody>
-          <a:bodyPr wrap="none" rtlCol="0">
-            <a:spAutoFit/>
-          </a:bodyPr>
-          <a:lstStyle/>
-          <a:p>
-            <a:pPr algn="ctr"/>
-            <a:r>
-              <a:rPr lang="en-US" sz="1200" dirty="0" smtClean="0">
-                <a:solidFill>
-                  <a:srgbClr val="00B0F0"/>
-                </a:solidFill>
-              </a:rPr>
-              <a:t>1x2 </a:t>
-            </a:r>
-          </a:p>
-          <a:p>
-            <a:pPr algn="ctr"/>
-            <a:r>
-              <a:rPr lang="en-US" sz="1200" dirty="0">
-                <a:solidFill>
-                  <a:srgbClr val="00B0F0"/>
-                </a:solidFill>
-              </a:rPr>
-              <a:t>s</a:t>
-            </a:r>
-            <a:r>
-              <a:rPr lang="en-US" sz="1200" dirty="0" smtClean="0">
-                <a:solidFill>
-                  <a:srgbClr val="00B0F0"/>
-                </a:solidFill>
-              </a:rPr>
-              <a:t>ubsampling</a:t>
-            </a:r>
-          </a:p>
-        </p:txBody>
-      </p:sp>
-      <p:sp>
-        <p:nvSpPr>
-          <p:cNvPr id="16" name="TextBox 15"/>
-          <p:cNvSpPr txBox="1"/>
-          <p:nvPr/>
-        </p:nvSpPr>
-        <p:spPr>
-          <a:xfrm>
-            <a:off x="7642283" y="4038600"/>
-            <a:ext cx="921599" cy="646331"/>
-          </a:xfrm>
-          <a:prstGeom prst="rect">
-            <a:avLst/>
-          </a:prstGeom>
-          <a:noFill/>
-        </p:spPr>
-        <p:txBody>
-          <a:bodyPr wrap="none" rtlCol="0">
-            <a:spAutoFit/>
-          </a:bodyPr>
-          <a:lstStyle/>
-          <a:p>
-            <a:pPr algn="ctr"/>
-            <a:r>
-              <a:rPr lang="en-US" sz="1200" dirty="0" smtClean="0">
-                <a:solidFill>
-                  <a:srgbClr val="7030A0"/>
-                </a:solidFill>
-              </a:rPr>
-              <a:t>1x8</a:t>
-            </a:r>
-          </a:p>
-          <a:p>
-            <a:pPr algn="ctr"/>
-            <a:r>
-              <a:rPr lang="en-US" sz="1200" dirty="0">
-                <a:solidFill>
-                  <a:srgbClr val="7030A0"/>
-                </a:solidFill>
-              </a:rPr>
-              <a:t>c</a:t>
-            </a:r>
-            <a:r>
-              <a:rPr lang="en-US" sz="1200" dirty="0" smtClean="0">
-                <a:solidFill>
-                  <a:srgbClr val="7030A0"/>
-                </a:solidFill>
-              </a:rPr>
-              <a:t>onvolution</a:t>
-            </a:r>
-          </a:p>
-          <a:p>
-            <a:pPr algn="ctr"/>
-            <a:r>
-              <a:rPr lang="en-US" sz="1200" dirty="0" smtClean="0">
-                <a:solidFill>
-                  <a:srgbClr val="7030A0"/>
-                </a:solidFill>
-              </a:rPr>
-              <a:t>across time</a:t>
-            </a:r>
-          </a:p>
-        </p:txBody>
-      </p:sp>
-      <p:sp>
-        <p:nvSpPr>
-          <p:cNvPr id="17" name="TextBox 16"/>
-          <p:cNvSpPr txBox="1"/>
-          <p:nvPr/>
-        </p:nvSpPr>
-        <p:spPr>
-          <a:xfrm>
-            <a:off x="228600" y="6400800"/>
-            <a:ext cx="3328155" cy="430887"/>
-          </a:xfrm>
-          <a:prstGeom prst="rect">
-            <a:avLst/>
-          </a:prstGeom>
-          <a:noFill/>
-        </p:spPr>
-        <p:txBody>
-          <a:bodyPr wrap="none" rtlCol="0">
-            <a:spAutoFit/>
-          </a:bodyPr>
-          <a:lstStyle/>
-          <a:p>
-            <a:r>
-              <a:rPr lang="en-US" sz="1100" dirty="0">
-                <a:hlinkClick r:id="rId3"/>
-              </a:rPr>
-              <a:t>http://</a:t>
-            </a:r>
-            <a:r>
-              <a:rPr lang="en-US" sz="1100" dirty="0" smtClean="0">
-                <a:hlinkClick r:id="rId3"/>
-              </a:rPr>
-              <a:t>deeplearning.net/tutorial/lenet.html</a:t>
-            </a:r>
-            <a:endParaRPr lang="en-US" sz="1100" dirty="0" smtClean="0"/>
-          </a:p>
-          <a:p>
-            <a:r>
-              <a:rPr lang="en-US" sz="1100" dirty="0" smtClean="0">
-                <a:hlinkClick r:id="rId4"/>
-              </a:rPr>
-              <a:t>http</a:t>
-            </a:r>
-            <a:r>
-              <a:rPr lang="en-US" sz="1100" dirty="0">
-                <a:hlinkClick r:id="rId4"/>
-              </a:rPr>
-              <a:t>://deeplearning.net/tutorial/_</a:t>
-            </a:r>
-            <a:r>
-              <a:rPr lang="en-US" sz="1100" dirty="0" smtClean="0">
-                <a:hlinkClick r:id="rId4"/>
-              </a:rPr>
-              <a:t>images/mylenet.png</a:t>
-            </a:r>
-            <a:endParaRPr lang="en-US" sz="1100" dirty="0" smtClean="0"/>
-          </a:p>
-        </p:txBody>
-      </p:sp>
-      <p:sp>
-        <p:nvSpPr>
-          <p:cNvPr id="18" name="Content Placeholder 2"/>
-          <p:cNvSpPr txBox="1">
-            <a:spLocks/>
-          </p:cNvSpPr>
-          <p:nvPr/>
-        </p:nvSpPr>
-        <p:spPr>
-          <a:xfrm>
-            <a:off x="4777794" y="4724400"/>
-            <a:ext cx="4290006" cy="1676401"/>
+            <a:off x="771525" y="4920853"/>
+            <a:ext cx="3638550" cy="538163"/>
           </a:xfrm>
           <a:prstGeom prst="rect">
             <a:avLst/>
@@ -7081,18 +7863,236 @@
             </a:lvl9pPr>
           </a:lstStyle>
           <a:p>
-            <a:r>
-              <a:rPr lang="en-US" sz="2000" dirty="0" smtClean="0"/>
-              <a:t>Separate Model for Each Case</a:t>
-            </a:r>
-            <a:endParaRPr lang="en-US" sz="2000" dirty="0"/>
+            <a:pPr marL="0" indent="0">
+              <a:buFont typeface="Arial" panose="020B0604020202020204" pitchFamily="34" charset="0"/>
+              <a:buNone/>
+            </a:pPr>
+            <a:r>
+              <a:rPr lang="en-US" sz="1600" dirty="0" smtClean="0"/>
+              <a:t>Dog_1 </a:t>
+            </a:r>
+            <a:r>
+              <a:rPr lang="en-US" sz="1600" dirty="0" err="1" smtClean="0"/>
+              <a:t>Interictal</a:t>
+            </a:r>
+            <a:r>
+              <a:rPr lang="en-US" sz="1600" dirty="0" smtClean="0"/>
+              <a:t> Segment 123</a:t>
+            </a:r>
+            <a:endParaRPr lang="en-US" sz="1600" dirty="0"/>
+          </a:p>
+        </p:txBody>
+      </p:sp>
+      <p:sp>
+        <p:nvSpPr>
+          <p:cNvPr id="16" name="Content Placeholder 2"/>
+          <p:cNvSpPr txBox="1">
+            <a:spLocks/>
+          </p:cNvSpPr>
+          <p:nvPr/>
+        </p:nvSpPr>
+        <p:spPr>
+          <a:xfrm>
+            <a:off x="4953000" y="4920853"/>
+            <a:ext cx="3638550" cy="538163"/>
+          </a:xfrm>
+          <a:prstGeom prst="rect">
+            <a:avLst/>
+          </a:prstGeom>
+        </p:spPr>
+        <p:txBody>
+          <a:bodyPr vert="horz" lIns="91440" tIns="45720" rIns="91440" bIns="45720" rtlCol="0">
+            <a:normAutofit/>
+          </a:bodyPr>
+          <a:lstStyle>
+            <a:lvl1pPr marL="228600" indent="-228600" algn="l" defTabSz="914400" rtl="0" eaLnBrk="1" latinLnBrk="0" hangingPunct="1">
+              <a:lnSpc>
+                <a:spcPct val="90000"/>
+              </a:lnSpc>
+              <a:spcBef>
+                <a:spcPts val="1000"/>
+              </a:spcBef>
+              <a:buFont typeface="Arial" panose="020B0604020202020204" pitchFamily="34" charset="0"/>
+              <a:buChar char="•"/>
+              <a:defRPr sz="2800" kern="1200">
+                <a:solidFill>
+                  <a:schemeClr val="tx1"/>
+                </a:solidFill>
+                <a:latin typeface="+mn-lt"/>
+                <a:ea typeface="+mn-ea"/>
+                <a:cs typeface="+mn-cs"/>
+              </a:defRPr>
+            </a:lvl1pPr>
+            <a:lvl2pPr marL="685800" indent="-228600" algn="l" defTabSz="914400" rtl="0" eaLnBrk="1" latinLnBrk="0" hangingPunct="1">
+              <a:lnSpc>
+                <a:spcPct val="90000"/>
+              </a:lnSpc>
+              <a:spcBef>
+                <a:spcPts val="500"/>
+              </a:spcBef>
+              <a:buFont typeface="Arial" panose="020B0604020202020204" pitchFamily="34" charset="0"/>
+              <a:buChar char="•"/>
+              <a:defRPr sz="2400" kern="1200">
+                <a:solidFill>
+                  <a:schemeClr val="tx1"/>
+                </a:solidFill>
+                <a:latin typeface="+mn-lt"/>
+                <a:ea typeface="+mn-ea"/>
+                <a:cs typeface="+mn-cs"/>
+              </a:defRPr>
+            </a:lvl2pPr>
+            <a:lvl3pPr marL="1143000" indent="-228600" algn="l" defTabSz="914400" rtl="0" eaLnBrk="1" latinLnBrk="0" hangingPunct="1">
+              <a:lnSpc>
+                <a:spcPct val="90000"/>
+              </a:lnSpc>
+              <a:spcBef>
+                <a:spcPts val="500"/>
+              </a:spcBef>
+              <a:buFont typeface="Arial" panose="020B0604020202020204" pitchFamily="34" charset="0"/>
+              <a:buChar char="•"/>
+              <a:defRPr sz="2000" kern="1200">
+                <a:solidFill>
+                  <a:schemeClr val="tx1"/>
+                </a:solidFill>
+                <a:latin typeface="+mn-lt"/>
+                <a:ea typeface="+mn-ea"/>
+                <a:cs typeface="+mn-cs"/>
+              </a:defRPr>
+            </a:lvl3pPr>
+            <a:lvl4pPr marL="1600200" indent="-228600" algn="l" defTabSz="914400" rtl="0" eaLnBrk="1" latinLnBrk="0" hangingPunct="1">
+              <a:lnSpc>
+                <a:spcPct val="90000"/>
+              </a:lnSpc>
+              <a:spcBef>
+                <a:spcPts val="500"/>
+              </a:spcBef>
+              <a:buFont typeface="Arial" panose="020B0604020202020204" pitchFamily="34" charset="0"/>
+              <a:buChar char="•"/>
+              <a:defRPr sz="1800" kern="1200">
+                <a:solidFill>
+                  <a:schemeClr val="tx1"/>
+                </a:solidFill>
+                <a:latin typeface="+mn-lt"/>
+                <a:ea typeface="+mn-ea"/>
+                <a:cs typeface="+mn-cs"/>
+              </a:defRPr>
+            </a:lvl4pPr>
+            <a:lvl5pPr marL="2057400" indent="-228600" algn="l" defTabSz="914400" rtl="0" eaLnBrk="1" latinLnBrk="0" hangingPunct="1">
+              <a:lnSpc>
+                <a:spcPct val="90000"/>
+              </a:lnSpc>
+              <a:spcBef>
+                <a:spcPts val="500"/>
+              </a:spcBef>
+              <a:buFont typeface="Arial" panose="020B0604020202020204" pitchFamily="34" charset="0"/>
+              <a:buChar char="•"/>
+              <a:defRPr sz="1800" kern="1200">
+                <a:solidFill>
+                  <a:schemeClr val="tx1"/>
+                </a:solidFill>
+                <a:latin typeface="+mn-lt"/>
+                <a:ea typeface="+mn-ea"/>
+                <a:cs typeface="+mn-cs"/>
+              </a:defRPr>
+            </a:lvl5pPr>
+            <a:lvl6pPr marL="2514600" indent="-228600" algn="l" defTabSz="914400" rtl="0" eaLnBrk="1" latinLnBrk="0" hangingPunct="1">
+              <a:lnSpc>
+                <a:spcPct val="90000"/>
+              </a:lnSpc>
+              <a:spcBef>
+                <a:spcPts val="500"/>
+              </a:spcBef>
+              <a:buFont typeface="Arial" panose="020B0604020202020204" pitchFamily="34" charset="0"/>
+              <a:buChar char="•"/>
+              <a:defRPr sz="1800" kern="1200">
+                <a:solidFill>
+                  <a:schemeClr val="tx1"/>
+                </a:solidFill>
+                <a:latin typeface="+mn-lt"/>
+                <a:ea typeface="+mn-ea"/>
+                <a:cs typeface="+mn-cs"/>
+              </a:defRPr>
+            </a:lvl6pPr>
+            <a:lvl7pPr marL="2971800" indent="-228600" algn="l" defTabSz="914400" rtl="0" eaLnBrk="1" latinLnBrk="0" hangingPunct="1">
+              <a:lnSpc>
+                <a:spcPct val="90000"/>
+              </a:lnSpc>
+              <a:spcBef>
+                <a:spcPts val="500"/>
+              </a:spcBef>
+              <a:buFont typeface="Arial" panose="020B0604020202020204" pitchFamily="34" charset="0"/>
+              <a:buChar char="•"/>
+              <a:defRPr sz="1800" kern="1200">
+                <a:solidFill>
+                  <a:schemeClr val="tx1"/>
+                </a:solidFill>
+                <a:latin typeface="+mn-lt"/>
+                <a:ea typeface="+mn-ea"/>
+                <a:cs typeface="+mn-cs"/>
+              </a:defRPr>
+            </a:lvl7pPr>
+            <a:lvl8pPr marL="3429000" indent="-228600" algn="l" defTabSz="914400" rtl="0" eaLnBrk="1" latinLnBrk="0" hangingPunct="1">
+              <a:lnSpc>
+                <a:spcPct val="90000"/>
+              </a:lnSpc>
+              <a:spcBef>
+                <a:spcPts val="500"/>
+              </a:spcBef>
+              <a:buFont typeface="Arial" panose="020B0604020202020204" pitchFamily="34" charset="0"/>
+              <a:buChar char="•"/>
+              <a:defRPr sz="1800" kern="1200">
+                <a:solidFill>
+                  <a:schemeClr val="tx1"/>
+                </a:solidFill>
+                <a:latin typeface="+mn-lt"/>
+                <a:ea typeface="+mn-ea"/>
+                <a:cs typeface="+mn-cs"/>
+              </a:defRPr>
+            </a:lvl8pPr>
+            <a:lvl9pPr marL="3886200" indent="-228600" algn="l" defTabSz="914400" rtl="0" eaLnBrk="1" latinLnBrk="0" hangingPunct="1">
+              <a:lnSpc>
+                <a:spcPct val="90000"/>
+              </a:lnSpc>
+              <a:spcBef>
+                <a:spcPts val="500"/>
+              </a:spcBef>
+              <a:buFont typeface="Arial" panose="020B0604020202020204" pitchFamily="34" charset="0"/>
+              <a:buChar char="•"/>
+              <a:defRPr sz="1800" kern="1200">
+                <a:solidFill>
+                  <a:schemeClr val="tx1"/>
+                </a:solidFill>
+                <a:latin typeface="+mn-lt"/>
+                <a:ea typeface="+mn-ea"/>
+                <a:cs typeface="+mn-cs"/>
+              </a:defRPr>
+            </a:lvl9pPr>
+          </a:lstStyle>
+          <a:p>
+            <a:pPr marL="0" indent="0">
+              <a:buFont typeface="Arial" panose="020B0604020202020204" pitchFamily="34" charset="0"/>
+              <a:buNone/>
+            </a:pPr>
+            <a:r>
+              <a:rPr lang="en-US" sz="1600" dirty="0" smtClean="0"/>
+              <a:t>Dog1 </a:t>
+            </a:r>
+            <a:r>
+              <a:rPr lang="en-US" sz="1600" dirty="0" err="1" smtClean="0"/>
+              <a:t>Preictal</a:t>
+            </a:r>
+            <a:r>
+              <a:rPr lang="en-US" sz="1600" dirty="0" smtClean="0"/>
+              <a:t> Segment 14</a:t>
+            </a:r>
+            <a:endParaRPr lang="en-US" sz="1600" dirty="0"/>
           </a:p>
         </p:txBody>
       </p:sp>
     </p:spTree>
     <p:extLst>
       <p:ext uri="{BB962C8B-B14F-4D97-AF65-F5344CB8AC3E}">
-        <p14:creationId xmlns:p14="http://schemas.microsoft.com/office/powerpoint/2010/main" val="2260421532"/>
+        <p14:creationId xmlns:p14="http://schemas.microsoft.com/office/powerpoint/2010/main" val="826195470"/>
       </p:ext>
     </p:extLst>
   </p:cSld>
@@ -7364,7 +8364,7 @@
   <a:extraClrSchemeLst/>
   <a:extLst>
     <a:ext uri="{05A4C25C-085E-4340-85A3-A5531E510DB2}">
-      <thm15:themeFamily xmlns:thm15="http://schemas.microsoft.com/office/thememl/2012/main" name="Office Theme" id="{62F939B6-93AF-4DB8-9C6B-D6C7DFDC589F}" vid="{AE6F2518-B084-4896-AF52-66CC2144AA26}"/>
+      <thm15:themeFamily xmlns:thm15="http://schemas.microsoft.com/office/thememl/2012/main" xmlns="" name="Office Theme" id="{62F939B6-93AF-4DB8-9C6B-D6C7DFDC589F}" vid="{AE6F2518-B084-4896-AF52-66CC2144AA26}"/>
     </a:ext>
   </a:extLst>
 </a:theme>

--- a/cs5870/project/LeNet5 EEG.pptx
+++ b/cs5870/project/LeNet5 EEG.pptx
@@ -118,7 +118,7 @@
   </p:defaultTextStyle>
   <p:extLst>
     <p:ext uri="{EFAFB233-063F-42B5-8137-9DF3F51BA10A}">
-      <p15:sldGuideLst xmlns:p15="http://schemas.microsoft.com/office/powerpoint/2012/main" xmlns="">
+      <p15:sldGuideLst xmlns="" xmlns:p15="http://schemas.microsoft.com/office/powerpoint/2012/main">
         <p15:guide id="1" orient="horz" pos="2160">
           <p15:clr>
             <a:srgbClr val="A4A3A4"/>
@@ -3458,11 +3458,6 @@
               </a:rPr>
               <a:t>8</a:t>
             </a:r>
-            <a:endParaRPr lang="en-US" dirty="0">
-              <a:solidFill>
-                <a:srgbClr val="00B050"/>
-              </a:solidFill>
-            </a:endParaRPr>
           </a:p>
         </p:txBody>
       </p:sp>
@@ -5451,7 +5446,7 @@
           <p:nvPr>
             <p:extLst>
               <p:ext uri="{D42A27DB-BD31-4B8C-83A1-F6EECF244321}">
-                <p14:modId xmlns:p14="http://schemas.microsoft.com/office/powerpoint/2010/main" val="3667622504"/>
+                <p14:modId xmlns:p14="http://schemas.microsoft.com/office/powerpoint/2010/main" val="80959913"/>
               </p:ext>
             </p:extLst>
           </p:nvPr>
@@ -5625,8 +5620,9 @@
                       <a:pPr algn="ctr"/>
                       <a:r>
                         <a:rPr lang="en-US" dirty="0" smtClean="0"/>
-                        <a:t>240</a:t>
+                        <a:t>400</a:t>
                       </a:r>
+                      <a:endParaRPr lang="en-US" dirty="0" smtClean="0"/>
                     </a:p>
                   </a:txBody>
                   <a:tcPr/>
@@ -5746,7 +5742,7 @@
                       <a:pPr algn="ctr"/>
                       <a:r>
                         <a:rPr lang="en-US" dirty="0" smtClean="0"/>
-                        <a:t>240</a:t>
+                        <a:t>400</a:t>
                       </a:r>
                       <a:endParaRPr lang="en-US" dirty="0"/>
                     </a:p>
@@ -5868,7 +5864,7 @@
                       <a:pPr algn="ctr"/>
                       <a:r>
                         <a:rPr lang="en-US" dirty="0" smtClean="0"/>
-                        <a:t>240</a:t>
+                        <a:t>400</a:t>
                       </a:r>
                       <a:endParaRPr lang="en-US" dirty="0"/>
                     </a:p>
@@ -5990,7 +5986,7 @@
                       <a:pPr algn="ctr"/>
                       <a:r>
                         <a:rPr lang="en-US" dirty="0" smtClean="0"/>
-                        <a:t>240</a:t>
+                        <a:t>400</a:t>
                       </a:r>
                       <a:endParaRPr lang="en-US" dirty="0"/>
                     </a:p>
@@ -6005,7 +6001,7 @@
                       <a:pPr algn="ctr"/>
                       <a:r>
                         <a:rPr lang="en-US" dirty="0" smtClean="0"/>
-                        <a:t>16</a:t>
+                        <a:t>15</a:t>
                       </a:r>
                       <a:endParaRPr lang="en-US" dirty="0"/>
                     </a:p>
@@ -6112,7 +6108,7 @@
                       <a:pPr algn="ctr"/>
                       <a:r>
                         <a:rPr lang="en-US" dirty="0" smtClean="0"/>
-                        <a:t>240</a:t>
+                        <a:t>400</a:t>
                       </a:r>
                       <a:endParaRPr lang="en-US" dirty="0"/>
                     </a:p>
@@ -6238,7 +6234,7 @@
                       <a:pPr algn="ctr"/>
                       <a:r>
                         <a:rPr lang="en-US" dirty="0" smtClean="0"/>
-                        <a:t>4500</a:t>
+                        <a:t>5000</a:t>
                       </a:r>
                       <a:endParaRPr lang="en-US" dirty="0"/>
                     </a:p>
@@ -6360,7 +6356,7 @@
                       <a:pPr algn="ctr"/>
                       <a:r>
                         <a:rPr lang="en-US" dirty="0" smtClean="0"/>
-                        <a:t>4500</a:t>
+                        <a:t>5000</a:t>
                       </a:r>
                       <a:endParaRPr lang="en-US" dirty="0"/>
                     </a:p>
@@ -7182,11 +7178,7 @@
           <a:p>
             <a:r>
               <a:rPr lang="en-US" sz="3200" dirty="0" smtClean="0"/>
-              <a:t>Time Variant Cross Correlation </a:t>
-            </a:r>
-            <a:r>
-              <a:rPr lang="en-US" sz="3200" dirty="0" smtClean="0"/>
-              <a:t>Samples</a:t>
+              <a:t>Time Variant Cross Correlation Samples</a:t>
             </a:r>
             <a:endParaRPr lang="en-US" sz="3200" dirty="0"/>
           </a:p>
@@ -7227,15 +7219,7 @@
             </a:r>
             <a:r>
               <a:rPr lang="en-US" sz="1600" dirty="0" smtClean="0"/>
-              <a:t> </a:t>
-            </a:r>
-            <a:r>
-              <a:rPr lang="en-US" sz="1600" dirty="0" smtClean="0"/>
-              <a:t>Segment </a:t>
-            </a:r>
-            <a:r>
-              <a:rPr lang="en-US" sz="1600" dirty="0" smtClean="0"/>
-              <a:t>123</a:t>
+              <a:t> Segment 123</a:t>
             </a:r>
             <a:endParaRPr lang="en-US" sz="1600" dirty="0"/>
           </a:p>
@@ -7585,11 +7569,7 @@
           <a:p>
             <a:r>
               <a:rPr lang="en-US" sz="3200" dirty="0" smtClean="0"/>
-              <a:t>Time Variant Cross Correlation </a:t>
-            </a:r>
-            <a:r>
-              <a:rPr lang="en-US" sz="3200" dirty="0" smtClean="0"/>
-              <a:t>Samples (abs)</a:t>
+              <a:t>Time Variant Cross Correlation Samples (abs)</a:t>
             </a:r>
             <a:endParaRPr lang="en-US" sz="3200" dirty="0"/>
           </a:p>
@@ -8364,7 +8344,7 @@
   <a:extraClrSchemeLst/>
   <a:extLst>
     <a:ext uri="{05A4C25C-085E-4340-85A3-A5531E510DB2}">
-      <thm15:themeFamily xmlns:thm15="http://schemas.microsoft.com/office/thememl/2012/main" xmlns="" name="Office Theme" id="{62F939B6-93AF-4DB8-9C6B-D6C7DFDC589F}" vid="{AE6F2518-B084-4896-AF52-66CC2144AA26}"/>
+      <thm15:themeFamily xmlns="" xmlns:thm15="http://schemas.microsoft.com/office/thememl/2012/main" name="Office Theme" id="{62F939B6-93AF-4DB8-9C6B-D6C7DFDC589F}" vid="{AE6F2518-B084-4896-AF52-66CC2144AA26}"/>
     </a:ext>
   </a:extLst>
 </a:theme>
